--- a/trunk/PROJET/Presentation/PRE_15-12-10_V1.pptx
+++ b/trunk/PROJET/Presentation/PRE_15-12-10_V1.pptx
@@ -2,12 +2,24 @@
 <file path=ppt/presentation.xml><?xml version="1.0" encoding="utf-8"?>
 <p:presentation xmlns:a="http://schemas.openxmlformats.org/drawingml/2006/main" xmlns:r="http://schemas.openxmlformats.org/officeDocument/2006/relationships" xmlns:p="http://schemas.openxmlformats.org/presentationml/2006/main" saveSubsetFonts="1">
   <p:sldMasterIdLst>
-    <p:sldMasterId id="2147483648" r:id="rId1"/>
+    <p:sldMasterId id="2147483708" r:id="rId1"/>
   </p:sldMasterIdLst>
+  <p:notesMasterIdLst>
+    <p:notesMasterId r:id="rId14"/>
+  </p:notesMasterIdLst>
   <p:sldIdLst>
-    <p:sldId id="256" r:id="rId2"/>
-    <p:sldId id="257" r:id="rId3"/>
-    <p:sldId id="258" r:id="rId4"/>
+    <p:sldId id="259" r:id="rId2"/>
+    <p:sldId id="260" r:id="rId3"/>
+    <p:sldId id="261" r:id="rId4"/>
+    <p:sldId id="262" r:id="rId5"/>
+    <p:sldId id="263" r:id="rId6"/>
+    <p:sldId id="256" r:id="rId7"/>
+    <p:sldId id="257" r:id="rId8"/>
+    <p:sldId id="258" r:id="rId9"/>
+    <p:sldId id="264" r:id="rId10"/>
+    <p:sldId id="265" r:id="rId11"/>
+    <p:sldId id="266" r:id="rId12"/>
+    <p:sldId id="267" r:id="rId13"/>
   </p:sldIdLst>
   <p:sldSz cx="9144000" cy="6858000" type="screen4x3"/>
   <p:notesSz cx="6858000" cy="9144000"/>
@@ -109,6 +121,1687 @@
 </p:presentation>
 </file>
 
+<file path=ppt/charts/chart1.xml><?xml version="1.0" encoding="utf-8"?>
+<c:chartSpace xmlns:c="http://schemas.openxmlformats.org/drawingml/2006/chart" xmlns:a="http://schemas.openxmlformats.org/drawingml/2006/main" xmlns:r="http://schemas.openxmlformats.org/officeDocument/2006/relationships">
+  <c:date1904 val="0"/>
+  <c:lang val="fr-FR"/>
+  <c:roundedCorners val="0"/>
+  <mc:AlternateContent xmlns:mc="http://schemas.openxmlformats.org/markup-compatibility/2006">
+    <mc:Choice xmlns:c14="http://schemas.microsoft.com/office/drawing/2007/8/2/chart" Requires="c14">
+      <c14:style val="118"/>
+    </mc:Choice>
+    <mc:Fallback>
+      <c:style val="18"/>
+    </mc:Fallback>
+  </mc:AlternateContent>
+  <c:chart>
+    <c:autoTitleDeleted val="1"/>
+    <c:view3D>
+      <c:rotX val="15"/>
+      <c:rotY val="20"/>
+      <c:rAngAx val="0"/>
+      <c:perspective val="30"/>
+    </c:view3D>
+    <c:floor>
+      <c:thickness val="0"/>
+    </c:floor>
+    <c:sideWall>
+      <c:thickness val="0"/>
+    </c:sideWall>
+    <c:backWall>
+      <c:thickness val="0"/>
+    </c:backWall>
+    <c:plotArea>
+      <c:layout/>
+      <c:bar3DChart>
+        <c:barDir val="bar"/>
+        <c:grouping val="clustered"/>
+        <c:varyColors val="0"/>
+        <c:ser>
+          <c:idx val="0"/>
+          <c:order val="0"/>
+          <c:tx>
+            <c:strRef>
+              <c:f>Feuil1!$B$1</c:f>
+              <c:strCache>
+                <c:ptCount val="1"/>
+                <c:pt idx="0">
+                  <c:v>Temps</c:v>
+                </c:pt>
+              </c:strCache>
+            </c:strRef>
+          </c:tx>
+          <c:invertIfNegative val="0"/>
+          <c:cat>
+            <c:strRef>
+              <c:f>Feuil1!$A$2:$A$8</c:f>
+              <c:strCache>
+                <c:ptCount val="7"/>
+                <c:pt idx="0">
+                  <c:v>Alimentation</c:v>
+                </c:pt>
+                <c:pt idx="1">
+                  <c:v>Recettes</c:v>
+                </c:pt>
+                <c:pt idx="2">
+                  <c:v>ETL</c:v>
+                </c:pt>
+                <c:pt idx="3">
+                  <c:v>Restitution Jasper</c:v>
+                </c:pt>
+                <c:pt idx="4">
+                  <c:v>Restitution Sas</c:v>
+                </c:pt>
+                <c:pt idx="5">
+                  <c:v>Architecture</c:v>
+                </c:pt>
+                <c:pt idx="6">
+                  <c:v>Direction</c:v>
+                </c:pt>
+              </c:strCache>
+            </c:strRef>
+          </c:cat>
+          <c:val>
+            <c:numRef>
+              <c:f>Feuil1!$B$2:$B$8</c:f>
+              <c:numCache>
+                <c:formatCode>0.0</c:formatCode>
+                <c:ptCount val="7"/>
+                <c:pt idx="0">
+                  <c:v>80</c:v>
+                </c:pt>
+                <c:pt idx="1">
+                  <c:v>15</c:v>
+                </c:pt>
+                <c:pt idx="2">
+                  <c:v>81</c:v>
+                </c:pt>
+                <c:pt idx="3">
+                  <c:v>60</c:v>
+                </c:pt>
+                <c:pt idx="4">
+                  <c:v>22</c:v>
+                </c:pt>
+                <c:pt idx="5">
+                  <c:v>21</c:v>
+                </c:pt>
+                <c:pt idx="6">
+                  <c:v>15</c:v>
+                </c:pt>
+              </c:numCache>
+            </c:numRef>
+          </c:val>
+        </c:ser>
+        <c:ser>
+          <c:idx val="1"/>
+          <c:order val="1"/>
+          <c:tx>
+            <c:strRef>
+              <c:f>Feuil1!$C$1</c:f>
+              <c:strCache>
+                <c:ptCount val="1"/>
+                <c:pt idx="0">
+                  <c:v>Temps/Homme</c:v>
+                </c:pt>
+              </c:strCache>
+            </c:strRef>
+          </c:tx>
+          <c:invertIfNegative val="0"/>
+          <c:cat>
+            <c:strRef>
+              <c:f>Feuil1!$A$2:$A$8</c:f>
+              <c:strCache>
+                <c:ptCount val="7"/>
+                <c:pt idx="0">
+                  <c:v>Alimentation</c:v>
+                </c:pt>
+                <c:pt idx="1">
+                  <c:v>Recettes</c:v>
+                </c:pt>
+                <c:pt idx="2">
+                  <c:v>ETL</c:v>
+                </c:pt>
+                <c:pt idx="3">
+                  <c:v>Restitution Jasper</c:v>
+                </c:pt>
+                <c:pt idx="4">
+                  <c:v>Restitution Sas</c:v>
+                </c:pt>
+                <c:pt idx="5">
+                  <c:v>Architecture</c:v>
+                </c:pt>
+                <c:pt idx="6">
+                  <c:v>Direction</c:v>
+                </c:pt>
+              </c:strCache>
+            </c:strRef>
+          </c:cat>
+          <c:val>
+            <c:numRef>
+              <c:f>Feuil1!$C$2:$C$8</c:f>
+              <c:numCache>
+                <c:formatCode>0.0</c:formatCode>
+                <c:ptCount val="7"/>
+                <c:pt idx="0">
+                  <c:v>13.333333333333334</c:v>
+                </c:pt>
+                <c:pt idx="1">
+                  <c:v>15</c:v>
+                </c:pt>
+                <c:pt idx="2">
+                  <c:v>27</c:v>
+                </c:pt>
+                <c:pt idx="3">
+                  <c:v>30</c:v>
+                </c:pt>
+                <c:pt idx="4">
+                  <c:v>22</c:v>
+                </c:pt>
+                <c:pt idx="5">
+                  <c:v>15</c:v>
+                </c:pt>
+                <c:pt idx="6">
+                  <c:v>15</c:v>
+                </c:pt>
+              </c:numCache>
+            </c:numRef>
+          </c:val>
+        </c:ser>
+        <c:ser>
+          <c:idx val="2"/>
+          <c:order val="2"/>
+          <c:tx>
+            <c:strRef>
+              <c:f>Feuil1!$D$1</c:f>
+              <c:strCache>
+                <c:ptCount val="1"/>
+                <c:pt idx="0">
+                  <c:v>Temps/Semaine</c:v>
+                </c:pt>
+              </c:strCache>
+            </c:strRef>
+          </c:tx>
+          <c:invertIfNegative val="0"/>
+          <c:cat>
+            <c:strRef>
+              <c:f>Feuil1!$A$2:$A$8</c:f>
+              <c:strCache>
+                <c:ptCount val="7"/>
+                <c:pt idx="0">
+                  <c:v>Alimentation</c:v>
+                </c:pt>
+                <c:pt idx="1">
+                  <c:v>Recettes</c:v>
+                </c:pt>
+                <c:pt idx="2">
+                  <c:v>ETL</c:v>
+                </c:pt>
+                <c:pt idx="3">
+                  <c:v>Restitution Jasper</c:v>
+                </c:pt>
+                <c:pt idx="4">
+                  <c:v>Restitution Sas</c:v>
+                </c:pt>
+                <c:pt idx="5">
+                  <c:v>Architecture</c:v>
+                </c:pt>
+                <c:pt idx="6">
+                  <c:v>Direction</c:v>
+                </c:pt>
+              </c:strCache>
+            </c:strRef>
+          </c:cat>
+          <c:val>
+            <c:numRef>
+              <c:f>Feuil1!$D$2:$D$8</c:f>
+              <c:numCache>
+                <c:formatCode>0.0</c:formatCode>
+                <c:ptCount val="7"/>
+                <c:pt idx="0">
+                  <c:v>11.428571428571429</c:v>
+                </c:pt>
+                <c:pt idx="1">
+                  <c:v>2.1428571428571428</c:v>
+                </c:pt>
+                <c:pt idx="2">
+                  <c:v>11.571428571428571</c:v>
+                </c:pt>
+                <c:pt idx="3">
+                  <c:v>8.5714285714285712</c:v>
+                </c:pt>
+                <c:pt idx="4">
+                  <c:v>3.1428571428571428</c:v>
+                </c:pt>
+                <c:pt idx="5">
+                  <c:v>3</c:v>
+                </c:pt>
+                <c:pt idx="6">
+                  <c:v>2.1428571428571428</c:v>
+                </c:pt>
+              </c:numCache>
+            </c:numRef>
+          </c:val>
+        </c:ser>
+        <c:dLbls>
+          <c:showLegendKey val="0"/>
+          <c:showVal val="1"/>
+          <c:showCatName val="0"/>
+          <c:showSerName val="0"/>
+          <c:showPercent val="0"/>
+          <c:showBubbleSize val="0"/>
+        </c:dLbls>
+        <c:gapWidth val="150"/>
+        <c:shape val="box"/>
+        <c:axId val="80980992"/>
+        <c:axId val="82760832"/>
+        <c:axId val="0"/>
+      </c:bar3DChart>
+      <c:catAx>
+        <c:axId val="80980992"/>
+        <c:scaling>
+          <c:orientation val="minMax"/>
+        </c:scaling>
+        <c:delete val="0"/>
+        <c:axPos val="l"/>
+        <c:majorTickMark val="none"/>
+        <c:minorTickMark val="none"/>
+        <c:tickLblPos val="nextTo"/>
+        <c:crossAx val="82760832"/>
+        <c:crosses val="autoZero"/>
+        <c:auto val="1"/>
+        <c:lblAlgn val="ctr"/>
+        <c:lblOffset val="100"/>
+        <c:noMultiLvlLbl val="0"/>
+      </c:catAx>
+      <c:valAx>
+        <c:axId val="82760832"/>
+        <c:scaling>
+          <c:orientation val="minMax"/>
+        </c:scaling>
+        <c:delete val="1"/>
+        <c:axPos val="b"/>
+        <c:numFmt formatCode="0.0" sourceLinked="1"/>
+        <c:majorTickMark val="none"/>
+        <c:minorTickMark val="none"/>
+        <c:tickLblPos val="nextTo"/>
+        <c:crossAx val="80980992"/>
+        <c:crosses val="autoZero"/>
+        <c:crossBetween val="between"/>
+      </c:valAx>
+    </c:plotArea>
+    <c:legend>
+      <c:legendPos val="t"/>
+      <c:layout/>
+      <c:overlay val="0"/>
+    </c:legend>
+    <c:plotVisOnly val="1"/>
+    <c:dispBlanksAs val="gap"/>
+    <c:showDLblsOverMax val="0"/>
+  </c:chart>
+  <c:externalData r:id="rId1">
+    <c:autoUpdate val="0"/>
+  </c:externalData>
+</c:chartSpace>
+</file>
+
+<file path=ppt/notesMasters/notesMaster1.xml><?xml version="1.0" encoding="utf-8"?>
+<p:notesMaster xmlns:a="http://schemas.openxmlformats.org/drawingml/2006/main" xmlns:r="http://schemas.openxmlformats.org/officeDocument/2006/relationships" xmlns:p="http://schemas.openxmlformats.org/presentationml/2006/main">
+  <p:cSld>
+    <p:bg>
+      <p:bgRef idx="1001">
+        <a:schemeClr val="bg1"/>
+      </p:bgRef>
+    </p:bg>
+    <p:spTree>
+      <p:nvGrpSpPr>
+        <p:cNvPr id="1" name=""/>
+        <p:cNvGrpSpPr/>
+        <p:nvPr/>
+      </p:nvGrpSpPr>
+      <p:grpSpPr>
+        <a:xfrm>
+          <a:off x="0" y="0"/>
+          <a:ext cx="0" cy="0"/>
+          <a:chOff x="0" y="0"/>
+          <a:chExt cx="0" cy="0"/>
+        </a:xfrm>
+      </p:grpSpPr>
+      <p:sp>
+        <p:nvSpPr>
+          <p:cNvPr id="2" name="Espace réservé de l'en-tête 1"/>
+          <p:cNvSpPr>
+            <a:spLocks noGrp="1"/>
+          </p:cNvSpPr>
+          <p:nvPr>
+            <p:ph type="hdr" sz="quarter"/>
+          </p:nvPr>
+        </p:nvSpPr>
+        <p:spPr>
+          <a:xfrm>
+            <a:off x="0" y="0"/>
+            <a:ext cx="2971800" cy="457200"/>
+          </a:xfrm>
+          <a:prstGeom prst="rect">
+            <a:avLst/>
+          </a:prstGeom>
+        </p:spPr>
+        <p:txBody>
+          <a:bodyPr vert="horz" lIns="91440" tIns="45720" rIns="91440" bIns="45720" rtlCol="0"/>
+          <a:lstStyle>
+            <a:lvl1pPr algn="l">
+              <a:defRPr sz="1200"/>
+            </a:lvl1pPr>
+          </a:lstStyle>
+          <a:p>
+            <a:endParaRPr lang="fr-FR"/>
+          </a:p>
+        </p:txBody>
+      </p:sp>
+      <p:sp>
+        <p:nvSpPr>
+          <p:cNvPr id="3" name="Espace réservé de la date 2"/>
+          <p:cNvSpPr>
+            <a:spLocks noGrp="1"/>
+          </p:cNvSpPr>
+          <p:nvPr>
+            <p:ph type="dt" idx="1"/>
+          </p:nvPr>
+        </p:nvSpPr>
+        <p:spPr>
+          <a:xfrm>
+            <a:off x="3884613" y="0"/>
+            <a:ext cx="2971800" cy="457200"/>
+          </a:xfrm>
+          <a:prstGeom prst="rect">
+            <a:avLst/>
+          </a:prstGeom>
+        </p:spPr>
+        <p:txBody>
+          <a:bodyPr vert="horz" lIns="91440" tIns="45720" rIns="91440" bIns="45720" rtlCol="0"/>
+          <a:lstStyle>
+            <a:lvl1pPr algn="r">
+              <a:defRPr sz="1200"/>
+            </a:lvl1pPr>
+          </a:lstStyle>
+          <a:p>
+            <a:fld id="{77BD4CDA-18EF-43DA-BA6F-DE9D3B5529C8}" type="datetimeFigureOut">
+              <a:rPr lang="fr-FR" smtClean="0"/>
+              <a:t>15/12/2010</a:t>
+            </a:fld>
+            <a:endParaRPr lang="fr-FR"/>
+          </a:p>
+        </p:txBody>
+      </p:sp>
+      <p:sp>
+        <p:nvSpPr>
+          <p:cNvPr id="4" name="Espace réservé de l'image des diapositives 3"/>
+          <p:cNvSpPr>
+            <a:spLocks noGrp="1" noRot="1" noChangeAspect="1"/>
+          </p:cNvSpPr>
+          <p:nvPr>
+            <p:ph type="sldImg" idx="2"/>
+          </p:nvPr>
+        </p:nvSpPr>
+        <p:spPr>
+          <a:xfrm>
+            <a:off x="1143000" y="685800"/>
+            <a:ext cx="4572000" cy="3429000"/>
+          </a:xfrm>
+          <a:prstGeom prst="rect">
+            <a:avLst/>
+          </a:prstGeom>
+          <a:noFill/>
+          <a:ln w="12700">
+            <a:solidFill>
+              <a:prstClr val="black"/>
+            </a:solidFill>
+          </a:ln>
+        </p:spPr>
+        <p:txBody>
+          <a:bodyPr vert="horz" lIns="91440" tIns="45720" rIns="91440" bIns="45720" rtlCol="0" anchor="ctr"/>
+          <a:lstStyle/>
+          <a:p>
+            <a:endParaRPr lang="fr-FR"/>
+          </a:p>
+        </p:txBody>
+      </p:sp>
+      <p:sp>
+        <p:nvSpPr>
+          <p:cNvPr id="5" name="Espace réservé des commentaires 4"/>
+          <p:cNvSpPr>
+            <a:spLocks noGrp="1"/>
+          </p:cNvSpPr>
+          <p:nvPr>
+            <p:ph type="body" sz="quarter" idx="3"/>
+          </p:nvPr>
+        </p:nvSpPr>
+        <p:spPr>
+          <a:xfrm>
+            <a:off x="685800" y="4343400"/>
+            <a:ext cx="5486400" cy="4114800"/>
+          </a:xfrm>
+          <a:prstGeom prst="rect">
+            <a:avLst/>
+          </a:prstGeom>
+        </p:spPr>
+        <p:txBody>
+          <a:bodyPr vert="horz" lIns="91440" tIns="45720" rIns="91440" bIns="45720" rtlCol="0"/>
+          <a:lstStyle/>
+          <a:p>
+            <a:pPr lvl="0"/>
+            <a:r>
+              <a:rPr lang="fr-FR" smtClean="0"/>
+              <a:t>Modifiez les styles du texte du masque</a:t>
+            </a:r>
+          </a:p>
+          <a:p>
+            <a:pPr lvl="1"/>
+            <a:r>
+              <a:rPr lang="fr-FR" smtClean="0"/>
+              <a:t>Deuxième niveau</a:t>
+            </a:r>
+          </a:p>
+          <a:p>
+            <a:pPr lvl="2"/>
+            <a:r>
+              <a:rPr lang="fr-FR" smtClean="0"/>
+              <a:t>Troisième niveau</a:t>
+            </a:r>
+          </a:p>
+          <a:p>
+            <a:pPr lvl="3"/>
+            <a:r>
+              <a:rPr lang="fr-FR" smtClean="0"/>
+              <a:t>Quatrième niveau</a:t>
+            </a:r>
+          </a:p>
+          <a:p>
+            <a:pPr lvl="4"/>
+            <a:r>
+              <a:rPr lang="fr-FR" smtClean="0"/>
+              <a:t>Cinquième niveau</a:t>
+            </a:r>
+            <a:endParaRPr lang="fr-FR"/>
+          </a:p>
+        </p:txBody>
+      </p:sp>
+      <p:sp>
+        <p:nvSpPr>
+          <p:cNvPr id="6" name="Espace réservé du pied de page 5"/>
+          <p:cNvSpPr>
+            <a:spLocks noGrp="1"/>
+          </p:cNvSpPr>
+          <p:nvPr>
+            <p:ph type="ftr" sz="quarter" idx="4"/>
+          </p:nvPr>
+        </p:nvSpPr>
+        <p:spPr>
+          <a:xfrm>
+            <a:off x="0" y="8685213"/>
+            <a:ext cx="2971800" cy="457200"/>
+          </a:xfrm>
+          <a:prstGeom prst="rect">
+            <a:avLst/>
+          </a:prstGeom>
+        </p:spPr>
+        <p:txBody>
+          <a:bodyPr vert="horz" lIns="91440" tIns="45720" rIns="91440" bIns="45720" rtlCol="0" anchor="b"/>
+          <a:lstStyle>
+            <a:lvl1pPr algn="l">
+              <a:defRPr sz="1200"/>
+            </a:lvl1pPr>
+          </a:lstStyle>
+          <a:p>
+            <a:endParaRPr lang="fr-FR"/>
+          </a:p>
+        </p:txBody>
+      </p:sp>
+      <p:sp>
+        <p:nvSpPr>
+          <p:cNvPr id="7" name="Espace réservé du numéro de diapositive 6"/>
+          <p:cNvSpPr>
+            <a:spLocks noGrp="1"/>
+          </p:cNvSpPr>
+          <p:nvPr>
+            <p:ph type="sldNum" sz="quarter" idx="5"/>
+          </p:nvPr>
+        </p:nvSpPr>
+        <p:spPr>
+          <a:xfrm>
+            <a:off x="3884613" y="8685213"/>
+            <a:ext cx="2971800" cy="457200"/>
+          </a:xfrm>
+          <a:prstGeom prst="rect">
+            <a:avLst/>
+          </a:prstGeom>
+        </p:spPr>
+        <p:txBody>
+          <a:bodyPr vert="horz" lIns="91440" tIns="45720" rIns="91440" bIns="45720" rtlCol="0" anchor="b"/>
+          <a:lstStyle>
+            <a:lvl1pPr algn="r">
+              <a:defRPr sz="1200"/>
+            </a:lvl1pPr>
+          </a:lstStyle>
+          <a:p>
+            <a:fld id="{E68E5354-11F9-4EDC-B8B8-75D33149D345}" type="slidenum">
+              <a:rPr lang="fr-FR" smtClean="0"/>
+              <a:t>‹N°›</a:t>
+            </a:fld>
+            <a:endParaRPr lang="fr-FR"/>
+          </a:p>
+        </p:txBody>
+      </p:sp>
+    </p:spTree>
+    <p:extLst>
+      <p:ext uri="{BB962C8B-B14F-4D97-AF65-F5344CB8AC3E}">
+        <p14:creationId xmlns:p14="http://schemas.microsoft.com/office/powerpoint/2010/main" val="1493265261"/>
+      </p:ext>
+    </p:extLst>
+  </p:cSld>
+  <p:clrMap bg1="lt1" tx1="dk1" bg2="lt2" tx2="dk2" accent1="accent1" accent2="accent2" accent3="accent3" accent4="accent4" accent5="accent5" accent6="accent6" hlink="hlink" folHlink="folHlink"/>
+  <p:notesStyle>
+    <a:lvl1pPr marL="0" algn="l" defTabSz="914400" rtl="0" eaLnBrk="1" latinLnBrk="0" hangingPunct="1">
+      <a:defRPr sz="1200" kern="1200">
+        <a:solidFill>
+          <a:schemeClr val="tx1"/>
+        </a:solidFill>
+        <a:latin typeface="+mn-lt"/>
+        <a:ea typeface="+mn-ea"/>
+        <a:cs typeface="+mn-cs"/>
+      </a:defRPr>
+    </a:lvl1pPr>
+    <a:lvl2pPr marL="457200" algn="l" defTabSz="914400" rtl="0" eaLnBrk="1" latinLnBrk="0" hangingPunct="1">
+      <a:defRPr sz="1200" kern="1200">
+        <a:solidFill>
+          <a:schemeClr val="tx1"/>
+        </a:solidFill>
+        <a:latin typeface="+mn-lt"/>
+        <a:ea typeface="+mn-ea"/>
+        <a:cs typeface="+mn-cs"/>
+      </a:defRPr>
+    </a:lvl2pPr>
+    <a:lvl3pPr marL="914400" algn="l" defTabSz="914400" rtl="0" eaLnBrk="1" latinLnBrk="0" hangingPunct="1">
+      <a:defRPr sz="1200" kern="1200">
+        <a:solidFill>
+          <a:schemeClr val="tx1"/>
+        </a:solidFill>
+        <a:latin typeface="+mn-lt"/>
+        <a:ea typeface="+mn-ea"/>
+        <a:cs typeface="+mn-cs"/>
+      </a:defRPr>
+    </a:lvl3pPr>
+    <a:lvl4pPr marL="1371600" algn="l" defTabSz="914400" rtl="0" eaLnBrk="1" latinLnBrk="0" hangingPunct="1">
+      <a:defRPr sz="1200" kern="1200">
+        <a:solidFill>
+          <a:schemeClr val="tx1"/>
+        </a:solidFill>
+        <a:latin typeface="+mn-lt"/>
+        <a:ea typeface="+mn-ea"/>
+        <a:cs typeface="+mn-cs"/>
+      </a:defRPr>
+    </a:lvl4pPr>
+    <a:lvl5pPr marL="1828800" algn="l" defTabSz="914400" rtl="0" eaLnBrk="1" latinLnBrk="0" hangingPunct="1">
+      <a:defRPr sz="1200" kern="1200">
+        <a:solidFill>
+          <a:schemeClr val="tx1"/>
+        </a:solidFill>
+        <a:latin typeface="+mn-lt"/>
+        <a:ea typeface="+mn-ea"/>
+        <a:cs typeface="+mn-cs"/>
+      </a:defRPr>
+    </a:lvl5pPr>
+    <a:lvl6pPr marL="2286000" algn="l" defTabSz="914400" rtl="0" eaLnBrk="1" latinLnBrk="0" hangingPunct="1">
+      <a:defRPr sz="1200" kern="1200">
+        <a:solidFill>
+          <a:schemeClr val="tx1"/>
+        </a:solidFill>
+        <a:latin typeface="+mn-lt"/>
+        <a:ea typeface="+mn-ea"/>
+        <a:cs typeface="+mn-cs"/>
+      </a:defRPr>
+    </a:lvl6pPr>
+    <a:lvl7pPr marL="2743200" algn="l" defTabSz="914400" rtl="0" eaLnBrk="1" latinLnBrk="0" hangingPunct="1">
+      <a:defRPr sz="1200" kern="1200">
+        <a:solidFill>
+          <a:schemeClr val="tx1"/>
+        </a:solidFill>
+        <a:latin typeface="+mn-lt"/>
+        <a:ea typeface="+mn-ea"/>
+        <a:cs typeface="+mn-cs"/>
+      </a:defRPr>
+    </a:lvl7pPr>
+    <a:lvl8pPr marL="3200400" algn="l" defTabSz="914400" rtl="0" eaLnBrk="1" latinLnBrk="0" hangingPunct="1">
+      <a:defRPr sz="1200" kern="1200">
+        <a:solidFill>
+          <a:schemeClr val="tx1"/>
+        </a:solidFill>
+        <a:latin typeface="+mn-lt"/>
+        <a:ea typeface="+mn-ea"/>
+        <a:cs typeface="+mn-cs"/>
+      </a:defRPr>
+    </a:lvl8pPr>
+    <a:lvl9pPr marL="3657600" algn="l" defTabSz="914400" rtl="0" eaLnBrk="1" latinLnBrk="0" hangingPunct="1">
+      <a:defRPr sz="1200" kern="1200">
+        <a:solidFill>
+          <a:schemeClr val="tx1"/>
+        </a:solidFill>
+        <a:latin typeface="+mn-lt"/>
+        <a:ea typeface="+mn-ea"/>
+        <a:cs typeface="+mn-cs"/>
+      </a:defRPr>
+    </a:lvl9pPr>
+  </p:notesStyle>
+</p:notesMaster>
+</file>
+
+<file path=ppt/notesSlides/notesSlide1.xml><?xml version="1.0" encoding="utf-8"?>
+<p:notes xmlns:a="http://schemas.openxmlformats.org/drawingml/2006/main" xmlns:r="http://schemas.openxmlformats.org/officeDocument/2006/relationships" xmlns:p="http://schemas.openxmlformats.org/presentationml/2006/main">
+  <p:cSld>
+    <p:spTree>
+      <p:nvGrpSpPr>
+        <p:cNvPr id="1" name=""/>
+        <p:cNvGrpSpPr/>
+        <p:nvPr/>
+      </p:nvGrpSpPr>
+      <p:grpSpPr>
+        <a:xfrm>
+          <a:off x="0" y="0"/>
+          <a:ext cx="0" cy="0"/>
+          <a:chOff x="0" y="0"/>
+          <a:chExt cx="0" cy="0"/>
+        </a:xfrm>
+      </p:grpSpPr>
+      <p:sp>
+        <p:nvSpPr>
+          <p:cNvPr id="2" name="Espace réservé de l'image des diapositives 1"/>
+          <p:cNvSpPr>
+            <a:spLocks noGrp="1" noRot="1" noChangeAspect="1"/>
+          </p:cNvSpPr>
+          <p:nvPr>
+            <p:ph type="sldImg"/>
+          </p:nvPr>
+        </p:nvSpPr>
+        <p:spPr/>
+      </p:sp>
+      <p:sp>
+        <p:nvSpPr>
+          <p:cNvPr id="3" name="Espace réservé des commentaires 2"/>
+          <p:cNvSpPr>
+            <a:spLocks noGrp="1"/>
+          </p:cNvSpPr>
+          <p:nvPr>
+            <p:ph type="body" idx="1"/>
+          </p:nvPr>
+        </p:nvSpPr>
+        <p:spPr/>
+        <p:txBody>
+          <a:bodyPr/>
+          <a:lstStyle/>
+          <a:p>
+            <a:endParaRPr lang="fr-FR"/>
+          </a:p>
+        </p:txBody>
+      </p:sp>
+      <p:sp>
+        <p:nvSpPr>
+          <p:cNvPr id="4" name="Espace réservé du numéro de diapositive 3"/>
+          <p:cNvSpPr>
+            <a:spLocks noGrp="1"/>
+          </p:cNvSpPr>
+          <p:nvPr>
+            <p:ph type="sldNum" sz="quarter" idx="10"/>
+          </p:nvPr>
+        </p:nvSpPr>
+        <p:spPr/>
+        <p:txBody>
+          <a:bodyPr/>
+          <a:lstStyle/>
+          <a:p>
+            <a:fld id="{E68E5354-11F9-4EDC-B8B8-75D33149D345}" type="slidenum">
+              <a:rPr lang="fr-FR" smtClean="0"/>
+              <a:t>1</a:t>
+            </a:fld>
+            <a:endParaRPr lang="fr-FR"/>
+          </a:p>
+        </p:txBody>
+      </p:sp>
+    </p:spTree>
+    <p:extLst>
+      <p:ext uri="{BB962C8B-B14F-4D97-AF65-F5344CB8AC3E}">
+        <p14:creationId xmlns:p14="http://schemas.microsoft.com/office/powerpoint/2010/main" val="2030216051"/>
+      </p:ext>
+    </p:extLst>
+  </p:cSld>
+  <p:clrMapOvr>
+    <a:masterClrMapping/>
+  </p:clrMapOvr>
+</p:notes>
+</file>
+
+<file path=ppt/notesSlides/notesSlide10.xml><?xml version="1.0" encoding="utf-8"?>
+<p:notes xmlns:a="http://schemas.openxmlformats.org/drawingml/2006/main" xmlns:r="http://schemas.openxmlformats.org/officeDocument/2006/relationships" xmlns:p="http://schemas.openxmlformats.org/presentationml/2006/main">
+  <p:cSld>
+    <p:spTree>
+      <p:nvGrpSpPr>
+        <p:cNvPr id="1" name=""/>
+        <p:cNvGrpSpPr/>
+        <p:nvPr/>
+      </p:nvGrpSpPr>
+      <p:grpSpPr>
+        <a:xfrm>
+          <a:off x="0" y="0"/>
+          <a:ext cx="0" cy="0"/>
+          <a:chOff x="0" y="0"/>
+          <a:chExt cx="0" cy="0"/>
+        </a:xfrm>
+      </p:grpSpPr>
+      <p:sp>
+        <p:nvSpPr>
+          <p:cNvPr id="2" name="Espace réservé de l'image des diapositives 1"/>
+          <p:cNvSpPr>
+            <a:spLocks noGrp="1" noRot="1" noChangeAspect="1"/>
+          </p:cNvSpPr>
+          <p:nvPr>
+            <p:ph type="sldImg"/>
+          </p:nvPr>
+        </p:nvSpPr>
+        <p:spPr/>
+      </p:sp>
+      <p:sp>
+        <p:nvSpPr>
+          <p:cNvPr id="3" name="Espace réservé des commentaires 2"/>
+          <p:cNvSpPr>
+            <a:spLocks noGrp="1"/>
+          </p:cNvSpPr>
+          <p:nvPr>
+            <p:ph type="body" idx="1"/>
+          </p:nvPr>
+        </p:nvSpPr>
+        <p:spPr/>
+        <p:txBody>
+          <a:bodyPr/>
+          <a:lstStyle/>
+          <a:p>
+            <a:endParaRPr lang="fr-FR"/>
+          </a:p>
+        </p:txBody>
+      </p:sp>
+      <p:sp>
+        <p:nvSpPr>
+          <p:cNvPr id="4" name="Espace réservé du numéro de diapositive 3"/>
+          <p:cNvSpPr>
+            <a:spLocks noGrp="1"/>
+          </p:cNvSpPr>
+          <p:nvPr>
+            <p:ph type="sldNum" sz="quarter" idx="10"/>
+          </p:nvPr>
+        </p:nvSpPr>
+        <p:spPr/>
+        <p:txBody>
+          <a:bodyPr/>
+          <a:lstStyle/>
+          <a:p>
+            <a:fld id="{E68E5354-11F9-4EDC-B8B8-75D33149D345}" type="slidenum">
+              <a:rPr lang="fr-FR" smtClean="0"/>
+              <a:t>10</a:t>
+            </a:fld>
+            <a:endParaRPr lang="fr-FR"/>
+          </a:p>
+        </p:txBody>
+      </p:sp>
+    </p:spTree>
+    <p:extLst>
+      <p:ext uri="{BB962C8B-B14F-4D97-AF65-F5344CB8AC3E}">
+        <p14:creationId xmlns:p14="http://schemas.microsoft.com/office/powerpoint/2010/main" val="835572826"/>
+      </p:ext>
+    </p:extLst>
+  </p:cSld>
+  <p:clrMapOvr>
+    <a:masterClrMapping/>
+  </p:clrMapOvr>
+</p:notes>
+</file>
+
+<file path=ppt/notesSlides/notesSlide11.xml><?xml version="1.0" encoding="utf-8"?>
+<p:notes xmlns:a="http://schemas.openxmlformats.org/drawingml/2006/main" xmlns:r="http://schemas.openxmlformats.org/officeDocument/2006/relationships" xmlns:p="http://schemas.openxmlformats.org/presentationml/2006/main">
+  <p:cSld>
+    <p:spTree>
+      <p:nvGrpSpPr>
+        <p:cNvPr id="1" name=""/>
+        <p:cNvGrpSpPr/>
+        <p:nvPr/>
+      </p:nvGrpSpPr>
+      <p:grpSpPr>
+        <a:xfrm>
+          <a:off x="0" y="0"/>
+          <a:ext cx="0" cy="0"/>
+          <a:chOff x="0" y="0"/>
+          <a:chExt cx="0" cy="0"/>
+        </a:xfrm>
+      </p:grpSpPr>
+      <p:sp>
+        <p:nvSpPr>
+          <p:cNvPr id="2" name="Espace réservé de l'image des diapositives 1"/>
+          <p:cNvSpPr>
+            <a:spLocks noGrp="1" noRot="1" noChangeAspect="1"/>
+          </p:cNvSpPr>
+          <p:nvPr>
+            <p:ph type="sldImg"/>
+          </p:nvPr>
+        </p:nvSpPr>
+        <p:spPr/>
+      </p:sp>
+      <p:sp>
+        <p:nvSpPr>
+          <p:cNvPr id="3" name="Espace réservé des commentaires 2"/>
+          <p:cNvSpPr>
+            <a:spLocks noGrp="1"/>
+          </p:cNvSpPr>
+          <p:nvPr>
+            <p:ph type="body" idx="1"/>
+          </p:nvPr>
+        </p:nvSpPr>
+        <p:spPr/>
+        <p:txBody>
+          <a:bodyPr/>
+          <a:lstStyle/>
+          <a:p>
+            <a:endParaRPr lang="fr-FR"/>
+          </a:p>
+        </p:txBody>
+      </p:sp>
+      <p:sp>
+        <p:nvSpPr>
+          <p:cNvPr id="4" name="Espace réservé du numéro de diapositive 3"/>
+          <p:cNvSpPr>
+            <a:spLocks noGrp="1"/>
+          </p:cNvSpPr>
+          <p:nvPr>
+            <p:ph type="sldNum" sz="quarter" idx="10"/>
+          </p:nvPr>
+        </p:nvSpPr>
+        <p:spPr/>
+        <p:txBody>
+          <a:bodyPr/>
+          <a:lstStyle/>
+          <a:p>
+            <a:fld id="{E68E5354-11F9-4EDC-B8B8-75D33149D345}" type="slidenum">
+              <a:rPr lang="fr-FR" smtClean="0"/>
+              <a:t>11</a:t>
+            </a:fld>
+            <a:endParaRPr lang="fr-FR"/>
+          </a:p>
+        </p:txBody>
+      </p:sp>
+    </p:spTree>
+    <p:extLst>
+      <p:ext uri="{BB962C8B-B14F-4D97-AF65-F5344CB8AC3E}">
+        <p14:creationId xmlns:p14="http://schemas.microsoft.com/office/powerpoint/2010/main" val="835572826"/>
+      </p:ext>
+    </p:extLst>
+  </p:cSld>
+  <p:clrMapOvr>
+    <a:masterClrMapping/>
+  </p:clrMapOvr>
+</p:notes>
+</file>
+
+<file path=ppt/notesSlides/notesSlide12.xml><?xml version="1.0" encoding="utf-8"?>
+<p:notes xmlns:a="http://schemas.openxmlformats.org/drawingml/2006/main" xmlns:r="http://schemas.openxmlformats.org/officeDocument/2006/relationships" xmlns:p="http://schemas.openxmlformats.org/presentationml/2006/main">
+  <p:cSld>
+    <p:spTree>
+      <p:nvGrpSpPr>
+        <p:cNvPr id="1" name=""/>
+        <p:cNvGrpSpPr/>
+        <p:nvPr/>
+      </p:nvGrpSpPr>
+      <p:grpSpPr>
+        <a:xfrm>
+          <a:off x="0" y="0"/>
+          <a:ext cx="0" cy="0"/>
+          <a:chOff x="0" y="0"/>
+          <a:chExt cx="0" cy="0"/>
+        </a:xfrm>
+      </p:grpSpPr>
+      <p:sp>
+        <p:nvSpPr>
+          <p:cNvPr id="2" name="Espace réservé de l'image des diapositives 1"/>
+          <p:cNvSpPr>
+            <a:spLocks noGrp="1" noRot="1" noChangeAspect="1"/>
+          </p:cNvSpPr>
+          <p:nvPr>
+            <p:ph type="sldImg"/>
+          </p:nvPr>
+        </p:nvSpPr>
+        <p:spPr/>
+      </p:sp>
+      <p:sp>
+        <p:nvSpPr>
+          <p:cNvPr id="3" name="Espace réservé des commentaires 2"/>
+          <p:cNvSpPr>
+            <a:spLocks noGrp="1"/>
+          </p:cNvSpPr>
+          <p:nvPr>
+            <p:ph type="body" idx="1"/>
+          </p:nvPr>
+        </p:nvSpPr>
+        <p:spPr/>
+        <p:txBody>
+          <a:bodyPr/>
+          <a:lstStyle/>
+          <a:p>
+            <a:endParaRPr lang="fr-FR"/>
+          </a:p>
+        </p:txBody>
+      </p:sp>
+      <p:sp>
+        <p:nvSpPr>
+          <p:cNvPr id="4" name="Espace réservé du numéro de diapositive 3"/>
+          <p:cNvSpPr>
+            <a:spLocks noGrp="1"/>
+          </p:cNvSpPr>
+          <p:nvPr>
+            <p:ph type="sldNum" sz="quarter" idx="10"/>
+          </p:nvPr>
+        </p:nvSpPr>
+        <p:spPr/>
+        <p:txBody>
+          <a:bodyPr/>
+          <a:lstStyle/>
+          <a:p>
+            <a:fld id="{E68E5354-11F9-4EDC-B8B8-75D33149D345}" type="slidenum">
+              <a:rPr lang="fr-FR" smtClean="0"/>
+              <a:t>12</a:t>
+            </a:fld>
+            <a:endParaRPr lang="fr-FR"/>
+          </a:p>
+        </p:txBody>
+      </p:sp>
+    </p:spTree>
+    <p:extLst>
+      <p:ext uri="{BB962C8B-B14F-4D97-AF65-F5344CB8AC3E}">
+        <p14:creationId xmlns:p14="http://schemas.microsoft.com/office/powerpoint/2010/main" val="835572826"/>
+      </p:ext>
+    </p:extLst>
+  </p:cSld>
+  <p:clrMapOvr>
+    <a:masterClrMapping/>
+  </p:clrMapOvr>
+</p:notes>
+</file>
+
+<file path=ppt/notesSlides/notesSlide2.xml><?xml version="1.0" encoding="utf-8"?>
+<p:notes xmlns:a="http://schemas.openxmlformats.org/drawingml/2006/main" xmlns:r="http://schemas.openxmlformats.org/officeDocument/2006/relationships" xmlns:p="http://schemas.openxmlformats.org/presentationml/2006/main">
+  <p:cSld>
+    <p:spTree>
+      <p:nvGrpSpPr>
+        <p:cNvPr id="1" name=""/>
+        <p:cNvGrpSpPr/>
+        <p:nvPr/>
+      </p:nvGrpSpPr>
+      <p:grpSpPr>
+        <a:xfrm>
+          <a:off x="0" y="0"/>
+          <a:ext cx="0" cy="0"/>
+          <a:chOff x="0" y="0"/>
+          <a:chExt cx="0" cy="0"/>
+        </a:xfrm>
+      </p:grpSpPr>
+      <p:sp>
+        <p:nvSpPr>
+          <p:cNvPr id="2" name="Espace réservé de l'image des diapositives 1"/>
+          <p:cNvSpPr>
+            <a:spLocks noGrp="1" noRot="1" noChangeAspect="1"/>
+          </p:cNvSpPr>
+          <p:nvPr>
+            <p:ph type="sldImg"/>
+          </p:nvPr>
+        </p:nvSpPr>
+        <p:spPr/>
+      </p:sp>
+      <p:sp>
+        <p:nvSpPr>
+          <p:cNvPr id="3" name="Espace réservé des commentaires 2"/>
+          <p:cNvSpPr>
+            <a:spLocks noGrp="1"/>
+          </p:cNvSpPr>
+          <p:nvPr>
+            <p:ph type="body" idx="1"/>
+          </p:nvPr>
+        </p:nvSpPr>
+        <p:spPr/>
+        <p:txBody>
+          <a:bodyPr/>
+          <a:lstStyle/>
+          <a:p>
+            <a:endParaRPr lang="fr-FR"/>
+          </a:p>
+        </p:txBody>
+      </p:sp>
+      <p:sp>
+        <p:nvSpPr>
+          <p:cNvPr id="4" name="Espace réservé du numéro de diapositive 3"/>
+          <p:cNvSpPr>
+            <a:spLocks noGrp="1"/>
+          </p:cNvSpPr>
+          <p:nvPr>
+            <p:ph type="sldNum" sz="quarter" idx="10"/>
+          </p:nvPr>
+        </p:nvSpPr>
+        <p:spPr/>
+        <p:txBody>
+          <a:bodyPr/>
+          <a:lstStyle/>
+          <a:p>
+            <a:fld id="{E68E5354-11F9-4EDC-B8B8-75D33149D345}" type="slidenum">
+              <a:rPr lang="fr-FR" smtClean="0"/>
+              <a:t>2</a:t>
+            </a:fld>
+            <a:endParaRPr lang="fr-FR"/>
+          </a:p>
+        </p:txBody>
+      </p:sp>
+    </p:spTree>
+    <p:extLst>
+      <p:ext uri="{BB962C8B-B14F-4D97-AF65-F5344CB8AC3E}">
+        <p14:creationId xmlns:p14="http://schemas.microsoft.com/office/powerpoint/2010/main" val="1436837154"/>
+      </p:ext>
+    </p:extLst>
+  </p:cSld>
+  <p:clrMapOvr>
+    <a:masterClrMapping/>
+  </p:clrMapOvr>
+</p:notes>
+</file>
+
+<file path=ppt/notesSlides/notesSlide3.xml><?xml version="1.0" encoding="utf-8"?>
+<p:notes xmlns:a="http://schemas.openxmlformats.org/drawingml/2006/main" xmlns:r="http://schemas.openxmlformats.org/officeDocument/2006/relationships" xmlns:p="http://schemas.openxmlformats.org/presentationml/2006/main">
+  <p:cSld>
+    <p:spTree>
+      <p:nvGrpSpPr>
+        <p:cNvPr id="1" name=""/>
+        <p:cNvGrpSpPr/>
+        <p:nvPr/>
+      </p:nvGrpSpPr>
+      <p:grpSpPr>
+        <a:xfrm>
+          <a:off x="0" y="0"/>
+          <a:ext cx="0" cy="0"/>
+          <a:chOff x="0" y="0"/>
+          <a:chExt cx="0" cy="0"/>
+        </a:xfrm>
+      </p:grpSpPr>
+      <p:sp>
+        <p:nvSpPr>
+          <p:cNvPr id="2" name="Espace réservé de l'image des diapositives 1"/>
+          <p:cNvSpPr>
+            <a:spLocks noGrp="1" noRot="1" noChangeAspect="1"/>
+          </p:cNvSpPr>
+          <p:nvPr>
+            <p:ph type="sldImg"/>
+          </p:nvPr>
+        </p:nvSpPr>
+        <p:spPr/>
+      </p:sp>
+      <p:sp>
+        <p:nvSpPr>
+          <p:cNvPr id="3" name="Espace réservé des commentaires 2"/>
+          <p:cNvSpPr>
+            <a:spLocks noGrp="1"/>
+          </p:cNvSpPr>
+          <p:nvPr>
+            <p:ph type="body" idx="1"/>
+          </p:nvPr>
+        </p:nvSpPr>
+        <p:spPr/>
+        <p:txBody>
+          <a:bodyPr/>
+          <a:lstStyle/>
+          <a:p>
+            <a:endParaRPr lang="fr-FR"/>
+          </a:p>
+        </p:txBody>
+      </p:sp>
+      <p:sp>
+        <p:nvSpPr>
+          <p:cNvPr id="4" name="Espace réservé du numéro de diapositive 3"/>
+          <p:cNvSpPr>
+            <a:spLocks noGrp="1"/>
+          </p:cNvSpPr>
+          <p:nvPr>
+            <p:ph type="sldNum" sz="quarter" idx="10"/>
+          </p:nvPr>
+        </p:nvSpPr>
+        <p:spPr/>
+        <p:txBody>
+          <a:bodyPr/>
+          <a:lstStyle/>
+          <a:p>
+            <a:fld id="{E68E5354-11F9-4EDC-B8B8-75D33149D345}" type="slidenum">
+              <a:rPr lang="fr-FR" smtClean="0"/>
+              <a:t>3</a:t>
+            </a:fld>
+            <a:endParaRPr lang="fr-FR"/>
+          </a:p>
+        </p:txBody>
+      </p:sp>
+    </p:spTree>
+    <p:extLst>
+      <p:ext uri="{BB962C8B-B14F-4D97-AF65-F5344CB8AC3E}">
+        <p14:creationId xmlns:p14="http://schemas.microsoft.com/office/powerpoint/2010/main" val="2883505231"/>
+      </p:ext>
+    </p:extLst>
+  </p:cSld>
+  <p:clrMapOvr>
+    <a:masterClrMapping/>
+  </p:clrMapOvr>
+</p:notes>
+</file>
+
+<file path=ppt/notesSlides/notesSlide4.xml><?xml version="1.0" encoding="utf-8"?>
+<p:notes xmlns:a="http://schemas.openxmlformats.org/drawingml/2006/main" xmlns:r="http://schemas.openxmlformats.org/officeDocument/2006/relationships" xmlns:p="http://schemas.openxmlformats.org/presentationml/2006/main">
+  <p:cSld>
+    <p:spTree>
+      <p:nvGrpSpPr>
+        <p:cNvPr id="1" name=""/>
+        <p:cNvGrpSpPr/>
+        <p:nvPr/>
+      </p:nvGrpSpPr>
+      <p:grpSpPr>
+        <a:xfrm>
+          <a:off x="0" y="0"/>
+          <a:ext cx="0" cy="0"/>
+          <a:chOff x="0" y="0"/>
+          <a:chExt cx="0" cy="0"/>
+        </a:xfrm>
+      </p:grpSpPr>
+      <p:sp>
+        <p:nvSpPr>
+          <p:cNvPr id="2" name="Espace réservé de l'image des diapositives 1"/>
+          <p:cNvSpPr>
+            <a:spLocks noGrp="1" noRot="1" noChangeAspect="1"/>
+          </p:cNvSpPr>
+          <p:nvPr>
+            <p:ph type="sldImg"/>
+          </p:nvPr>
+        </p:nvSpPr>
+        <p:spPr/>
+      </p:sp>
+      <p:sp>
+        <p:nvSpPr>
+          <p:cNvPr id="3" name="Espace réservé des commentaires 2"/>
+          <p:cNvSpPr>
+            <a:spLocks noGrp="1"/>
+          </p:cNvSpPr>
+          <p:nvPr>
+            <p:ph type="body" idx="1"/>
+          </p:nvPr>
+        </p:nvSpPr>
+        <p:spPr/>
+        <p:txBody>
+          <a:bodyPr/>
+          <a:lstStyle/>
+          <a:p>
+            <a:endParaRPr lang="fr-FR"/>
+          </a:p>
+        </p:txBody>
+      </p:sp>
+      <p:sp>
+        <p:nvSpPr>
+          <p:cNvPr id="4" name="Espace réservé du numéro de diapositive 3"/>
+          <p:cNvSpPr>
+            <a:spLocks noGrp="1"/>
+          </p:cNvSpPr>
+          <p:nvPr>
+            <p:ph type="sldNum" sz="quarter" idx="10"/>
+          </p:nvPr>
+        </p:nvSpPr>
+        <p:spPr/>
+        <p:txBody>
+          <a:bodyPr/>
+          <a:lstStyle/>
+          <a:p>
+            <a:fld id="{E68E5354-11F9-4EDC-B8B8-75D33149D345}" type="slidenum">
+              <a:rPr lang="fr-FR" smtClean="0"/>
+              <a:t>4</a:t>
+            </a:fld>
+            <a:endParaRPr lang="fr-FR"/>
+          </a:p>
+        </p:txBody>
+      </p:sp>
+    </p:spTree>
+    <p:extLst>
+      <p:ext uri="{BB962C8B-B14F-4D97-AF65-F5344CB8AC3E}">
+        <p14:creationId xmlns:p14="http://schemas.microsoft.com/office/powerpoint/2010/main" val="3193691238"/>
+      </p:ext>
+    </p:extLst>
+  </p:cSld>
+  <p:clrMapOvr>
+    <a:masterClrMapping/>
+  </p:clrMapOvr>
+</p:notes>
+</file>
+
+<file path=ppt/notesSlides/notesSlide5.xml><?xml version="1.0" encoding="utf-8"?>
+<p:notes xmlns:a="http://schemas.openxmlformats.org/drawingml/2006/main" xmlns:r="http://schemas.openxmlformats.org/officeDocument/2006/relationships" xmlns:p="http://schemas.openxmlformats.org/presentationml/2006/main">
+  <p:cSld>
+    <p:spTree>
+      <p:nvGrpSpPr>
+        <p:cNvPr id="1" name=""/>
+        <p:cNvGrpSpPr/>
+        <p:nvPr/>
+      </p:nvGrpSpPr>
+      <p:grpSpPr>
+        <a:xfrm>
+          <a:off x="0" y="0"/>
+          <a:ext cx="0" cy="0"/>
+          <a:chOff x="0" y="0"/>
+          <a:chExt cx="0" cy="0"/>
+        </a:xfrm>
+      </p:grpSpPr>
+      <p:sp>
+        <p:nvSpPr>
+          <p:cNvPr id="2" name="Espace réservé de l'image des diapositives 1"/>
+          <p:cNvSpPr>
+            <a:spLocks noGrp="1" noRot="1" noChangeAspect="1"/>
+          </p:cNvSpPr>
+          <p:nvPr>
+            <p:ph type="sldImg"/>
+          </p:nvPr>
+        </p:nvSpPr>
+        <p:spPr/>
+      </p:sp>
+      <p:sp>
+        <p:nvSpPr>
+          <p:cNvPr id="3" name="Espace réservé des commentaires 2"/>
+          <p:cNvSpPr>
+            <a:spLocks noGrp="1"/>
+          </p:cNvSpPr>
+          <p:nvPr>
+            <p:ph type="body" idx="1"/>
+          </p:nvPr>
+        </p:nvSpPr>
+        <p:spPr/>
+        <p:txBody>
+          <a:bodyPr/>
+          <a:lstStyle/>
+          <a:p>
+            <a:endParaRPr lang="fr-FR"/>
+          </a:p>
+        </p:txBody>
+      </p:sp>
+      <p:sp>
+        <p:nvSpPr>
+          <p:cNvPr id="4" name="Espace réservé du numéro de diapositive 3"/>
+          <p:cNvSpPr>
+            <a:spLocks noGrp="1"/>
+          </p:cNvSpPr>
+          <p:nvPr>
+            <p:ph type="sldNum" sz="quarter" idx="10"/>
+          </p:nvPr>
+        </p:nvSpPr>
+        <p:spPr/>
+        <p:txBody>
+          <a:bodyPr/>
+          <a:lstStyle/>
+          <a:p>
+            <a:fld id="{E68E5354-11F9-4EDC-B8B8-75D33149D345}" type="slidenum">
+              <a:rPr lang="fr-FR" smtClean="0"/>
+              <a:t>5</a:t>
+            </a:fld>
+            <a:endParaRPr lang="fr-FR"/>
+          </a:p>
+        </p:txBody>
+      </p:sp>
+    </p:spTree>
+    <p:extLst>
+      <p:ext uri="{BB962C8B-B14F-4D97-AF65-F5344CB8AC3E}">
+        <p14:creationId xmlns:p14="http://schemas.microsoft.com/office/powerpoint/2010/main" val="835572826"/>
+      </p:ext>
+    </p:extLst>
+  </p:cSld>
+  <p:clrMapOvr>
+    <a:masterClrMapping/>
+  </p:clrMapOvr>
+</p:notes>
+</file>
+
+<file path=ppt/notesSlides/notesSlide6.xml><?xml version="1.0" encoding="utf-8"?>
+<p:notes xmlns:a="http://schemas.openxmlformats.org/drawingml/2006/main" xmlns:r="http://schemas.openxmlformats.org/officeDocument/2006/relationships" xmlns:p="http://schemas.openxmlformats.org/presentationml/2006/main">
+  <p:cSld>
+    <p:spTree>
+      <p:nvGrpSpPr>
+        <p:cNvPr id="1" name=""/>
+        <p:cNvGrpSpPr/>
+        <p:nvPr/>
+      </p:nvGrpSpPr>
+      <p:grpSpPr>
+        <a:xfrm>
+          <a:off x="0" y="0"/>
+          <a:ext cx="0" cy="0"/>
+          <a:chOff x="0" y="0"/>
+          <a:chExt cx="0" cy="0"/>
+        </a:xfrm>
+      </p:grpSpPr>
+      <p:sp>
+        <p:nvSpPr>
+          <p:cNvPr id="2" name="Espace réservé de l'image des diapositives 1"/>
+          <p:cNvSpPr>
+            <a:spLocks noGrp="1" noRot="1" noChangeAspect="1"/>
+          </p:cNvSpPr>
+          <p:nvPr>
+            <p:ph type="sldImg"/>
+          </p:nvPr>
+        </p:nvSpPr>
+        <p:spPr/>
+      </p:sp>
+      <p:sp>
+        <p:nvSpPr>
+          <p:cNvPr id="3" name="Espace réservé des commentaires 2"/>
+          <p:cNvSpPr>
+            <a:spLocks noGrp="1"/>
+          </p:cNvSpPr>
+          <p:nvPr>
+            <p:ph type="body" idx="1"/>
+          </p:nvPr>
+        </p:nvSpPr>
+        <p:spPr/>
+        <p:txBody>
+          <a:bodyPr/>
+          <a:lstStyle/>
+          <a:p>
+            <a:endParaRPr lang="fr-FR"/>
+          </a:p>
+        </p:txBody>
+      </p:sp>
+      <p:sp>
+        <p:nvSpPr>
+          <p:cNvPr id="4" name="Espace réservé du numéro de diapositive 3"/>
+          <p:cNvSpPr>
+            <a:spLocks noGrp="1"/>
+          </p:cNvSpPr>
+          <p:nvPr>
+            <p:ph type="sldNum" sz="quarter" idx="10"/>
+          </p:nvPr>
+        </p:nvSpPr>
+        <p:spPr/>
+        <p:txBody>
+          <a:bodyPr/>
+          <a:lstStyle/>
+          <a:p>
+            <a:fld id="{E68E5354-11F9-4EDC-B8B8-75D33149D345}" type="slidenum">
+              <a:rPr lang="fr-FR" smtClean="0"/>
+              <a:t>6</a:t>
+            </a:fld>
+            <a:endParaRPr lang="fr-FR"/>
+          </a:p>
+        </p:txBody>
+      </p:sp>
+    </p:spTree>
+    <p:extLst>
+      <p:ext uri="{BB962C8B-B14F-4D97-AF65-F5344CB8AC3E}">
+        <p14:creationId xmlns:p14="http://schemas.microsoft.com/office/powerpoint/2010/main" val="1938524456"/>
+      </p:ext>
+    </p:extLst>
+  </p:cSld>
+  <p:clrMapOvr>
+    <a:masterClrMapping/>
+  </p:clrMapOvr>
+</p:notes>
+</file>
+
+<file path=ppt/notesSlides/notesSlide7.xml><?xml version="1.0" encoding="utf-8"?>
+<p:notes xmlns:a="http://schemas.openxmlformats.org/drawingml/2006/main" xmlns:r="http://schemas.openxmlformats.org/officeDocument/2006/relationships" xmlns:p="http://schemas.openxmlformats.org/presentationml/2006/main">
+  <p:cSld>
+    <p:spTree>
+      <p:nvGrpSpPr>
+        <p:cNvPr id="1" name=""/>
+        <p:cNvGrpSpPr/>
+        <p:nvPr/>
+      </p:nvGrpSpPr>
+      <p:grpSpPr>
+        <a:xfrm>
+          <a:off x="0" y="0"/>
+          <a:ext cx="0" cy="0"/>
+          <a:chOff x="0" y="0"/>
+          <a:chExt cx="0" cy="0"/>
+        </a:xfrm>
+      </p:grpSpPr>
+      <p:sp>
+        <p:nvSpPr>
+          <p:cNvPr id="2" name="Espace réservé de l'image des diapositives 1"/>
+          <p:cNvSpPr>
+            <a:spLocks noGrp="1" noRot="1" noChangeAspect="1"/>
+          </p:cNvSpPr>
+          <p:nvPr>
+            <p:ph type="sldImg"/>
+          </p:nvPr>
+        </p:nvSpPr>
+        <p:spPr/>
+      </p:sp>
+      <p:sp>
+        <p:nvSpPr>
+          <p:cNvPr id="3" name="Espace réservé des commentaires 2"/>
+          <p:cNvSpPr>
+            <a:spLocks noGrp="1"/>
+          </p:cNvSpPr>
+          <p:nvPr>
+            <p:ph type="body" idx="1"/>
+          </p:nvPr>
+        </p:nvSpPr>
+        <p:spPr/>
+        <p:txBody>
+          <a:bodyPr/>
+          <a:lstStyle/>
+          <a:p>
+            <a:endParaRPr lang="fr-FR"/>
+          </a:p>
+        </p:txBody>
+      </p:sp>
+      <p:sp>
+        <p:nvSpPr>
+          <p:cNvPr id="4" name="Espace réservé du numéro de diapositive 3"/>
+          <p:cNvSpPr>
+            <a:spLocks noGrp="1"/>
+          </p:cNvSpPr>
+          <p:nvPr>
+            <p:ph type="sldNum" sz="quarter" idx="10"/>
+          </p:nvPr>
+        </p:nvSpPr>
+        <p:spPr/>
+        <p:txBody>
+          <a:bodyPr/>
+          <a:lstStyle/>
+          <a:p>
+            <a:fld id="{E68E5354-11F9-4EDC-B8B8-75D33149D345}" type="slidenum">
+              <a:rPr lang="fr-FR" smtClean="0"/>
+              <a:t>7</a:t>
+            </a:fld>
+            <a:endParaRPr lang="fr-FR"/>
+          </a:p>
+        </p:txBody>
+      </p:sp>
+    </p:spTree>
+    <p:extLst>
+      <p:ext uri="{BB962C8B-B14F-4D97-AF65-F5344CB8AC3E}">
+        <p14:creationId xmlns:p14="http://schemas.microsoft.com/office/powerpoint/2010/main" val="3302549185"/>
+      </p:ext>
+    </p:extLst>
+  </p:cSld>
+  <p:clrMapOvr>
+    <a:masterClrMapping/>
+  </p:clrMapOvr>
+</p:notes>
+</file>
+
+<file path=ppt/notesSlides/notesSlide8.xml><?xml version="1.0" encoding="utf-8"?>
+<p:notes xmlns:a="http://schemas.openxmlformats.org/drawingml/2006/main" xmlns:r="http://schemas.openxmlformats.org/officeDocument/2006/relationships" xmlns:p="http://schemas.openxmlformats.org/presentationml/2006/main">
+  <p:cSld>
+    <p:spTree>
+      <p:nvGrpSpPr>
+        <p:cNvPr id="1" name=""/>
+        <p:cNvGrpSpPr/>
+        <p:nvPr/>
+      </p:nvGrpSpPr>
+      <p:grpSpPr>
+        <a:xfrm>
+          <a:off x="0" y="0"/>
+          <a:ext cx="0" cy="0"/>
+          <a:chOff x="0" y="0"/>
+          <a:chExt cx="0" cy="0"/>
+        </a:xfrm>
+      </p:grpSpPr>
+      <p:sp>
+        <p:nvSpPr>
+          <p:cNvPr id="2" name="Espace réservé de l'image des diapositives 1"/>
+          <p:cNvSpPr>
+            <a:spLocks noGrp="1" noRot="1" noChangeAspect="1"/>
+          </p:cNvSpPr>
+          <p:nvPr>
+            <p:ph type="sldImg"/>
+          </p:nvPr>
+        </p:nvSpPr>
+        <p:spPr/>
+      </p:sp>
+      <p:sp>
+        <p:nvSpPr>
+          <p:cNvPr id="3" name="Espace réservé des commentaires 2"/>
+          <p:cNvSpPr>
+            <a:spLocks noGrp="1"/>
+          </p:cNvSpPr>
+          <p:nvPr>
+            <p:ph type="body" idx="1"/>
+          </p:nvPr>
+        </p:nvSpPr>
+        <p:spPr/>
+        <p:txBody>
+          <a:bodyPr/>
+          <a:lstStyle/>
+          <a:p>
+            <a:endParaRPr lang="fr-FR"/>
+          </a:p>
+        </p:txBody>
+      </p:sp>
+      <p:sp>
+        <p:nvSpPr>
+          <p:cNvPr id="4" name="Espace réservé du numéro de diapositive 3"/>
+          <p:cNvSpPr>
+            <a:spLocks noGrp="1"/>
+          </p:cNvSpPr>
+          <p:nvPr>
+            <p:ph type="sldNum" sz="quarter" idx="10"/>
+          </p:nvPr>
+        </p:nvSpPr>
+        <p:spPr/>
+        <p:txBody>
+          <a:bodyPr/>
+          <a:lstStyle/>
+          <a:p>
+            <a:fld id="{E68E5354-11F9-4EDC-B8B8-75D33149D345}" type="slidenum">
+              <a:rPr lang="fr-FR" smtClean="0"/>
+              <a:t>8</a:t>
+            </a:fld>
+            <a:endParaRPr lang="fr-FR"/>
+          </a:p>
+        </p:txBody>
+      </p:sp>
+    </p:spTree>
+    <p:extLst>
+      <p:ext uri="{BB962C8B-B14F-4D97-AF65-F5344CB8AC3E}">
+        <p14:creationId xmlns:p14="http://schemas.microsoft.com/office/powerpoint/2010/main" val="3680462072"/>
+      </p:ext>
+    </p:extLst>
+  </p:cSld>
+  <p:clrMapOvr>
+    <a:masterClrMapping/>
+  </p:clrMapOvr>
+</p:notes>
+</file>
+
+<file path=ppt/notesSlides/notesSlide9.xml><?xml version="1.0" encoding="utf-8"?>
+<p:notes xmlns:a="http://schemas.openxmlformats.org/drawingml/2006/main" xmlns:r="http://schemas.openxmlformats.org/officeDocument/2006/relationships" xmlns:p="http://schemas.openxmlformats.org/presentationml/2006/main">
+  <p:cSld>
+    <p:spTree>
+      <p:nvGrpSpPr>
+        <p:cNvPr id="1" name=""/>
+        <p:cNvGrpSpPr/>
+        <p:nvPr/>
+      </p:nvGrpSpPr>
+      <p:grpSpPr>
+        <a:xfrm>
+          <a:off x="0" y="0"/>
+          <a:ext cx="0" cy="0"/>
+          <a:chOff x="0" y="0"/>
+          <a:chExt cx="0" cy="0"/>
+        </a:xfrm>
+      </p:grpSpPr>
+      <p:sp>
+        <p:nvSpPr>
+          <p:cNvPr id="2" name="Espace réservé de l'image des diapositives 1"/>
+          <p:cNvSpPr>
+            <a:spLocks noGrp="1" noRot="1" noChangeAspect="1"/>
+          </p:cNvSpPr>
+          <p:nvPr>
+            <p:ph type="sldImg"/>
+          </p:nvPr>
+        </p:nvSpPr>
+        <p:spPr/>
+      </p:sp>
+      <p:sp>
+        <p:nvSpPr>
+          <p:cNvPr id="3" name="Espace réservé des commentaires 2"/>
+          <p:cNvSpPr>
+            <a:spLocks noGrp="1"/>
+          </p:cNvSpPr>
+          <p:nvPr>
+            <p:ph type="body" idx="1"/>
+          </p:nvPr>
+        </p:nvSpPr>
+        <p:spPr/>
+        <p:txBody>
+          <a:bodyPr/>
+          <a:lstStyle/>
+          <a:p>
+            <a:endParaRPr lang="fr-FR"/>
+          </a:p>
+        </p:txBody>
+      </p:sp>
+      <p:sp>
+        <p:nvSpPr>
+          <p:cNvPr id="4" name="Espace réservé du numéro de diapositive 3"/>
+          <p:cNvSpPr>
+            <a:spLocks noGrp="1"/>
+          </p:cNvSpPr>
+          <p:nvPr>
+            <p:ph type="sldNum" sz="quarter" idx="10"/>
+          </p:nvPr>
+        </p:nvSpPr>
+        <p:spPr/>
+        <p:txBody>
+          <a:bodyPr/>
+          <a:lstStyle/>
+          <a:p>
+            <a:fld id="{E68E5354-11F9-4EDC-B8B8-75D33149D345}" type="slidenum">
+              <a:rPr lang="fr-FR" smtClean="0"/>
+              <a:t>9</a:t>
+            </a:fld>
+            <a:endParaRPr lang="fr-FR"/>
+          </a:p>
+        </p:txBody>
+      </p:sp>
+    </p:spTree>
+    <p:extLst>
+      <p:ext uri="{BB962C8B-B14F-4D97-AF65-F5344CB8AC3E}">
+        <p14:creationId xmlns:p14="http://schemas.microsoft.com/office/powerpoint/2010/main" val="835572826"/>
+      </p:ext>
+    </p:extLst>
+  </p:cSld>
+  <p:clrMapOvr>
+    <a:masterClrMapping/>
+  </p:clrMapOvr>
+</p:notes>
+</file>
+
 <file path=ppt/slideLayouts/slideLayout1.xml><?xml version="1.0" encoding="utf-8"?>
 <p:sldLayout xmlns:a="http://schemas.openxmlformats.org/drawingml/2006/main" xmlns:r="http://schemas.openxmlformats.org/officeDocument/2006/relationships" xmlns:p="http://schemas.openxmlformats.org/presentationml/2006/main" type="title" preserve="1">
   <p:cSld name="Diapositive de titre">
@@ -128,7 +1821,7 @@
       </p:grpSpPr>
       <p:sp>
         <p:nvSpPr>
-          <p:cNvPr id="2" name="Titre 1"/>
+          <p:cNvPr id="2" name="Title 1"/>
           <p:cNvSpPr>
             <a:spLocks noGrp="1"/>
           </p:cNvSpPr>
@@ -138,25 +1831,36 @@
         </p:nvSpPr>
         <p:spPr>
           <a:xfrm>
-            <a:off x="685800" y="2130425"/>
-            <a:ext cx="7772400" cy="1470025"/>
+            <a:off x="685800" y="1905000"/>
+            <a:ext cx="7543800" cy="2593975"/>
           </a:xfrm>
         </p:spPr>
         <p:txBody>
-          <a:bodyPr/>
-          <a:lstStyle/>
-          <a:p>
-            <a:r>
-              <a:rPr lang="fr-FR" smtClean="0"/>
-              <a:t>Cliquez pour modifier le style du titre</a:t>
-            </a:r>
-            <a:endParaRPr lang="fr-FR"/>
-          </a:p>
-        </p:txBody>
-      </p:sp>
-      <p:sp>
-        <p:nvSpPr>
-          <p:cNvPr id="3" name="Sous-titre 2"/>
+          <a:bodyPr anchor="b"/>
+          <a:lstStyle>
+            <a:lvl1pPr>
+              <a:defRPr sz="6600">
+                <a:ln>
+                  <a:noFill/>
+                </a:ln>
+                <a:solidFill>
+                  <a:schemeClr val="tx2"/>
+                </a:solidFill>
+              </a:defRPr>
+            </a:lvl1pPr>
+          </a:lstStyle>
+          <a:p>
+            <a:r>
+              <a:rPr lang="fr-FR" smtClean="0"/>
+              <a:t>Modifiez le style du titre</a:t>
+            </a:r>
+            <a:endParaRPr lang="en-US" dirty="0"/>
+          </a:p>
+        </p:txBody>
+      </p:sp>
+      <p:sp>
+        <p:nvSpPr>
+          <p:cNvPr id="3" name="Subtitle 2"/>
           <p:cNvSpPr>
             <a:spLocks noGrp="1"/>
           </p:cNvSpPr>
@@ -166,16 +1870,18 @@
         </p:nvSpPr>
         <p:spPr>
           <a:xfrm>
-            <a:off x="1371600" y="3886200"/>
-            <a:ext cx="6400800" cy="1752600"/>
+            <a:off x="685800" y="4572000"/>
+            <a:ext cx="6461760" cy="1066800"/>
           </a:xfrm>
         </p:spPr>
         <p:txBody>
-          <a:bodyPr/>
+          <a:bodyPr anchor="t">
+            <a:normAutofit/>
+          </a:bodyPr>
           <a:lstStyle>
-            <a:lvl1pPr marL="0" indent="0" algn="ctr">
+            <a:lvl1pPr marL="0" indent="0" algn="l">
               <a:buNone/>
-              <a:defRPr>
+              <a:defRPr sz="2000">
                 <a:solidFill>
                   <a:schemeClr val="tx1">
                     <a:tint val="75000"/>
@@ -267,15 +1973,15 @@
           <a:p>
             <a:r>
               <a:rPr lang="fr-FR" smtClean="0"/>
-              <a:t>Cliquez pour modifier le style des sous-titres du masque</a:t>
-            </a:r>
-            <a:endParaRPr lang="fr-FR"/>
-          </a:p>
-        </p:txBody>
-      </p:sp>
-      <p:sp>
-        <p:nvSpPr>
-          <p:cNvPr id="4" name="Espace réservé de la date 3"/>
+              <a:t>Modifiez le style des sous-titres du masque</a:t>
+            </a:r>
+            <a:endParaRPr lang="en-US" dirty="0"/>
+          </a:p>
+        </p:txBody>
+      </p:sp>
+      <p:sp>
+        <p:nvSpPr>
+          <p:cNvPr id="4" name="Date Placeholder 3"/>
           <p:cNvSpPr>
             <a:spLocks noGrp="1"/>
           </p:cNvSpPr>
@@ -291,7 +1997,7 @@
             <a:fld id="{C8D9860D-EADF-4D68-AD70-A5740F44B9F0}" type="datetimeFigureOut">
               <a:rPr lang="fr-FR" smtClean="0"/>
               <a:pPr/>
-              <a:t>14/12/2010</a:t>
+              <a:t>15/12/2010</a:t>
             </a:fld>
             <a:endParaRPr lang="fr-FR"/>
           </a:p>
@@ -299,7 +2005,7 @@
       </p:sp>
       <p:sp>
         <p:nvSpPr>
-          <p:cNvPr id="5" name="Espace réservé du pied de page 4"/>
+          <p:cNvPr id="5" name="Footer Placeholder 4"/>
           <p:cNvSpPr>
             <a:spLocks noGrp="1"/>
           </p:cNvSpPr>
@@ -318,7 +2024,7 @@
       </p:sp>
       <p:sp>
         <p:nvSpPr>
-          <p:cNvPr id="6" name="Espace réservé du numéro de diapositive 5"/>
+          <p:cNvPr id="6" name="Slide Number Placeholder 5"/>
           <p:cNvSpPr>
             <a:spLocks noGrp="1"/>
           </p:cNvSpPr>
@@ -367,7 +2073,7 @@
       </p:grpSpPr>
       <p:sp>
         <p:nvSpPr>
-          <p:cNvPr id="2" name="Titre 1"/>
+          <p:cNvPr id="2" name="Title 1"/>
           <p:cNvSpPr>
             <a:spLocks noGrp="1"/>
           </p:cNvSpPr>
@@ -382,15 +2088,15 @@
           <a:p>
             <a:r>
               <a:rPr lang="fr-FR" smtClean="0"/>
-              <a:t>Cliquez pour modifier le style du titre</a:t>
-            </a:r>
-            <a:endParaRPr lang="fr-FR"/>
-          </a:p>
-        </p:txBody>
-      </p:sp>
-      <p:sp>
-        <p:nvSpPr>
-          <p:cNvPr id="3" name="Espace réservé du texte vertical 2"/>
+              <a:t>Modifiez le style du titre</a:t>
+            </a:r>
+            <a:endParaRPr lang="en-US"/>
+          </a:p>
+        </p:txBody>
+      </p:sp>
+      <p:sp>
+        <p:nvSpPr>
+          <p:cNvPr id="3" name="Vertical Text Placeholder 2"/>
           <p:cNvSpPr>
             <a:spLocks noGrp="1"/>
           </p:cNvSpPr>
@@ -406,7 +2112,7 @@
             <a:pPr lvl="0"/>
             <a:r>
               <a:rPr lang="fr-FR" smtClean="0"/>
-              <a:t>Cliquez pour modifier les styles du texte du masque</a:t>
+              <a:t>Modifiez les styles du texte du masque</a:t>
             </a:r>
           </a:p>
           <a:p>
@@ -436,13 +2142,13 @@
               <a:rPr lang="fr-FR" smtClean="0"/>
               <a:t>Cinquième niveau</a:t>
             </a:r>
-            <a:endParaRPr lang="fr-FR"/>
-          </a:p>
-        </p:txBody>
-      </p:sp>
-      <p:sp>
-        <p:nvSpPr>
-          <p:cNvPr id="4" name="Espace réservé de la date 3"/>
+            <a:endParaRPr lang="en-US"/>
+          </a:p>
+        </p:txBody>
+      </p:sp>
+      <p:sp>
+        <p:nvSpPr>
+          <p:cNvPr id="4" name="Date Placeholder 3"/>
           <p:cNvSpPr>
             <a:spLocks noGrp="1"/>
           </p:cNvSpPr>
@@ -458,7 +2164,7 @@
             <a:fld id="{C8D9860D-EADF-4D68-AD70-A5740F44B9F0}" type="datetimeFigureOut">
               <a:rPr lang="fr-FR" smtClean="0"/>
               <a:pPr/>
-              <a:t>14/12/2010</a:t>
+              <a:t>15/12/2010</a:t>
             </a:fld>
             <a:endParaRPr lang="fr-FR"/>
           </a:p>
@@ -466,7 +2172,7 @@
       </p:sp>
       <p:sp>
         <p:nvSpPr>
-          <p:cNvPr id="5" name="Espace réservé du pied de page 4"/>
+          <p:cNvPr id="5" name="Footer Placeholder 4"/>
           <p:cNvSpPr>
             <a:spLocks noGrp="1"/>
           </p:cNvSpPr>
@@ -485,7 +2191,7 @@
       </p:sp>
       <p:sp>
         <p:nvSpPr>
-          <p:cNvPr id="6" name="Espace réservé du numéro de diapositive 5"/>
+          <p:cNvPr id="6" name="Slide Number Placeholder 5"/>
           <p:cNvSpPr>
             <a:spLocks noGrp="1"/>
           </p:cNvSpPr>
@@ -534,7 +2240,7 @@
       </p:grpSpPr>
       <p:sp>
         <p:nvSpPr>
-          <p:cNvPr id="2" name="Titre vertical 1"/>
+          <p:cNvPr id="2" name="Vertical Title 1"/>
           <p:cNvSpPr>
             <a:spLocks noGrp="1"/>
           </p:cNvSpPr>
@@ -545,24 +2251,24 @@
         <p:spPr>
           <a:xfrm>
             <a:off x="6629400" y="274638"/>
-            <a:ext cx="2057400" cy="5851525"/>
+            <a:ext cx="1752600" cy="5851525"/>
           </a:xfrm>
         </p:spPr>
         <p:txBody>
-          <a:bodyPr vert="eaVert"/>
-          <a:lstStyle/>
-          <a:p>
-            <a:r>
-              <a:rPr lang="fr-FR" smtClean="0"/>
-              <a:t>Cliquez pour modifier le style du titre</a:t>
-            </a:r>
-            <a:endParaRPr lang="fr-FR"/>
-          </a:p>
-        </p:txBody>
-      </p:sp>
-      <p:sp>
-        <p:nvSpPr>
-          <p:cNvPr id="3" name="Espace réservé du texte vertical 2"/>
+          <a:bodyPr vert="eaVert" anchor="b" anchorCtr="0"/>
+          <a:lstStyle/>
+          <a:p>
+            <a:r>
+              <a:rPr lang="fr-FR" smtClean="0"/>
+              <a:t>Modifiez le style du titre</a:t>
+            </a:r>
+            <a:endParaRPr lang="en-US" dirty="0"/>
+          </a:p>
+        </p:txBody>
+      </p:sp>
+      <p:sp>
+        <p:nvSpPr>
+          <p:cNvPr id="3" name="Vertical Text Placeholder 2"/>
           <p:cNvSpPr>
             <a:spLocks noGrp="1"/>
           </p:cNvSpPr>
@@ -583,7 +2289,7 @@
             <a:pPr lvl="0"/>
             <a:r>
               <a:rPr lang="fr-FR" smtClean="0"/>
-              <a:t>Cliquez pour modifier les styles du texte du masque</a:t>
+              <a:t>Modifiez les styles du texte du masque</a:t>
             </a:r>
           </a:p>
           <a:p>
@@ -613,13 +2319,13 @@
               <a:rPr lang="fr-FR" smtClean="0"/>
               <a:t>Cinquième niveau</a:t>
             </a:r>
-            <a:endParaRPr lang="fr-FR"/>
-          </a:p>
-        </p:txBody>
-      </p:sp>
-      <p:sp>
-        <p:nvSpPr>
-          <p:cNvPr id="4" name="Espace réservé de la date 3"/>
+            <a:endParaRPr lang="en-US"/>
+          </a:p>
+        </p:txBody>
+      </p:sp>
+      <p:sp>
+        <p:nvSpPr>
+          <p:cNvPr id="4" name="Date Placeholder 3"/>
           <p:cNvSpPr>
             <a:spLocks noGrp="1"/>
           </p:cNvSpPr>
@@ -635,7 +2341,7 @@
             <a:fld id="{C8D9860D-EADF-4D68-AD70-A5740F44B9F0}" type="datetimeFigureOut">
               <a:rPr lang="fr-FR" smtClean="0"/>
               <a:pPr/>
-              <a:t>14/12/2010</a:t>
+              <a:t>15/12/2010</a:t>
             </a:fld>
             <a:endParaRPr lang="fr-FR"/>
           </a:p>
@@ -643,7 +2349,7 @@
       </p:sp>
       <p:sp>
         <p:nvSpPr>
-          <p:cNvPr id="5" name="Espace réservé du pied de page 4"/>
+          <p:cNvPr id="5" name="Footer Placeholder 4"/>
           <p:cNvSpPr>
             <a:spLocks noGrp="1"/>
           </p:cNvSpPr>
@@ -662,7 +2368,7 @@
       </p:sp>
       <p:sp>
         <p:nvSpPr>
-          <p:cNvPr id="6" name="Espace réservé du numéro de diapositive 5"/>
+          <p:cNvPr id="6" name="Slide Number Placeholder 5"/>
           <p:cNvSpPr>
             <a:spLocks noGrp="1"/>
           </p:cNvSpPr>
@@ -711,7 +2417,7 @@
       </p:grpSpPr>
       <p:sp>
         <p:nvSpPr>
-          <p:cNvPr id="2" name="Titre 1"/>
+          <p:cNvPr id="2" name="Title 1"/>
           <p:cNvSpPr>
             <a:spLocks noGrp="1"/>
           </p:cNvSpPr>
@@ -726,15 +2432,15 @@
           <a:p>
             <a:r>
               <a:rPr lang="fr-FR" smtClean="0"/>
-              <a:t>Cliquez pour modifier le style du titre</a:t>
-            </a:r>
-            <a:endParaRPr lang="fr-FR"/>
-          </a:p>
-        </p:txBody>
-      </p:sp>
-      <p:sp>
-        <p:nvSpPr>
-          <p:cNvPr id="3" name="Espace réservé du contenu 2"/>
+              <a:t>Modifiez le style du titre</a:t>
+            </a:r>
+            <a:endParaRPr lang="en-US"/>
+          </a:p>
+        </p:txBody>
+      </p:sp>
+      <p:sp>
+        <p:nvSpPr>
+          <p:cNvPr id="3" name="Content Placeholder 2"/>
           <p:cNvSpPr>
             <a:spLocks noGrp="1"/>
           </p:cNvSpPr>
@@ -750,7 +2456,7 @@
             <a:pPr lvl="0"/>
             <a:r>
               <a:rPr lang="fr-FR" smtClean="0"/>
-              <a:t>Cliquez pour modifier les styles du texte du masque</a:t>
+              <a:t>Modifiez les styles du texte du masque</a:t>
             </a:r>
           </a:p>
           <a:p>
@@ -780,13 +2486,13 @@
               <a:rPr lang="fr-FR" smtClean="0"/>
               <a:t>Cinquième niveau</a:t>
             </a:r>
-            <a:endParaRPr lang="fr-FR"/>
-          </a:p>
-        </p:txBody>
-      </p:sp>
-      <p:sp>
-        <p:nvSpPr>
-          <p:cNvPr id="4" name="Espace réservé de la date 3"/>
+            <a:endParaRPr lang="en-US"/>
+          </a:p>
+        </p:txBody>
+      </p:sp>
+      <p:sp>
+        <p:nvSpPr>
+          <p:cNvPr id="4" name="Date Placeholder 3"/>
           <p:cNvSpPr>
             <a:spLocks noGrp="1"/>
           </p:cNvSpPr>
@@ -802,7 +2508,7 @@
             <a:fld id="{C8D9860D-EADF-4D68-AD70-A5740F44B9F0}" type="datetimeFigureOut">
               <a:rPr lang="fr-FR" smtClean="0"/>
               <a:pPr/>
-              <a:t>14/12/2010</a:t>
+              <a:t>15/12/2010</a:t>
             </a:fld>
             <a:endParaRPr lang="fr-FR"/>
           </a:p>
@@ -810,7 +2516,7 @@
       </p:sp>
       <p:sp>
         <p:nvSpPr>
-          <p:cNvPr id="5" name="Espace réservé du pied de page 4"/>
+          <p:cNvPr id="5" name="Footer Placeholder 4"/>
           <p:cNvSpPr>
             <a:spLocks noGrp="1"/>
           </p:cNvSpPr>
@@ -829,7 +2535,7 @@
       </p:sp>
       <p:sp>
         <p:nvSpPr>
-          <p:cNvPr id="6" name="Espace réservé du numéro de diapositive 5"/>
+          <p:cNvPr id="6" name="Slide Number Placeholder 5"/>
           <p:cNvSpPr>
             <a:spLocks noGrp="1"/>
           </p:cNvSpPr>
@@ -878,7 +2584,7 @@
       </p:grpSpPr>
       <p:sp>
         <p:nvSpPr>
-          <p:cNvPr id="2" name="Titre 1"/>
+          <p:cNvPr id="2" name="Title 1"/>
           <p:cNvSpPr>
             <a:spLocks noGrp="1"/>
           </p:cNvSpPr>
@@ -888,29 +2594,29 @@
         </p:nvSpPr>
         <p:spPr>
           <a:xfrm>
-            <a:off x="722313" y="4406900"/>
-            <a:ext cx="7772400" cy="1362075"/>
+            <a:off x="722313" y="5486400"/>
+            <a:ext cx="7659687" cy="1168400"/>
           </a:xfrm>
         </p:spPr>
         <p:txBody>
           <a:bodyPr anchor="t"/>
           <a:lstStyle>
             <a:lvl1pPr algn="l">
-              <a:defRPr sz="4000" b="1" cap="all"/>
+              <a:defRPr sz="3600" b="0" cap="all"/>
             </a:lvl1pPr>
           </a:lstStyle>
           <a:p>
             <a:r>
               <a:rPr lang="fr-FR" smtClean="0"/>
-              <a:t>Cliquez pour modifier le style du titre</a:t>
-            </a:r>
-            <a:endParaRPr lang="fr-FR"/>
-          </a:p>
-        </p:txBody>
-      </p:sp>
-      <p:sp>
-        <p:nvSpPr>
-          <p:cNvPr id="3" name="Espace réservé du texte 2"/>
+              <a:t>Modifiez le style du titre</a:t>
+            </a:r>
+            <a:endParaRPr lang="en-US" dirty="0"/>
+          </a:p>
+        </p:txBody>
+      </p:sp>
+      <p:sp>
+        <p:nvSpPr>
+          <p:cNvPr id="3" name="Text Placeholder 2"/>
           <p:cNvSpPr>
             <a:spLocks noGrp="1"/>
           </p:cNvSpPr>
@@ -920,8 +2626,8 @@
         </p:nvSpPr>
         <p:spPr>
           <a:xfrm>
-            <a:off x="722313" y="2906713"/>
-            <a:ext cx="7772400" cy="1500187"/>
+            <a:off x="722313" y="3852863"/>
+            <a:ext cx="6135687" cy="1633538"/>
           </a:xfrm>
         </p:spPr>
         <p:txBody>
@@ -1022,14 +2728,14 @@
             <a:pPr lvl="0"/>
             <a:r>
               <a:rPr lang="fr-FR" smtClean="0"/>
-              <a:t>Cliquez pour modifier les styles du texte du masque</a:t>
-            </a:r>
-          </a:p>
-        </p:txBody>
-      </p:sp>
-      <p:sp>
-        <p:nvSpPr>
-          <p:cNvPr id="4" name="Espace réservé de la date 3"/>
+              <a:t>Modifiez les styles du texte du masque</a:t>
+            </a:r>
+          </a:p>
+        </p:txBody>
+      </p:sp>
+      <p:sp>
+        <p:nvSpPr>
+          <p:cNvPr id="4" name="Date Placeholder 3"/>
           <p:cNvSpPr>
             <a:spLocks noGrp="1"/>
           </p:cNvSpPr>
@@ -1045,7 +2751,7 @@
             <a:fld id="{C8D9860D-EADF-4D68-AD70-A5740F44B9F0}" type="datetimeFigureOut">
               <a:rPr lang="fr-FR" smtClean="0"/>
               <a:pPr/>
-              <a:t>14/12/2010</a:t>
+              <a:t>15/12/2010</a:t>
             </a:fld>
             <a:endParaRPr lang="fr-FR"/>
           </a:p>
@@ -1053,7 +2759,7 @@
       </p:sp>
       <p:sp>
         <p:nvSpPr>
-          <p:cNvPr id="5" name="Espace réservé du pied de page 4"/>
+          <p:cNvPr id="5" name="Footer Placeholder 4"/>
           <p:cNvSpPr>
             <a:spLocks noGrp="1"/>
           </p:cNvSpPr>
@@ -1072,7 +2778,7 @@
       </p:sp>
       <p:sp>
         <p:nvSpPr>
-          <p:cNvPr id="6" name="Espace réservé du numéro de diapositive 5"/>
+          <p:cNvPr id="6" name="Slide Number Placeholder 5"/>
           <p:cNvSpPr>
             <a:spLocks noGrp="1"/>
           </p:cNvSpPr>
@@ -1121,7 +2827,7 @@
       </p:grpSpPr>
       <p:sp>
         <p:nvSpPr>
-          <p:cNvPr id="2" name="Titre 1"/>
+          <p:cNvPr id="2" name="Title 1"/>
           <p:cNvSpPr>
             <a:spLocks noGrp="1"/>
           </p:cNvSpPr>
@@ -1136,15 +2842,15 @@
           <a:p>
             <a:r>
               <a:rPr lang="fr-FR" smtClean="0"/>
-              <a:t>Cliquez pour modifier le style du titre</a:t>
-            </a:r>
-            <a:endParaRPr lang="fr-FR"/>
-          </a:p>
-        </p:txBody>
-      </p:sp>
-      <p:sp>
-        <p:nvSpPr>
-          <p:cNvPr id="3" name="Espace réservé du contenu 2"/>
+              <a:t>Modifiez le style du titre</a:t>
+            </a:r>
+            <a:endParaRPr lang="en-US"/>
+          </a:p>
+        </p:txBody>
+      </p:sp>
+      <p:sp>
+        <p:nvSpPr>
+          <p:cNvPr id="3" name="Content Placeholder 2"/>
           <p:cNvSpPr>
             <a:spLocks noGrp="1"/>
           </p:cNvSpPr>
@@ -1154,8 +2860,8 @@
         </p:nvSpPr>
         <p:spPr>
           <a:xfrm>
-            <a:off x="457200" y="1600200"/>
-            <a:ext cx="4038600" cy="4525963"/>
+            <a:off x="457200" y="1536192"/>
+            <a:ext cx="3657600" cy="4590288"/>
           </a:xfrm>
         </p:spPr>
         <p:txBody>
@@ -1193,7 +2899,7 @@
             <a:pPr lvl="0"/>
             <a:r>
               <a:rPr lang="fr-FR" smtClean="0"/>
-              <a:t>Cliquez pour modifier les styles du texte du masque</a:t>
+              <a:t>Modifiez les styles du texte du masque</a:t>
             </a:r>
           </a:p>
           <a:p>
@@ -1223,13 +2929,13 @@
               <a:rPr lang="fr-FR" smtClean="0"/>
               <a:t>Cinquième niveau</a:t>
             </a:r>
-            <a:endParaRPr lang="fr-FR"/>
-          </a:p>
-        </p:txBody>
-      </p:sp>
-      <p:sp>
-        <p:nvSpPr>
-          <p:cNvPr id="4" name="Espace réservé du contenu 3"/>
+            <a:endParaRPr lang="en-US" dirty="0"/>
+          </a:p>
+        </p:txBody>
+      </p:sp>
+      <p:sp>
+        <p:nvSpPr>
+          <p:cNvPr id="4" name="Content Placeholder 3"/>
           <p:cNvSpPr>
             <a:spLocks noGrp="1"/>
           </p:cNvSpPr>
@@ -1239,8 +2945,8 @@
         </p:nvSpPr>
         <p:spPr>
           <a:xfrm>
-            <a:off x="4648200" y="1600200"/>
-            <a:ext cx="4038600" cy="4525963"/>
+            <a:off x="4419600" y="1536192"/>
+            <a:ext cx="3657600" cy="4590288"/>
           </a:xfrm>
         </p:spPr>
         <p:txBody>
@@ -1278,7 +2984,7 @@
             <a:pPr lvl="0"/>
             <a:r>
               <a:rPr lang="fr-FR" smtClean="0"/>
-              <a:t>Cliquez pour modifier les styles du texte du masque</a:t>
+              <a:t>Modifiez les styles du texte du masque</a:t>
             </a:r>
           </a:p>
           <a:p>
@@ -1308,13 +3014,13 @@
               <a:rPr lang="fr-FR" smtClean="0"/>
               <a:t>Cinquième niveau</a:t>
             </a:r>
-            <a:endParaRPr lang="fr-FR"/>
-          </a:p>
-        </p:txBody>
-      </p:sp>
-      <p:sp>
-        <p:nvSpPr>
-          <p:cNvPr id="5" name="Espace réservé de la date 4"/>
+            <a:endParaRPr lang="en-US" dirty="0"/>
+          </a:p>
+        </p:txBody>
+      </p:sp>
+      <p:sp>
+        <p:nvSpPr>
+          <p:cNvPr id="5" name="Date Placeholder 4"/>
           <p:cNvSpPr>
             <a:spLocks noGrp="1"/>
           </p:cNvSpPr>
@@ -1330,7 +3036,7 @@
             <a:fld id="{C8D9860D-EADF-4D68-AD70-A5740F44B9F0}" type="datetimeFigureOut">
               <a:rPr lang="fr-FR" smtClean="0"/>
               <a:pPr/>
-              <a:t>14/12/2010</a:t>
+              <a:t>15/12/2010</a:t>
             </a:fld>
             <a:endParaRPr lang="fr-FR"/>
           </a:p>
@@ -1338,7 +3044,7 @@
       </p:sp>
       <p:sp>
         <p:nvSpPr>
-          <p:cNvPr id="6" name="Espace réservé du pied de page 5"/>
+          <p:cNvPr id="6" name="Footer Placeholder 5"/>
           <p:cNvSpPr>
             <a:spLocks noGrp="1"/>
           </p:cNvSpPr>
@@ -1357,7 +3063,7 @@
       </p:sp>
       <p:sp>
         <p:nvSpPr>
-          <p:cNvPr id="7" name="Espace réservé du numéro de diapositive 6"/>
+          <p:cNvPr id="7" name="Slide Number Placeholder 6"/>
           <p:cNvSpPr>
             <a:spLocks noGrp="1"/>
           </p:cNvSpPr>
@@ -1406,7 +3112,7 @@
       </p:grpSpPr>
       <p:sp>
         <p:nvSpPr>
-          <p:cNvPr id="2" name="Titre 1"/>
+          <p:cNvPr id="2" name="Title 1"/>
           <p:cNvSpPr>
             <a:spLocks noGrp="1"/>
           </p:cNvSpPr>
@@ -1425,15 +3131,15 @@
           <a:p>
             <a:r>
               <a:rPr lang="fr-FR" smtClean="0"/>
-              <a:t>Cliquez pour modifier le style du titre</a:t>
-            </a:r>
-            <a:endParaRPr lang="fr-FR"/>
-          </a:p>
-        </p:txBody>
-      </p:sp>
-      <p:sp>
-        <p:nvSpPr>
-          <p:cNvPr id="3" name="Espace réservé du texte 2"/>
+              <a:t>Modifiez le style du titre</a:t>
+            </a:r>
+            <a:endParaRPr lang="en-US"/>
+          </a:p>
+        </p:txBody>
+      </p:sp>
+      <p:sp>
+        <p:nvSpPr>
+          <p:cNvPr id="3" name="Text Placeholder 2"/>
           <p:cNvSpPr>
             <a:spLocks noGrp="1"/>
           </p:cNvSpPr>
@@ -1444,15 +3150,21 @@
         <p:spPr>
           <a:xfrm>
             <a:off x="457200" y="1535113"/>
-            <a:ext cx="4040188" cy="639762"/>
+            <a:ext cx="3657600" cy="639762"/>
           </a:xfrm>
         </p:spPr>
         <p:txBody>
-          <a:bodyPr anchor="b"/>
+          <a:bodyPr anchor="b">
+            <a:noAutofit/>
+          </a:bodyPr>
           <a:lstStyle>
-            <a:lvl1pPr marL="0" indent="0">
+            <a:lvl1pPr marL="0" indent="0" algn="ctr">
               <a:buNone/>
-              <a:defRPr sz="2400" b="1"/>
+              <a:defRPr sz="2000" b="1">
+                <a:solidFill>
+                  <a:schemeClr val="tx2"/>
+                </a:solidFill>
+              </a:defRPr>
             </a:lvl1pPr>
             <a:lvl2pPr marL="457200" indent="0">
               <a:buNone/>
@@ -1491,14 +3203,14 @@
             <a:pPr lvl="0"/>
             <a:r>
               <a:rPr lang="fr-FR" smtClean="0"/>
-              <a:t>Cliquez pour modifier les styles du texte du masque</a:t>
-            </a:r>
-          </a:p>
-        </p:txBody>
-      </p:sp>
-      <p:sp>
-        <p:nvSpPr>
-          <p:cNvPr id="4" name="Espace réservé du contenu 3"/>
+              <a:t>Modifiez les styles du texte du masque</a:t>
+            </a:r>
+          </a:p>
+        </p:txBody>
+      </p:sp>
+      <p:sp>
+        <p:nvSpPr>
+          <p:cNvPr id="4" name="Content Placeholder 3"/>
           <p:cNvSpPr>
             <a:spLocks noGrp="1"/>
           </p:cNvSpPr>
@@ -1509,7 +3221,7 @@
         <p:spPr>
           <a:xfrm>
             <a:off x="457200" y="2174875"/>
-            <a:ext cx="4040188" cy="3951288"/>
+            <a:ext cx="3657600" cy="3951288"/>
           </a:xfrm>
         </p:spPr>
         <p:txBody>
@@ -1547,7 +3259,7 @@
             <a:pPr lvl="0"/>
             <a:r>
               <a:rPr lang="fr-FR" smtClean="0"/>
-              <a:t>Cliquez pour modifier les styles du texte du masque</a:t>
+              <a:t>Modifiez les styles du texte du masque</a:t>
             </a:r>
           </a:p>
           <a:p>
@@ -1577,13 +3289,13 @@
               <a:rPr lang="fr-FR" smtClean="0"/>
               <a:t>Cinquième niveau</a:t>
             </a:r>
-            <a:endParaRPr lang="fr-FR"/>
-          </a:p>
-        </p:txBody>
-      </p:sp>
-      <p:sp>
-        <p:nvSpPr>
-          <p:cNvPr id="5" name="Espace réservé du texte 4"/>
+            <a:endParaRPr lang="en-US" dirty="0"/>
+          </a:p>
+        </p:txBody>
+      </p:sp>
+      <p:sp>
+        <p:nvSpPr>
+          <p:cNvPr id="5" name="Text Placeholder 4"/>
           <p:cNvSpPr>
             <a:spLocks noGrp="1"/>
           </p:cNvSpPr>
@@ -1593,16 +3305,22 @@
         </p:nvSpPr>
         <p:spPr>
           <a:xfrm>
-            <a:off x="4645025" y="1535113"/>
-            <a:ext cx="4041775" cy="639762"/>
+            <a:off x="4419600" y="1535113"/>
+            <a:ext cx="3657600" cy="639762"/>
           </a:xfrm>
         </p:spPr>
         <p:txBody>
-          <a:bodyPr anchor="b"/>
+          <a:bodyPr anchor="b">
+            <a:noAutofit/>
+          </a:bodyPr>
           <a:lstStyle>
-            <a:lvl1pPr marL="0" indent="0">
+            <a:lvl1pPr marL="0" indent="0" algn="ctr">
               <a:buNone/>
-              <a:defRPr sz="2400" b="1"/>
+              <a:defRPr sz="2000" b="1">
+                <a:solidFill>
+                  <a:schemeClr val="tx2"/>
+                </a:solidFill>
+              </a:defRPr>
             </a:lvl1pPr>
             <a:lvl2pPr marL="457200" indent="0">
               <a:buNone/>
@@ -1641,14 +3359,14 @@
             <a:pPr lvl="0"/>
             <a:r>
               <a:rPr lang="fr-FR" smtClean="0"/>
-              <a:t>Cliquez pour modifier les styles du texte du masque</a:t>
-            </a:r>
-          </a:p>
-        </p:txBody>
-      </p:sp>
-      <p:sp>
-        <p:nvSpPr>
-          <p:cNvPr id="6" name="Espace réservé du contenu 5"/>
+              <a:t>Modifiez les styles du texte du masque</a:t>
+            </a:r>
+          </a:p>
+        </p:txBody>
+      </p:sp>
+      <p:sp>
+        <p:nvSpPr>
+          <p:cNvPr id="6" name="Content Placeholder 5"/>
           <p:cNvSpPr>
             <a:spLocks noGrp="1"/>
           </p:cNvSpPr>
@@ -1658,8 +3376,8 @@
         </p:nvSpPr>
         <p:spPr>
           <a:xfrm>
-            <a:off x="4645025" y="2174875"/>
-            <a:ext cx="4041775" cy="3951288"/>
+            <a:off x="4419600" y="2174875"/>
+            <a:ext cx="3657600" cy="3951288"/>
           </a:xfrm>
         </p:spPr>
         <p:txBody>
@@ -1697,7 +3415,7 @@
             <a:pPr lvl="0"/>
             <a:r>
               <a:rPr lang="fr-FR" smtClean="0"/>
-              <a:t>Cliquez pour modifier les styles du texte du masque</a:t>
+              <a:t>Modifiez les styles du texte du masque</a:t>
             </a:r>
           </a:p>
           <a:p>
@@ -1727,13 +3445,13 @@
               <a:rPr lang="fr-FR" smtClean="0"/>
               <a:t>Cinquième niveau</a:t>
             </a:r>
-            <a:endParaRPr lang="fr-FR"/>
-          </a:p>
-        </p:txBody>
-      </p:sp>
-      <p:sp>
-        <p:nvSpPr>
-          <p:cNvPr id="7" name="Espace réservé de la date 6"/>
+            <a:endParaRPr lang="en-US"/>
+          </a:p>
+        </p:txBody>
+      </p:sp>
+      <p:sp>
+        <p:nvSpPr>
+          <p:cNvPr id="7" name="Date Placeholder 6"/>
           <p:cNvSpPr>
             <a:spLocks noGrp="1"/>
           </p:cNvSpPr>
@@ -1749,7 +3467,7 @@
             <a:fld id="{C8D9860D-EADF-4D68-AD70-A5740F44B9F0}" type="datetimeFigureOut">
               <a:rPr lang="fr-FR" smtClean="0"/>
               <a:pPr/>
-              <a:t>14/12/2010</a:t>
+              <a:t>15/12/2010</a:t>
             </a:fld>
             <a:endParaRPr lang="fr-FR"/>
           </a:p>
@@ -1757,7 +3475,7 @@
       </p:sp>
       <p:sp>
         <p:nvSpPr>
-          <p:cNvPr id="8" name="Espace réservé du pied de page 7"/>
+          <p:cNvPr id="8" name="Footer Placeholder 7"/>
           <p:cNvSpPr>
             <a:spLocks noGrp="1"/>
           </p:cNvSpPr>
@@ -1776,7 +3494,7 @@
       </p:sp>
       <p:sp>
         <p:nvSpPr>
-          <p:cNvPr id="9" name="Espace réservé du numéro de diapositive 8"/>
+          <p:cNvPr id="9" name="Slide Number Placeholder 8"/>
           <p:cNvSpPr>
             <a:spLocks noGrp="1"/>
           </p:cNvSpPr>
@@ -1825,7 +3543,7 @@
       </p:grpSpPr>
       <p:sp>
         <p:nvSpPr>
-          <p:cNvPr id="2" name="Titre 1"/>
+          <p:cNvPr id="2" name="Title 1"/>
           <p:cNvSpPr>
             <a:spLocks noGrp="1"/>
           </p:cNvSpPr>
@@ -1840,15 +3558,15 @@
           <a:p>
             <a:r>
               <a:rPr lang="fr-FR" smtClean="0"/>
-              <a:t>Cliquez pour modifier le style du titre</a:t>
-            </a:r>
-            <a:endParaRPr lang="fr-FR"/>
-          </a:p>
-        </p:txBody>
-      </p:sp>
-      <p:sp>
-        <p:nvSpPr>
-          <p:cNvPr id="3" name="Espace réservé de la date 2"/>
+              <a:t>Modifiez le style du titre</a:t>
+            </a:r>
+            <a:endParaRPr lang="en-US"/>
+          </a:p>
+        </p:txBody>
+      </p:sp>
+      <p:sp>
+        <p:nvSpPr>
+          <p:cNvPr id="3" name="Date Placeholder 2"/>
           <p:cNvSpPr>
             <a:spLocks noGrp="1"/>
           </p:cNvSpPr>
@@ -1864,7 +3582,7 @@
             <a:fld id="{C8D9860D-EADF-4D68-AD70-A5740F44B9F0}" type="datetimeFigureOut">
               <a:rPr lang="fr-FR" smtClean="0"/>
               <a:pPr/>
-              <a:t>14/12/2010</a:t>
+              <a:t>15/12/2010</a:t>
             </a:fld>
             <a:endParaRPr lang="fr-FR"/>
           </a:p>
@@ -1872,7 +3590,7 @@
       </p:sp>
       <p:sp>
         <p:nvSpPr>
-          <p:cNvPr id="4" name="Espace réservé du pied de page 3"/>
+          <p:cNvPr id="4" name="Footer Placeholder 3"/>
           <p:cNvSpPr>
             <a:spLocks noGrp="1"/>
           </p:cNvSpPr>
@@ -1891,7 +3609,7 @@
       </p:sp>
       <p:sp>
         <p:nvSpPr>
-          <p:cNvPr id="5" name="Espace réservé du numéro de diapositive 4"/>
+          <p:cNvPr id="5" name="Slide Number Placeholder 4"/>
           <p:cNvSpPr>
             <a:spLocks noGrp="1"/>
           </p:cNvSpPr>
@@ -1940,7 +3658,7 @@
       </p:grpSpPr>
       <p:sp>
         <p:nvSpPr>
-          <p:cNvPr id="2" name="Espace réservé de la date 1"/>
+          <p:cNvPr id="2" name="Date Placeholder 1"/>
           <p:cNvSpPr>
             <a:spLocks noGrp="1"/>
           </p:cNvSpPr>
@@ -1956,7 +3674,7 @@
             <a:fld id="{C8D9860D-EADF-4D68-AD70-A5740F44B9F0}" type="datetimeFigureOut">
               <a:rPr lang="fr-FR" smtClean="0"/>
               <a:pPr/>
-              <a:t>14/12/2010</a:t>
+              <a:t>15/12/2010</a:t>
             </a:fld>
             <a:endParaRPr lang="fr-FR"/>
           </a:p>
@@ -1964,7 +3682,7 @@
       </p:sp>
       <p:sp>
         <p:nvSpPr>
-          <p:cNvPr id="3" name="Espace réservé du pied de page 2"/>
+          <p:cNvPr id="3" name="Footer Placeholder 2"/>
           <p:cNvSpPr>
             <a:spLocks noGrp="1"/>
           </p:cNvSpPr>
@@ -1983,7 +3701,7 @@
       </p:sp>
       <p:sp>
         <p:nvSpPr>
-          <p:cNvPr id="4" name="Espace réservé du numéro de diapositive 3"/>
+          <p:cNvPr id="4" name="Slide Number Placeholder 3"/>
           <p:cNvSpPr>
             <a:spLocks noGrp="1"/>
           </p:cNvSpPr>
@@ -2032,7 +3750,7 @@
       </p:grpSpPr>
       <p:sp>
         <p:nvSpPr>
-          <p:cNvPr id="2" name="Titre 1"/>
+          <p:cNvPr id="2" name="Title 1"/>
           <p:cNvSpPr>
             <a:spLocks noGrp="1"/>
           </p:cNvSpPr>
@@ -2042,133 +3760,50 @@
         </p:nvSpPr>
         <p:spPr>
           <a:xfrm>
-            <a:off x="457200" y="273050"/>
-            <a:ext cx="3008313" cy="1162050"/>
+            <a:off x="304801" y="5495544"/>
+            <a:ext cx="7772400" cy="594360"/>
           </a:xfrm>
         </p:spPr>
         <p:txBody>
           <a:bodyPr anchor="b"/>
           <a:lstStyle>
-            <a:lvl1pPr algn="l">
-              <a:defRPr sz="2000" b="1"/>
+            <a:lvl1pPr algn="ctr">
+              <a:defRPr sz="2200" b="1"/>
             </a:lvl1pPr>
           </a:lstStyle>
           <a:p>
             <a:r>
               <a:rPr lang="fr-FR" smtClean="0"/>
-              <a:t>Cliquez pour modifier le style du titre</a:t>
-            </a:r>
-            <a:endParaRPr lang="fr-FR"/>
-          </a:p>
-        </p:txBody>
-      </p:sp>
-      <p:sp>
-        <p:nvSpPr>
-          <p:cNvPr id="3" name="Espace réservé du contenu 2"/>
-          <p:cNvSpPr>
-            <a:spLocks noGrp="1"/>
-          </p:cNvSpPr>
-          <p:nvPr>
-            <p:ph idx="1"/>
+              <a:t>Modifiez le style du titre</a:t>
+            </a:r>
+            <a:endParaRPr lang="en-US" dirty="0"/>
+          </a:p>
+        </p:txBody>
+      </p:sp>
+      <p:sp>
+        <p:nvSpPr>
+          <p:cNvPr id="4" name="Text Placeholder 3"/>
+          <p:cNvSpPr>
+            <a:spLocks noGrp="1"/>
+          </p:cNvSpPr>
+          <p:nvPr>
+            <p:ph type="body" sz="half" idx="2"/>
           </p:nvPr>
         </p:nvSpPr>
         <p:spPr>
           <a:xfrm>
-            <a:off x="3575050" y="273050"/>
-            <a:ext cx="5111750" cy="5853113"/>
+            <a:off x="304799" y="6096000"/>
+            <a:ext cx="7772401" cy="609600"/>
           </a:xfrm>
         </p:spPr>
         <p:txBody>
-          <a:bodyPr/>
+          <a:bodyPr>
+            <a:normAutofit/>
+          </a:bodyPr>
           <a:lstStyle>
-            <a:lvl1pPr>
-              <a:defRPr sz="3200"/>
-            </a:lvl1pPr>
-            <a:lvl2pPr>
-              <a:defRPr sz="2800"/>
-            </a:lvl2pPr>
-            <a:lvl3pPr>
-              <a:defRPr sz="2400"/>
-            </a:lvl3pPr>
-            <a:lvl4pPr>
-              <a:defRPr sz="2000"/>
-            </a:lvl4pPr>
-            <a:lvl5pPr>
-              <a:defRPr sz="2000"/>
-            </a:lvl5pPr>
-            <a:lvl6pPr>
-              <a:defRPr sz="2000"/>
-            </a:lvl6pPr>
-            <a:lvl7pPr>
-              <a:defRPr sz="2000"/>
-            </a:lvl7pPr>
-            <a:lvl8pPr>
-              <a:defRPr sz="2000"/>
-            </a:lvl8pPr>
-            <a:lvl9pPr>
-              <a:defRPr sz="2000"/>
-            </a:lvl9pPr>
-          </a:lstStyle>
-          <a:p>
-            <a:pPr lvl="0"/>
-            <a:r>
-              <a:rPr lang="fr-FR" smtClean="0"/>
-              <a:t>Cliquez pour modifier les styles du texte du masque</a:t>
-            </a:r>
-          </a:p>
-          <a:p>
-            <a:pPr lvl="1"/>
-            <a:r>
-              <a:rPr lang="fr-FR" smtClean="0"/>
-              <a:t>Deuxième niveau</a:t>
-            </a:r>
-          </a:p>
-          <a:p>
-            <a:pPr lvl="2"/>
-            <a:r>
-              <a:rPr lang="fr-FR" smtClean="0"/>
-              <a:t>Troisième niveau</a:t>
-            </a:r>
-          </a:p>
-          <a:p>
-            <a:pPr lvl="3"/>
-            <a:r>
-              <a:rPr lang="fr-FR" smtClean="0"/>
-              <a:t>Quatrième niveau</a:t>
-            </a:r>
-          </a:p>
-          <a:p>
-            <a:pPr lvl="4"/>
-            <a:r>
-              <a:rPr lang="fr-FR" smtClean="0"/>
-              <a:t>Cinquième niveau</a:t>
-            </a:r>
-            <a:endParaRPr lang="fr-FR"/>
-          </a:p>
-        </p:txBody>
-      </p:sp>
-      <p:sp>
-        <p:nvSpPr>
-          <p:cNvPr id="4" name="Espace réservé du texte 3"/>
-          <p:cNvSpPr>
-            <a:spLocks noGrp="1"/>
-          </p:cNvSpPr>
-          <p:nvPr>
-            <p:ph type="body" sz="half" idx="2"/>
-          </p:nvPr>
-        </p:nvSpPr>
-        <p:spPr>
-          <a:xfrm>
-            <a:off x="457200" y="1435100"/>
-            <a:ext cx="3008313" cy="4691063"/>
-          </a:xfrm>
-        </p:spPr>
-        <p:txBody>
-          <a:bodyPr/>
-          <a:lstStyle>
-            <a:lvl1pPr marL="0" indent="0">
+            <a:lvl1pPr marL="0" indent="0" algn="ctr">
               <a:buNone/>
-              <a:defRPr sz="1400"/>
+              <a:defRPr sz="1600"/>
             </a:lvl1pPr>
             <a:lvl2pPr marL="457200" indent="0">
               <a:buNone/>
@@ -2207,14 +3842,14 @@
             <a:pPr lvl="0"/>
             <a:r>
               <a:rPr lang="fr-FR" smtClean="0"/>
-              <a:t>Cliquez pour modifier les styles du texte du masque</a:t>
-            </a:r>
-          </a:p>
-        </p:txBody>
-      </p:sp>
-      <p:sp>
-        <p:nvSpPr>
-          <p:cNvPr id="5" name="Espace réservé de la date 4"/>
+              <a:t>Modifiez les styles du texte du masque</a:t>
+            </a:r>
+          </a:p>
+        </p:txBody>
+      </p:sp>
+      <p:sp>
+        <p:nvSpPr>
+          <p:cNvPr id="5" name="Date Placeholder 4"/>
           <p:cNvSpPr>
             <a:spLocks noGrp="1"/>
           </p:cNvSpPr>
@@ -2230,7 +3865,7 @@
             <a:fld id="{C8D9860D-EADF-4D68-AD70-A5740F44B9F0}" type="datetimeFigureOut">
               <a:rPr lang="fr-FR" smtClean="0"/>
               <a:pPr/>
-              <a:t>14/12/2010</a:t>
+              <a:t>15/12/2010</a:t>
             </a:fld>
             <a:endParaRPr lang="fr-FR"/>
           </a:p>
@@ -2238,7 +3873,7 @@
       </p:sp>
       <p:sp>
         <p:nvSpPr>
-          <p:cNvPr id="6" name="Espace réservé du pied de page 5"/>
+          <p:cNvPr id="6" name="Footer Placeholder 5"/>
           <p:cNvSpPr>
             <a:spLocks noGrp="1"/>
           </p:cNvSpPr>
@@ -2257,7 +3892,7 @@
       </p:sp>
       <p:sp>
         <p:nvSpPr>
-          <p:cNvPr id="7" name="Espace réservé du numéro de diapositive 6"/>
+          <p:cNvPr id="7" name="Slide Number Placeholder 6"/>
           <p:cNvSpPr>
             <a:spLocks noGrp="1"/>
           </p:cNvSpPr>
@@ -2276,6 +3911,63 @@
               <a:t>‹N°›</a:t>
             </a:fld>
             <a:endParaRPr lang="fr-FR"/>
+          </a:p>
+        </p:txBody>
+      </p:sp>
+      <p:sp>
+        <p:nvSpPr>
+          <p:cNvPr id="9" name="Content Placeholder 8"/>
+          <p:cNvSpPr>
+            <a:spLocks noGrp="1"/>
+          </p:cNvSpPr>
+          <p:nvPr>
+            <p:ph sz="quarter" idx="13"/>
+          </p:nvPr>
+        </p:nvSpPr>
+        <p:spPr>
+          <a:xfrm>
+            <a:off x="304800" y="381000"/>
+            <a:ext cx="7772400" cy="4942840"/>
+          </a:xfrm>
+        </p:spPr>
+        <p:txBody>
+          <a:bodyPr/>
+          <a:lstStyle/>
+          <a:p>
+            <a:pPr lvl="0"/>
+            <a:r>
+              <a:rPr lang="fr-FR" smtClean="0"/>
+              <a:t>Modifiez les styles du texte du masque</a:t>
+            </a:r>
+          </a:p>
+          <a:p>
+            <a:pPr lvl="1"/>
+            <a:r>
+              <a:rPr lang="fr-FR" smtClean="0"/>
+              <a:t>Deuxième niveau</a:t>
+            </a:r>
+          </a:p>
+          <a:p>
+            <a:pPr lvl="2"/>
+            <a:r>
+              <a:rPr lang="fr-FR" smtClean="0"/>
+              <a:t>Troisième niveau</a:t>
+            </a:r>
+          </a:p>
+          <a:p>
+            <a:pPr lvl="3"/>
+            <a:r>
+              <a:rPr lang="fr-FR" smtClean="0"/>
+              <a:t>Quatrième niveau</a:t>
+            </a:r>
+          </a:p>
+          <a:p>
+            <a:pPr lvl="4"/>
+            <a:r>
+              <a:rPr lang="fr-FR" smtClean="0"/>
+              <a:t>Cinquième niveau</a:t>
+            </a:r>
+            <a:endParaRPr lang="en-US"/>
           </a:p>
         </p:txBody>
       </p:sp>
@@ -2306,7 +3998,7 @@
       </p:grpSpPr>
       <p:sp>
         <p:nvSpPr>
-          <p:cNvPr id="2" name="Titre 1"/>
+          <p:cNvPr id="2" name="Title 1"/>
           <p:cNvSpPr>
             <a:spLocks noGrp="1"/>
           </p:cNvSpPr>
@@ -2316,29 +4008,36 @@
         </p:nvSpPr>
         <p:spPr>
           <a:xfrm>
-            <a:off x="1792288" y="4800600"/>
-            <a:ext cx="5486400" cy="566738"/>
+            <a:off x="301752" y="5495278"/>
+            <a:ext cx="7772400" cy="594626"/>
           </a:xfrm>
         </p:spPr>
         <p:txBody>
           <a:bodyPr anchor="b"/>
           <a:lstStyle>
-            <a:lvl1pPr algn="l">
-              <a:defRPr sz="2000" b="1"/>
+            <a:lvl1pPr algn="ctr">
+              <a:defRPr sz="2200" b="1">
+                <a:ln>
+                  <a:noFill/>
+                </a:ln>
+                <a:solidFill>
+                  <a:schemeClr val="tx2"/>
+                </a:solidFill>
+              </a:defRPr>
             </a:lvl1pPr>
           </a:lstStyle>
           <a:p>
             <a:r>
               <a:rPr lang="fr-FR" smtClean="0"/>
-              <a:t>Cliquez pour modifier le style du titre</a:t>
-            </a:r>
-            <a:endParaRPr lang="fr-FR"/>
-          </a:p>
-        </p:txBody>
-      </p:sp>
-      <p:sp>
-        <p:nvSpPr>
-          <p:cNvPr id="3" name="Espace réservé pour une image  2"/>
+              <a:t>Modifiez le style du titre</a:t>
+            </a:r>
+            <a:endParaRPr lang="en-US" dirty="0"/>
+          </a:p>
+        </p:txBody>
+      </p:sp>
+      <p:sp>
+        <p:nvSpPr>
+          <p:cNvPr id="3" name="Picture Placeholder 2"/>
           <p:cNvSpPr>
             <a:spLocks noGrp="1"/>
           </p:cNvSpPr>
@@ -2348,8 +4047,8 @@
         </p:nvSpPr>
         <p:spPr>
           <a:xfrm>
-            <a:off x="1792288" y="612775"/>
-            <a:ext cx="5486400" cy="4114800"/>
+            <a:off x="0" y="0"/>
+            <a:ext cx="8458200" cy="5486400"/>
           </a:xfrm>
         </p:spPr>
         <p:txBody>
@@ -2393,13 +4092,17 @@
             </a:lvl9pPr>
           </a:lstStyle>
           <a:p>
-            <a:endParaRPr lang="fr-FR"/>
-          </a:p>
-        </p:txBody>
-      </p:sp>
-      <p:sp>
-        <p:nvSpPr>
-          <p:cNvPr id="4" name="Espace réservé du texte 3"/>
+            <a:r>
+              <a:rPr lang="fr-FR" smtClean="0"/>
+              <a:t>Cliquez sur l'icône pour ajouter une image</a:t>
+            </a:r>
+            <a:endParaRPr lang="en-US" dirty="0"/>
+          </a:p>
+        </p:txBody>
+      </p:sp>
+      <p:sp>
+        <p:nvSpPr>
+          <p:cNvPr id="4" name="Text Placeholder 3"/>
           <p:cNvSpPr>
             <a:spLocks noGrp="1"/>
           </p:cNvSpPr>
@@ -2409,16 +4112,18 @@
         </p:nvSpPr>
         <p:spPr>
           <a:xfrm>
-            <a:off x="1792288" y="5367338"/>
-            <a:ext cx="5486400" cy="804862"/>
+            <a:off x="301752" y="6096000"/>
+            <a:ext cx="7772400" cy="612648"/>
           </a:xfrm>
         </p:spPr>
         <p:txBody>
-          <a:bodyPr/>
+          <a:bodyPr>
+            <a:normAutofit/>
+          </a:bodyPr>
           <a:lstStyle>
-            <a:lvl1pPr marL="0" indent="0">
+            <a:lvl1pPr marL="0" indent="0" algn="ctr">
               <a:buNone/>
-              <a:defRPr sz="1400"/>
+              <a:defRPr sz="1600"/>
             </a:lvl1pPr>
             <a:lvl2pPr marL="457200" indent="0">
               <a:buNone/>
@@ -2457,14 +4162,14 @@
             <a:pPr lvl="0"/>
             <a:r>
               <a:rPr lang="fr-FR" smtClean="0"/>
-              <a:t>Cliquez pour modifier les styles du texte du masque</a:t>
-            </a:r>
-          </a:p>
-        </p:txBody>
-      </p:sp>
-      <p:sp>
-        <p:nvSpPr>
-          <p:cNvPr id="5" name="Espace réservé de la date 4"/>
+              <a:t>Modifiez les styles du texte du masque</a:t>
+            </a:r>
+          </a:p>
+        </p:txBody>
+      </p:sp>
+      <p:sp>
+        <p:nvSpPr>
+          <p:cNvPr id="8" name="Date Placeholder 7"/>
           <p:cNvSpPr>
             <a:spLocks noGrp="1"/>
           </p:cNvSpPr>
@@ -2480,7 +4185,7 @@
             <a:fld id="{C8D9860D-EADF-4D68-AD70-A5740F44B9F0}" type="datetimeFigureOut">
               <a:rPr lang="fr-FR" smtClean="0"/>
               <a:pPr/>
-              <a:t>14/12/2010</a:t>
+              <a:t>15/12/2010</a:t>
             </a:fld>
             <a:endParaRPr lang="fr-FR"/>
           </a:p>
@@ -2488,31 +4193,12 @@
       </p:sp>
       <p:sp>
         <p:nvSpPr>
-          <p:cNvPr id="6" name="Espace réservé du pied de page 5"/>
-          <p:cNvSpPr>
-            <a:spLocks noGrp="1"/>
-          </p:cNvSpPr>
-          <p:nvPr>
-            <p:ph type="ftr" sz="quarter" idx="11"/>
-          </p:nvPr>
-        </p:nvSpPr>
-        <p:spPr/>
-        <p:txBody>
-          <a:bodyPr/>
-          <a:lstStyle/>
-          <a:p>
-            <a:endParaRPr lang="fr-FR"/>
-          </a:p>
-        </p:txBody>
-      </p:sp>
-      <p:sp>
-        <p:nvSpPr>
-          <p:cNvPr id="7" name="Espace réservé du numéro de diapositive 6"/>
-          <p:cNvSpPr>
-            <a:spLocks noGrp="1"/>
-          </p:cNvSpPr>
-          <p:nvPr>
-            <p:ph type="sldNum" sz="quarter" idx="12"/>
+          <p:cNvPr id="9" name="Slide Number Placeholder 8"/>
+          <p:cNvSpPr>
+            <a:spLocks noGrp="1"/>
+          </p:cNvSpPr>
+          <p:nvPr>
+            <p:ph type="sldNum" sz="quarter" idx="11"/>
           </p:nvPr>
         </p:nvSpPr>
         <p:spPr/>
@@ -2525,6 +4211,25 @@
               <a:pPr/>
               <a:t>‹N°›</a:t>
             </a:fld>
+            <a:endParaRPr lang="fr-FR"/>
+          </a:p>
+        </p:txBody>
+      </p:sp>
+      <p:sp>
+        <p:nvSpPr>
+          <p:cNvPr id="10" name="Footer Placeholder 9"/>
+          <p:cNvSpPr>
+            <a:spLocks noGrp="1"/>
+          </p:cNvSpPr>
+          <p:nvPr>
+            <p:ph type="ftr" sz="quarter" idx="12"/>
+          </p:nvPr>
+        </p:nvSpPr>
+        <p:spPr/>
+        <p:txBody>
+          <a:bodyPr/>
+          <a:lstStyle/>
+          <a:p>
             <a:endParaRPr lang="fr-FR"/>
           </a:p>
         </p:txBody>
@@ -2541,7 +4246,7 @@
 <p:sldMaster xmlns:a="http://schemas.openxmlformats.org/drawingml/2006/main" xmlns:r="http://schemas.openxmlformats.org/officeDocument/2006/relationships" xmlns:p="http://schemas.openxmlformats.org/presentationml/2006/main">
   <p:cSld>
     <p:bg>
-      <p:bgRef idx="1001">
+      <p:bgRef idx="1002">
         <a:schemeClr val="bg1"/>
       </p:bgRef>
     </p:bg>
@@ -2561,7 +4266,7 @@
       </p:grpSpPr>
       <p:sp>
         <p:nvSpPr>
-          <p:cNvPr id="2" name="Espace réservé du titre 1"/>
+          <p:cNvPr id="2" name="Title Placeholder 1"/>
           <p:cNvSpPr>
             <a:spLocks noGrp="1"/>
           </p:cNvSpPr>
@@ -2572,7 +4277,7 @@
         <p:spPr>
           <a:xfrm>
             <a:off x="457200" y="274638"/>
-            <a:ext cx="8229600" cy="1143000"/>
+            <a:ext cx="7620000" cy="1143000"/>
           </a:xfrm>
           <a:prstGeom prst="rect">
             <a:avLst/>
@@ -2580,21 +4285,21 @@
         </p:spPr>
         <p:txBody>
           <a:bodyPr vert="horz" lIns="91440" tIns="45720" rIns="91440" bIns="45720" rtlCol="0" anchor="ctr">
-            <a:normAutofit/>
+            <a:noAutofit/>
           </a:bodyPr>
           <a:lstStyle/>
           <a:p>
             <a:r>
               <a:rPr lang="fr-FR" smtClean="0"/>
-              <a:t>Cliquez pour modifier le style du titre</a:t>
-            </a:r>
-            <a:endParaRPr lang="fr-FR"/>
-          </a:p>
-        </p:txBody>
-      </p:sp>
-      <p:sp>
-        <p:nvSpPr>
-          <p:cNvPr id="3" name="Espace réservé du texte 2"/>
+              <a:t>Modifiez le style du titre</a:t>
+            </a:r>
+            <a:endParaRPr lang="en-US" dirty="0"/>
+          </a:p>
+        </p:txBody>
+      </p:sp>
+      <p:sp>
+        <p:nvSpPr>
+          <p:cNvPr id="3" name="Text Placeholder 2"/>
           <p:cNvSpPr>
             <a:spLocks noGrp="1"/>
           </p:cNvSpPr>
@@ -2605,7 +4310,7 @@
         <p:spPr>
           <a:xfrm>
             <a:off x="457200" y="1600200"/>
-            <a:ext cx="8229600" cy="4525963"/>
+            <a:ext cx="7620000" cy="4800600"/>
           </a:xfrm>
           <a:prstGeom prst="rect">
             <a:avLst/>
@@ -2620,7 +4325,7 @@
             <a:pPr lvl="0"/>
             <a:r>
               <a:rPr lang="fr-FR" smtClean="0"/>
-              <a:t>Cliquez pour modifier les styles du texte du masque</a:t>
+              <a:t>Modifiez les styles du texte du masque</a:t>
             </a:r>
           </a:p>
           <a:p>
@@ -2650,24 +4355,163 @@
               <a:rPr lang="fr-FR" smtClean="0"/>
               <a:t>Cinquième niveau</a:t>
             </a:r>
-            <a:endParaRPr lang="fr-FR"/>
-          </a:p>
-        </p:txBody>
-      </p:sp>
-      <p:sp>
-        <p:nvSpPr>
-          <p:cNvPr id="4" name="Espace réservé de la date 3"/>
-          <p:cNvSpPr>
-            <a:spLocks noGrp="1"/>
-          </p:cNvSpPr>
-          <p:nvPr>
-            <p:ph type="dt" sz="half" idx="2"/>
-          </p:nvPr>
+            <a:endParaRPr lang="en-US" dirty="0"/>
+          </a:p>
+        </p:txBody>
+      </p:sp>
+      <p:sp>
+        <p:nvSpPr>
+          <p:cNvPr id="7" name="Rectangle 6"/>
+          <p:cNvSpPr/>
+          <p:nvPr/>
         </p:nvSpPr>
         <p:spPr>
           <a:xfrm>
-            <a:off x="457200" y="6356350"/>
-            <a:ext cx="2133600" cy="365125"/>
+            <a:off x="8458200" y="0"/>
+            <a:ext cx="685800" cy="6858000"/>
+          </a:xfrm>
+          <a:prstGeom prst="rect">
+            <a:avLst/>
+          </a:prstGeom>
+          <a:solidFill>
+            <a:schemeClr val="tx2"/>
+          </a:solidFill>
+          <a:ln>
+            <a:noFill/>
+          </a:ln>
+        </p:spPr>
+        <p:style>
+          <a:lnRef idx="2">
+            <a:schemeClr val="accent1">
+              <a:shade val="50000"/>
+            </a:schemeClr>
+          </a:lnRef>
+          <a:fillRef idx="1">
+            <a:schemeClr val="accent1"/>
+          </a:fillRef>
+          <a:effectRef idx="0">
+            <a:schemeClr val="accent1"/>
+          </a:effectRef>
+          <a:fontRef idx="minor">
+            <a:schemeClr val="lt1"/>
+          </a:fontRef>
+        </p:style>
+        <p:txBody>
+          <a:bodyPr rtlCol="0" anchor="ctr"/>
+          <a:lstStyle/>
+          <a:p>
+            <a:pPr algn="ctr"/>
+            <a:endParaRPr lang="en-US"/>
+          </a:p>
+        </p:txBody>
+      </p:sp>
+      <p:sp>
+        <p:nvSpPr>
+          <p:cNvPr id="8" name="Rectangle 7"/>
+          <p:cNvSpPr/>
+          <p:nvPr/>
+        </p:nvSpPr>
+        <p:spPr>
+          <a:xfrm>
+            <a:off x="8458200" y="5486400"/>
+            <a:ext cx="685800" cy="685800"/>
+          </a:xfrm>
+          <a:prstGeom prst="rect">
+            <a:avLst/>
+          </a:prstGeom>
+          <a:solidFill>
+            <a:schemeClr val="accent1"/>
+          </a:solidFill>
+          <a:ln>
+            <a:noFill/>
+          </a:ln>
+        </p:spPr>
+        <p:style>
+          <a:lnRef idx="2">
+            <a:schemeClr val="accent1">
+              <a:shade val="50000"/>
+            </a:schemeClr>
+          </a:lnRef>
+          <a:fillRef idx="1">
+            <a:schemeClr val="accent1"/>
+          </a:fillRef>
+          <a:effectRef idx="0">
+            <a:schemeClr val="accent1"/>
+          </a:effectRef>
+          <a:fontRef idx="minor">
+            <a:schemeClr val="lt1"/>
+          </a:fontRef>
+        </p:style>
+        <p:txBody>
+          <a:bodyPr rtlCol="0" anchor="ctr"/>
+          <a:lstStyle/>
+          <a:p>
+            <a:pPr algn="ctr"/>
+            <a:endParaRPr lang="en-US"/>
+          </a:p>
+        </p:txBody>
+      </p:sp>
+      <p:sp>
+        <p:nvSpPr>
+          <p:cNvPr id="6" name="Slide Number Placeholder 5"/>
+          <p:cNvSpPr>
+            <a:spLocks noGrp="1"/>
+          </p:cNvSpPr>
+          <p:nvPr>
+            <p:ph type="sldNum" sz="quarter" idx="4"/>
+          </p:nvPr>
+        </p:nvSpPr>
+        <p:spPr>
+          <a:xfrm>
+            <a:off x="8531788" y="5648960"/>
+            <a:ext cx="548640" cy="396240"/>
+          </a:xfrm>
+          <a:prstGeom prst="bracketPair">
+            <a:avLst>
+              <a:gd name="adj" fmla="val 17949"/>
+            </a:avLst>
+          </a:prstGeom>
+          <a:ln w="19050">
+            <a:solidFill>
+              <a:srgbClr val="FFFFFF"/>
+            </a:solidFill>
+          </a:ln>
+        </p:spPr>
+        <p:txBody>
+          <a:bodyPr vert="horz" lIns="0" tIns="0" rIns="0" bIns="0" rtlCol="0" anchor="ctr"/>
+          <a:lstStyle>
+            <a:lvl1pPr algn="ctr">
+              <a:defRPr sz="1800">
+                <a:solidFill>
+                  <a:srgbClr val="FFFFFF"/>
+                </a:solidFill>
+              </a:defRPr>
+            </a:lvl1pPr>
+          </a:lstStyle>
+          <a:p>
+            <a:fld id="{AE14F1E3-566D-40AF-89AE-9C88455F7284}" type="slidenum">
+              <a:rPr lang="fr-FR" smtClean="0"/>
+              <a:pPr/>
+              <a:t>‹N°›</a:t>
+            </a:fld>
+            <a:endParaRPr lang="fr-FR"/>
+          </a:p>
+        </p:txBody>
+      </p:sp>
+      <p:sp>
+        <p:nvSpPr>
+          <p:cNvPr id="5" name="Footer Placeholder 4"/>
+          <p:cNvSpPr>
+            <a:spLocks noGrp="1"/>
+          </p:cNvSpPr>
+          <p:nvPr>
+            <p:ph type="ftr" sz="quarter" idx="3"/>
+          </p:nvPr>
+        </p:nvSpPr>
+        <p:spPr>
+          <a:xfrm rot="16200000">
+            <a:off x="7586910" y="4048760"/>
+            <a:ext cx="2367281" cy="365760"/>
           </a:xfrm>
           <a:prstGeom prst="rect">
             <a:avLst/>
@@ -2676,40 +4520,33 @@
         <p:txBody>
           <a:bodyPr vert="horz" lIns="91440" tIns="45720" rIns="91440" bIns="45720" rtlCol="0" anchor="ctr"/>
           <a:lstStyle>
-            <a:lvl1pPr algn="l">
+            <a:lvl1pPr algn="r">
               <a:defRPr sz="1200">
                 <a:solidFill>
-                  <a:schemeClr val="tx1">
-                    <a:tint val="75000"/>
-                  </a:schemeClr>
+                  <a:schemeClr val="bg2"/>
                 </a:solidFill>
               </a:defRPr>
             </a:lvl1pPr>
           </a:lstStyle>
           <a:p>
-            <a:fld id="{C8D9860D-EADF-4D68-AD70-A5740F44B9F0}" type="datetimeFigureOut">
-              <a:rPr lang="fr-FR" smtClean="0"/>
-              <a:pPr/>
-              <a:t>14/12/2010</a:t>
-            </a:fld>
             <a:endParaRPr lang="fr-FR"/>
           </a:p>
         </p:txBody>
       </p:sp>
       <p:sp>
         <p:nvSpPr>
-          <p:cNvPr id="5" name="Espace réservé du pied de page 4"/>
-          <p:cNvSpPr>
-            <a:spLocks noGrp="1"/>
-          </p:cNvSpPr>
-          <p:nvPr>
-            <p:ph type="ftr" sz="quarter" idx="3"/>
+          <p:cNvPr id="4" name="Date Placeholder 3"/>
+          <p:cNvSpPr>
+            <a:spLocks noGrp="1"/>
+          </p:cNvSpPr>
+          <p:nvPr>
+            <p:ph type="dt" sz="half" idx="2"/>
           </p:nvPr>
         </p:nvSpPr>
         <p:spPr>
-          <a:xfrm>
-            <a:off x="3124200" y="6356350"/>
-            <a:ext cx="2895600" cy="365125"/>
+          <a:xfrm rot="16200000">
+            <a:off x="7551351" y="1645920"/>
+            <a:ext cx="2438399" cy="365760"/>
           </a:xfrm>
           <a:prstGeom prst="rect">
             <a:avLst/>
@@ -2718,58 +4555,19 @@
         <p:txBody>
           <a:bodyPr vert="horz" lIns="91440" tIns="45720" rIns="91440" bIns="45720" rtlCol="0" anchor="ctr"/>
           <a:lstStyle>
-            <a:lvl1pPr algn="ctr">
+            <a:lvl1pPr algn="l">
               <a:defRPr sz="1200">
                 <a:solidFill>
-                  <a:schemeClr val="tx1">
-                    <a:tint val="75000"/>
-                  </a:schemeClr>
+                  <a:schemeClr val="bg2"/>
                 </a:solidFill>
               </a:defRPr>
             </a:lvl1pPr>
           </a:lstStyle>
           <a:p>
-            <a:endParaRPr lang="fr-FR"/>
-          </a:p>
-        </p:txBody>
-      </p:sp>
-      <p:sp>
-        <p:nvSpPr>
-          <p:cNvPr id="6" name="Espace réservé du numéro de diapositive 5"/>
-          <p:cNvSpPr>
-            <a:spLocks noGrp="1"/>
-          </p:cNvSpPr>
-          <p:nvPr>
-            <p:ph type="sldNum" sz="quarter" idx="4"/>
-          </p:nvPr>
-        </p:nvSpPr>
-        <p:spPr>
-          <a:xfrm>
-            <a:off x="6553200" y="6356350"/>
-            <a:ext cx="2133600" cy="365125"/>
-          </a:xfrm>
-          <a:prstGeom prst="rect">
-            <a:avLst/>
-          </a:prstGeom>
-        </p:spPr>
-        <p:txBody>
-          <a:bodyPr vert="horz" lIns="91440" tIns="45720" rIns="91440" bIns="45720" rtlCol="0" anchor="ctr"/>
-          <a:lstStyle>
-            <a:lvl1pPr algn="r">
-              <a:defRPr sz="1200">
-                <a:solidFill>
-                  <a:schemeClr val="tx1">
-                    <a:tint val="75000"/>
-                  </a:schemeClr>
-                </a:solidFill>
-              </a:defRPr>
-            </a:lvl1pPr>
-          </a:lstStyle>
-          <a:p>
-            <a:fld id="{AE14F1E3-566D-40AF-89AE-9C88455F7284}" type="slidenum">
+            <a:fld id="{C8D9860D-EADF-4D68-AD70-A5740F44B9F0}" type="datetimeFigureOut">
               <a:rPr lang="fr-FR" smtClean="0"/>
               <a:pPr/>
-              <a:t>‹N°›</a:t>
+              <a:t>15/12/2010</a:t>
             </a:fld>
             <a:endParaRPr lang="fr-FR"/>
           </a:p>
@@ -2779,29 +4577,33 @@
   </p:cSld>
   <p:clrMap bg1="lt1" tx1="dk1" bg2="lt2" tx2="dk2" accent1="accent1" accent2="accent2" accent3="accent3" accent4="accent4" accent5="accent5" accent6="accent6" hlink="hlink" folHlink="folHlink"/>
   <p:sldLayoutIdLst>
-    <p:sldLayoutId id="2147483649" r:id="rId1"/>
-    <p:sldLayoutId id="2147483650" r:id="rId2"/>
-    <p:sldLayoutId id="2147483651" r:id="rId3"/>
-    <p:sldLayoutId id="2147483652" r:id="rId4"/>
-    <p:sldLayoutId id="2147483653" r:id="rId5"/>
-    <p:sldLayoutId id="2147483654" r:id="rId6"/>
-    <p:sldLayoutId id="2147483655" r:id="rId7"/>
-    <p:sldLayoutId id="2147483656" r:id="rId8"/>
-    <p:sldLayoutId id="2147483657" r:id="rId9"/>
-    <p:sldLayoutId id="2147483658" r:id="rId10"/>
-    <p:sldLayoutId id="2147483659" r:id="rId11"/>
+    <p:sldLayoutId id="2147483709" r:id="rId1"/>
+    <p:sldLayoutId id="2147483710" r:id="rId2"/>
+    <p:sldLayoutId id="2147483711" r:id="rId3"/>
+    <p:sldLayoutId id="2147483712" r:id="rId4"/>
+    <p:sldLayoutId id="2147483713" r:id="rId5"/>
+    <p:sldLayoutId id="2147483714" r:id="rId6"/>
+    <p:sldLayoutId id="2147483715" r:id="rId7"/>
+    <p:sldLayoutId id="2147483716" r:id="rId8"/>
+    <p:sldLayoutId id="2147483717" r:id="rId9"/>
+    <p:sldLayoutId id="2147483718" r:id="rId10"/>
+    <p:sldLayoutId id="2147483719" r:id="rId11"/>
   </p:sldLayoutIdLst>
   <p:txStyles>
     <p:titleStyle>
-      <a:lvl1pPr algn="ctr" defTabSz="914400" rtl="0" eaLnBrk="1" latinLnBrk="0" hangingPunct="1">
+      <a:lvl1pPr algn="l" defTabSz="914400" rtl="0" eaLnBrk="1" latinLnBrk="0" hangingPunct="1">
         <a:spcBef>
           <a:spcPct val="0"/>
         </a:spcBef>
         <a:buNone/>
-        <a:defRPr sz="4400" kern="1200">
+        <a:defRPr sz="4600" kern="1200" cap="none" spc="-100" baseline="0">
+          <a:ln>
+            <a:noFill/>
+          </a:ln>
           <a:solidFill>
-            <a:schemeClr val="tx1"/>
+            <a:schemeClr val="tx2"/>
           </a:solidFill>
+          <a:effectLst/>
           <a:latin typeface="+mj-lt"/>
           <a:ea typeface="+mj-ea"/>
           <a:cs typeface="+mj-cs"/>
@@ -2809,13 +4611,16 @@
       </a:lvl1pPr>
     </p:titleStyle>
     <p:bodyStyle>
-      <a:lvl1pPr marL="342900" indent="-342900" algn="l" defTabSz="914400" rtl="0" eaLnBrk="1" latinLnBrk="0" hangingPunct="1">
+      <a:lvl1pPr marL="342900" indent="-228600" algn="l" defTabSz="914400" rtl="0" eaLnBrk="1" latinLnBrk="0" hangingPunct="1">
         <a:spcBef>
           <a:spcPct val="20000"/>
         </a:spcBef>
+        <a:buClr>
+          <a:schemeClr val="accent1"/>
+        </a:buClr>
         <a:buFont typeface="Arial" pitchFamily="34" charset="0"/>
         <a:buChar char="•"/>
-        <a:defRPr sz="3200" kern="1200">
+        <a:defRPr sz="2200" kern="1200">
           <a:solidFill>
             <a:schemeClr val="tx1"/>
           </a:solidFill>
@@ -2824,70 +4629,13 @@
           <a:cs typeface="+mn-cs"/>
         </a:defRPr>
       </a:lvl1pPr>
-      <a:lvl2pPr marL="742950" indent="-285750" algn="l" defTabSz="914400" rtl="0" eaLnBrk="1" latinLnBrk="0" hangingPunct="1">
+      <a:lvl2pPr marL="640080" indent="-228600" algn="l" defTabSz="914400" rtl="0" eaLnBrk="1" latinLnBrk="0" hangingPunct="1">
         <a:spcBef>
           <a:spcPct val="20000"/>
         </a:spcBef>
-        <a:buFont typeface="Arial" pitchFamily="34" charset="0"/>
-        <a:buChar char="–"/>
-        <a:defRPr sz="2800" kern="1200">
-          <a:solidFill>
-            <a:schemeClr val="tx1"/>
-          </a:solidFill>
-          <a:latin typeface="+mn-lt"/>
-          <a:ea typeface="+mn-ea"/>
-          <a:cs typeface="+mn-cs"/>
-        </a:defRPr>
-      </a:lvl2pPr>
-      <a:lvl3pPr marL="1143000" indent="-228600" algn="l" defTabSz="914400" rtl="0" eaLnBrk="1" latinLnBrk="0" hangingPunct="1">
-        <a:spcBef>
-          <a:spcPct val="20000"/>
-        </a:spcBef>
-        <a:buFont typeface="Arial" pitchFamily="34" charset="0"/>
-        <a:buChar char="•"/>
-        <a:defRPr sz="2400" kern="1200">
-          <a:solidFill>
-            <a:schemeClr val="tx1"/>
-          </a:solidFill>
-          <a:latin typeface="+mn-lt"/>
-          <a:ea typeface="+mn-ea"/>
-          <a:cs typeface="+mn-cs"/>
-        </a:defRPr>
-      </a:lvl3pPr>
-      <a:lvl4pPr marL="1600200" indent="-228600" algn="l" defTabSz="914400" rtl="0" eaLnBrk="1" latinLnBrk="0" hangingPunct="1">
-        <a:spcBef>
-          <a:spcPct val="20000"/>
-        </a:spcBef>
-        <a:buFont typeface="Arial" pitchFamily="34" charset="0"/>
-        <a:buChar char="–"/>
-        <a:defRPr sz="2000" kern="1200">
-          <a:solidFill>
-            <a:schemeClr val="tx1"/>
-          </a:solidFill>
-          <a:latin typeface="+mn-lt"/>
-          <a:ea typeface="+mn-ea"/>
-          <a:cs typeface="+mn-cs"/>
-        </a:defRPr>
-      </a:lvl4pPr>
-      <a:lvl5pPr marL="2057400" indent="-228600" algn="l" defTabSz="914400" rtl="0" eaLnBrk="1" latinLnBrk="0" hangingPunct="1">
-        <a:spcBef>
-          <a:spcPct val="20000"/>
-        </a:spcBef>
-        <a:buFont typeface="Arial" pitchFamily="34" charset="0"/>
-        <a:buChar char="»"/>
-        <a:defRPr sz="2000" kern="1200">
-          <a:solidFill>
-            <a:schemeClr val="tx1"/>
-          </a:solidFill>
-          <a:latin typeface="+mn-lt"/>
-          <a:ea typeface="+mn-ea"/>
-          <a:cs typeface="+mn-cs"/>
-        </a:defRPr>
-      </a:lvl5pPr>
-      <a:lvl6pPr marL="2514600" indent="-228600" algn="l" defTabSz="914400" rtl="0" eaLnBrk="1" latinLnBrk="0" hangingPunct="1">
-        <a:spcBef>
-          <a:spcPct val="20000"/>
-        </a:spcBef>
+        <a:buClr>
+          <a:schemeClr val="accent2"/>
+        </a:buClr>
         <a:buFont typeface="Arial" pitchFamily="34" charset="0"/>
         <a:buChar char="•"/>
         <a:defRPr sz="2000" kern="1200">
@@ -2898,14 +4646,89 @@
           <a:ea typeface="+mn-ea"/>
           <a:cs typeface="+mn-cs"/>
         </a:defRPr>
-      </a:lvl6pPr>
-      <a:lvl7pPr marL="2971800" indent="-228600" algn="l" defTabSz="914400" rtl="0" eaLnBrk="1" latinLnBrk="0" hangingPunct="1">
+      </a:lvl2pPr>
+      <a:lvl3pPr marL="1005840" indent="-228600" algn="l" defTabSz="914400" rtl="0" eaLnBrk="1" latinLnBrk="0" hangingPunct="1">
         <a:spcBef>
           <a:spcPct val="20000"/>
         </a:spcBef>
+        <a:buClr>
+          <a:schemeClr val="accent3"/>
+        </a:buClr>
         <a:buFont typeface="Arial" pitchFamily="34" charset="0"/>
         <a:buChar char="•"/>
-        <a:defRPr sz="2000" kern="1200">
+        <a:defRPr sz="1800" kern="1200">
+          <a:solidFill>
+            <a:schemeClr val="tx1"/>
+          </a:solidFill>
+          <a:latin typeface="+mn-lt"/>
+          <a:ea typeface="+mn-ea"/>
+          <a:cs typeface="+mn-cs"/>
+        </a:defRPr>
+      </a:lvl3pPr>
+      <a:lvl4pPr marL="1280160" indent="-228600" algn="l" defTabSz="914400" rtl="0" eaLnBrk="1" latinLnBrk="0" hangingPunct="1">
+        <a:spcBef>
+          <a:spcPct val="20000"/>
+        </a:spcBef>
+        <a:buClr>
+          <a:schemeClr val="accent4"/>
+        </a:buClr>
+        <a:buFont typeface="Arial" pitchFamily="34" charset="0"/>
+        <a:buChar char="•"/>
+        <a:defRPr sz="1600" kern="1200">
+          <a:solidFill>
+            <a:schemeClr val="tx1"/>
+          </a:solidFill>
+          <a:latin typeface="+mn-lt"/>
+          <a:ea typeface="+mn-ea"/>
+          <a:cs typeface="+mn-cs"/>
+        </a:defRPr>
+      </a:lvl4pPr>
+      <a:lvl5pPr marL="1554480" indent="-228600" algn="l" defTabSz="914400" rtl="0" eaLnBrk="1" latinLnBrk="0" hangingPunct="1">
+        <a:spcBef>
+          <a:spcPct val="20000"/>
+        </a:spcBef>
+        <a:buClr>
+          <a:schemeClr val="accent5"/>
+        </a:buClr>
+        <a:buFont typeface="Arial" pitchFamily="34" charset="0"/>
+        <a:buChar char="•"/>
+        <a:defRPr sz="1400" kern="1200" baseline="0">
+          <a:solidFill>
+            <a:schemeClr val="tx1"/>
+          </a:solidFill>
+          <a:latin typeface="+mn-lt"/>
+          <a:ea typeface="+mn-ea"/>
+          <a:cs typeface="+mn-cs"/>
+        </a:defRPr>
+      </a:lvl5pPr>
+      <a:lvl6pPr marL="1737360" indent="-182880" algn="l" defTabSz="914400" rtl="0" eaLnBrk="1" latinLnBrk="0" hangingPunct="1">
+        <a:spcBef>
+          <a:spcPct val="20000"/>
+        </a:spcBef>
+        <a:buClr>
+          <a:schemeClr val="accent1"/>
+        </a:buClr>
+        <a:buFont typeface="Arial" pitchFamily="34" charset="0"/>
+        <a:buChar char="•"/>
+        <a:defRPr sz="1400" kern="1200" baseline="0">
+          <a:solidFill>
+            <a:schemeClr val="tx1"/>
+          </a:solidFill>
+          <a:latin typeface="+mn-lt"/>
+          <a:ea typeface="+mn-ea"/>
+          <a:cs typeface="+mn-cs"/>
+        </a:defRPr>
+      </a:lvl6pPr>
+      <a:lvl7pPr marL="1920240" indent="-182880" algn="l" defTabSz="914400" rtl="0" eaLnBrk="1" latinLnBrk="0" hangingPunct="1">
+        <a:spcBef>
+          <a:spcPct val="20000"/>
+        </a:spcBef>
+        <a:buClr>
+          <a:schemeClr val="accent2"/>
+        </a:buClr>
+        <a:buFont typeface="Arial" pitchFamily="34" charset="0"/>
+        <a:buChar char="•"/>
+        <a:defRPr sz="1400" kern="1200">
           <a:solidFill>
             <a:schemeClr val="tx1"/>
           </a:solidFill>
@@ -2914,13 +4737,16 @@
           <a:cs typeface="+mn-cs"/>
         </a:defRPr>
       </a:lvl7pPr>
-      <a:lvl8pPr marL="3429000" indent="-228600" algn="l" defTabSz="914400" rtl="0" eaLnBrk="1" latinLnBrk="0" hangingPunct="1">
+      <a:lvl8pPr marL="2103120" indent="-182880" algn="l" defTabSz="914400" rtl="0" eaLnBrk="1" latinLnBrk="0" hangingPunct="1">
         <a:spcBef>
           <a:spcPct val="20000"/>
         </a:spcBef>
+        <a:buClr>
+          <a:schemeClr val="accent3"/>
+        </a:buClr>
         <a:buFont typeface="Arial" pitchFamily="34" charset="0"/>
         <a:buChar char="•"/>
-        <a:defRPr sz="2000" kern="1200">
+        <a:defRPr sz="1400" kern="1200">
           <a:solidFill>
             <a:schemeClr val="tx1"/>
           </a:solidFill>
@@ -2929,13 +4755,16 @@
           <a:cs typeface="+mn-cs"/>
         </a:defRPr>
       </a:lvl8pPr>
-      <a:lvl9pPr marL="3886200" indent="-228600" algn="l" defTabSz="914400" rtl="0" eaLnBrk="1" latinLnBrk="0" hangingPunct="1">
+      <a:lvl9pPr marL="2286000" indent="-182880" algn="l" defTabSz="914400" rtl="0" eaLnBrk="1" latinLnBrk="0" hangingPunct="1">
         <a:spcBef>
           <a:spcPct val="20000"/>
         </a:spcBef>
+        <a:buClr>
+          <a:schemeClr val="accent4"/>
+        </a:buClr>
         <a:buFont typeface="Arial" pitchFamily="34" charset="0"/>
         <a:buChar char="•"/>
-        <a:defRPr sz="2000" kern="1200">
+        <a:defRPr sz="1400" kern="1200">
           <a:solidFill>
             <a:schemeClr val="tx1"/>
           </a:solidFill>
@@ -2947,7 +4776,7 @@
     </p:bodyStyle>
     <p:otherStyle>
       <a:defPPr>
-        <a:defRPr lang="fr-FR"/>
+        <a:defRPr lang="en-US"/>
       </a:defPPr>
       <a:lvl1pPr marL="0" algn="l" defTabSz="914400" rtl="0" eaLnBrk="1" latinLnBrk="0" hangingPunct="1">
         <a:defRPr sz="1800" kern="1200">
@@ -3068,7 +4897,7 @@
             <a:spLocks noGrp="1"/>
           </p:cNvSpPr>
           <p:nvPr>
-            <p:ph type="title"/>
+            <p:ph type="ctrTitle"/>
           </p:nvPr>
         </p:nvSpPr>
         <p:spPr/>
@@ -3078,7 +4907,11 @@
           <a:p>
             <a:r>
               <a:rPr lang="fr-FR" dirty="0" smtClean="0"/>
-              <a:t>Analyse des erreurs</a:t>
+              <a:t>Projet </a:t>
+            </a:r>
+            <a:r>
+              <a:rPr lang="fr-FR" dirty="0" err="1" smtClean="0"/>
+              <a:t>Darties</a:t>
             </a:r>
             <a:endParaRPr lang="fr-FR" dirty="0"/>
           </a:p>
@@ -3086,64 +4919,278 @@
       </p:sp>
       <p:sp>
         <p:nvSpPr>
-          <p:cNvPr id="3" name="Espace réservé du contenu 2"/>
-          <p:cNvSpPr>
-            <a:spLocks noGrp="1"/>
-          </p:cNvSpPr>
-          <p:nvPr>
-            <p:ph idx="1"/>
-          </p:nvPr>
-        </p:nvSpPr>
-        <p:spPr/>
-        <p:txBody>
-          <a:bodyPr/>
+          <p:cNvPr id="3" name="Sous-titre 2"/>
+          <p:cNvSpPr>
+            <a:spLocks noGrp="1"/>
+          </p:cNvSpPr>
+          <p:nvPr>
+            <p:ph type="subTitle" idx="1"/>
+          </p:nvPr>
+        </p:nvSpPr>
+        <p:spPr/>
+        <p:txBody>
+          <a:bodyPr>
+            <a:normAutofit lnSpcReduction="10000"/>
+          </a:bodyPr>
           <a:lstStyle/>
           <a:p>
             <a:r>
               <a:rPr lang="fr-FR" dirty="0" smtClean="0"/>
-              <a:t>Initialisation</a:t>
-            </a:r>
-          </a:p>
-          <a:p>
-            <a:pPr lvl="1"/>
+              <a:t>Groupe 2</a:t>
+            </a:r>
+          </a:p>
+          <a:p>
+            <a:endParaRPr lang="fr-FR" dirty="0"/>
+          </a:p>
+          <a:p>
             <a:r>
               <a:rPr lang="fr-FR" dirty="0" smtClean="0"/>
-              <a:t>Données statistiques des villes incorrectes</a:t>
-            </a:r>
-          </a:p>
-          <a:p>
-            <a:pPr lvl="1"/>
-            <a:r>
-              <a:rPr lang="fr-FR" dirty="0" smtClean="0"/>
-              <a:t>Solution </a:t>
-            </a:r>
-            <a:r>
-              <a:rPr lang="fr-FR" dirty="0" smtClean="0">
-                <a:sym typeface="Wingdings" pitchFamily="2" charset="2"/>
-              </a:rPr>
-              <a:t> script récupérant ces données depuis un site internet.</a:t>
-            </a:r>
-          </a:p>
-          <a:p>
-            <a:r>
-              <a:rPr lang="fr-FR" dirty="0" smtClean="0"/>
-              <a:t>Chiffres</a:t>
-            </a:r>
-          </a:p>
-          <a:p>
-            <a:pPr lvl="1"/>
-            <a:r>
-              <a:rPr lang="fr-FR" dirty="0" smtClean="0"/>
-              <a:t>Redondance d’informations, absence d’objectif ou de réalisé (0), valeurs extrêmes.</a:t>
-            </a:r>
+              <a:t>15/12/2010</a:t>
+            </a:r>
+            <a:endParaRPr lang="fr-FR" dirty="0"/>
           </a:p>
         </p:txBody>
       </p:sp>
     </p:spTree>
+    <p:extLst>
+      <p:ext uri="{BB962C8B-B14F-4D97-AF65-F5344CB8AC3E}">
+        <p14:creationId xmlns:p14="http://schemas.microsoft.com/office/powerpoint/2010/main" val="3269699347"/>
+      </p:ext>
+    </p:extLst>
   </p:cSld>
   <p:clrMapOvr>
     <a:masterClrMapping/>
   </p:clrMapOvr>
+  <p:timing>
+    <p:tnLst>
+      <p:par>
+        <p:cTn id="1" dur="indefinite" restart="never" nodeType="tmRoot"/>
+      </p:par>
+    </p:tnLst>
+  </p:timing>
+</p:sld>
+</file>
+
+<file path=ppt/slides/slide10.xml><?xml version="1.0" encoding="utf-8"?>
+<p:sld xmlns:a="http://schemas.openxmlformats.org/drawingml/2006/main" xmlns:r="http://schemas.openxmlformats.org/officeDocument/2006/relationships" xmlns:p="http://schemas.openxmlformats.org/presentationml/2006/main">
+  <p:cSld>
+    <p:spTree>
+      <p:nvGrpSpPr>
+        <p:cNvPr id="1" name=""/>
+        <p:cNvGrpSpPr/>
+        <p:nvPr/>
+      </p:nvGrpSpPr>
+      <p:grpSpPr>
+        <a:xfrm>
+          <a:off x="0" y="0"/>
+          <a:ext cx="0" cy="0"/>
+          <a:chOff x="0" y="0"/>
+          <a:chExt cx="0" cy="0"/>
+        </a:xfrm>
+      </p:grpSpPr>
+      <p:sp>
+        <p:nvSpPr>
+          <p:cNvPr id="2" name="Titre 1"/>
+          <p:cNvSpPr>
+            <a:spLocks noGrp="1"/>
+          </p:cNvSpPr>
+          <p:nvPr>
+            <p:ph type="title"/>
+          </p:nvPr>
+        </p:nvSpPr>
+        <p:spPr>
+          <a:xfrm>
+            <a:off x="683568" y="2564904"/>
+            <a:ext cx="7620000" cy="1143000"/>
+          </a:xfrm>
+        </p:spPr>
+        <p:txBody>
+          <a:bodyPr/>
+          <a:lstStyle/>
+          <a:p>
+            <a:r>
+              <a:rPr lang="fr-FR" dirty="0" smtClean="0"/>
+              <a:t>Restitution</a:t>
+            </a:r>
+            <a:br>
+              <a:rPr lang="fr-FR" dirty="0" smtClean="0"/>
+            </a:br>
+            <a:r>
+              <a:rPr lang="fr-FR" dirty="0"/>
+              <a:t/>
+            </a:r>
+            <a:br>
+              <a:rPr lang="fr-FR" dirty="0"/>
+            </a:br>
+            <a:r>
+              <a:rPr lang="fr-FR" sz="3200" dirty="0" smtClean="0"/>
+              <a:t>Sas</a:t>
+            </a:r>
+            <a:br>
+              <a:rPr lang="fr-FR" sz="3200" dirty="0" smtClean="0"/>
+            </a:br>
+            <a:r>
+              <a:rPr lang="fr-FR" sz="3200" dirty="0"/>
+              <a:t/>
+            </a:r>
+            <a:br>
+              <a:rPr lang="fr-FR" sz="3200" dirty="0"/>
+            </a:br>
+            <a:r>
+              <a:rPr lang="fr-FR" sz="3200" dirty="0" smtClean="0"/>
+              <a:t>Jasper</a:t>
+            </a:r>
+            <a:endParaRPr lang="fr-FR" sz="3200" dirty="0"/>
+          </a:p>
+        </p:txBody>
+      </p:sp>
+    </p:spTree>
+    <p:extLst>
+      <p:ext uri="{BB962C8B-B14F-4D97-AF65-F5344CB8AC3E}">
+        <p14:creationId xmlns:p14="http://schemas.microsoft.com/office/powerpoint/2010/main" val="82885118"/>
+      </p:ext>
+    </p:extLst>
+  </p:cSld>
+  <p:clrMapOvr>
+    <a:masterClrMapping/>
+  </p:clrMapOvr>
+  <p:timing>
+    <p:tnLst>
+      <p:par>
+        <p:cTn id="1" dur="indefinite" restart="never" nodeType="tmRoot"/>
+      </p:par>
+    </p:tnLst>
+  </p:timing>
+</p:sld>
+</file>
+
+<file path=ppt/slides/slide11.xml><?xml version="1.0" encoding="utf-8"?>
+<p:sld xmlns:a="http://schemas.openxmlformats.org/drawingml/2006/main" xmlns:r="http://schemas.openxmlformats.org/officeDocument/2006/relationships" xmlns:p="http://schemas.openxmlformats.org/presentationml/2006/main">
+  <p:cSld>
+    <p:spTree>
+      <p:nvGrpSpPr>
+        <p:cNvPr id="1" name=""/>
+        <p:cNvGrpSpPr/>
+        <p:nvPr/>
+      </p:nvGrpSpPr>
+      <p:grpSpPr>
+        <a:xfrm>
+          <a:off x="0" y="0"/>
+          <a:ext cx="0" cy="0"/>
+          <a:chOff x="0" y="0"/>
+          <a:chExt cx="0" cy="0"/>
+        </a:xfrm>
+      </p:grpSpPr>
+      <p:sp>
+        <p:nvSpPr>
+          <p:cNvPr id="2" name="Titre 1"/>
+          <p:cNvSpPr>
+            <a:spLocks noGrp="1"/>
+          </p:cNvSpPr>
+          <p:nvPr>
+            <p:ph type="title"/>
+          </p:nvPr>
+        </p:nvSpPr>
+        <p:spPr>
+          <a:xfrm>
+            <a:off x="683568" y="2564904"/>
+            <a:ext cx="7620000" cy="1143000"/>
+          </a:xfrm>
+        </p:spPr>
+        <p:txBody>
+          <a:bodyPr/>
+          <a:lstStyle/>
+          <a:p>
+            <a:r>
+              <a:rPr lang="fr-FR" dirty="0" smtClean="0"/>
+              <a:t>Recettes</a:t>
+            </a:r>
+            <a:endParaRPr lang="fr-FR" dirty="0"/>
+          </a:p>
+        </p:txBody>
+      </p:sp>
+    </p:spTree>
+    <p:extLst>
+      <p:ext uri="{BB962C8B-B14F-4D97-AF65-F5344CB8AC3E}">
+        <p14:creationId xmlns:p14="http://schemas.microsoft.com/office/powerpoint/2010/main" val="2279178242"/>
+      </p:ext>
+    </p:extLst>
+  </p:cSld>
+  <p:clrMapOvr>
+    <a:masterClrMapping/>
+  </p:clrMapOvr>
+  <p:timing>
+    <p:tnLst>
+      <p:par>
+        <p:cTn id="1" dur="indefinite" restart="never" nodeType="tmRoot"/>
+      </p:par>
+    </p:tnLst>
+  </p:timing>
+</p:sld>
+</file>
+
+<file path=ppt/slides/slide12.xml><?xml version="1.0" encoding="utf-8"?>
+<p:sld xmlns:a="http://schemas.openxmlformats.org/drawingml/2006/main" xmlns:r="http://schemas.openxmlformats.org/officeDocument/2006/relationships" xmlns:p="http://schemas.openxmlformats.org/presentationml/2006/main">
+  <p:cSld>
+    <p:spTree>
+      <p:nvGrpSpPr>
+        <p:cNvPr id="1" name=""/>
+        <p:cNvGrpSpPr/>
+        <p:nvPr/>
+      </p:nvGrpSpPr>
+      <p:grpSpPr>
+        <a:xfrm>
+          <a:off x="0" y="0"/>
+          <a:ext cx="0" cy="0"/>
+          <a:chOff x="0" y="0"/>
+          <a:chExt cx="0" cy="0"/>
+        </a:xfrm>
+      </p:grpSpPr>
+      <p:sp>
+        <p:nvSpPr>
+          <p:cNvPr id="2" name="Titre 1"/>
+          <p:cNvSpPr>
+            <a:spLocks noGrp="1"/>
+          </p:cNvSpPr>
+          <p:nvPr>
+            <p:ph type="title"/>
+          </p:nvPr>
+        </p:nvSpPr>
+        <p:spPr>
+          <a:xfrm>
+            <a:off x="683568" y="2564904"/>
+            <a:ext cx="7620000" cy="1143000"/>
+          </a:xfrm>
+        </p:spPr>
+        <p:txBody>
+          <a:bodyPr/>
+          <a:lstStyle/>
+          <a:p>
+            <a:r>
+              <a:rPr lang="fr-FR" dirty="0" smtClean="0"/>
+              <a:t>Architecture</a:t>
+            </a:r>
+            <a:endParaRPr lang="fr-FR" dirty="0"/>
+          </a:p>
+        </p:txBody>
+      </p:sp>
+    </p:spTree>
+    <p:extLst>
+      <p:ext uri="{BB962C8B-B14F-4D97-AF65-F5344CB8AC3E}">
+        <p14:creationId xmlns:p14="http://schemas.microsoft.com/office/powerpoint/2010/main" val="2279178242"/>
+      </p:ext>
+    </p:extLst>
+  </p:cSld>
+  <p:clrMapOvr>
+    <a:masterClrMapping/>
+  </p:clrMapOvr>
+  <p:timing>
+    <p:tnLst>
+      <p:par>
+        <p:cTn id="1" dur="indefinite" restart="never" nodeType="tmRoot"/>
+      </p:par>
+    </p:tnLst>
+  </p:timing>
 </p:sld>
 </file>
 
@@ -3181,65 +5228,108 @@
           <a:p>
             <a:r>
               <a:rPr lang="fr-FR" dirty="0" smtClean="0"/>
-              <a:t>Matrice données </a:t>
+              <a:t>Objectifs fixés</a:t>
+            </a:r>
+            <a:endParaRPr lang="fr-FR" dirty="0"/>
+          </a:p>
+        </p:txBody>
+      </p:sp>
+      <p:sp>
+        <p:nvSpPr>
+          <p:cNvPr id="3" name="Espace réservé du contenu 2"/>
+          <p:cNvSpPr>
+            <a:spLocks noGrp="1"/>
+          </p:cNvSpPr>
+          <p:nvPr>
+            <p:ph idx="1"/>
+          </p:nvPr>
+        </p:nvSpPr>
+        <p:spPr/>
+        <p:txBody>
+          <a:bodyPr/>
+          <a:lstStyle/>
+          <a:p>
+            <a:pPr lvl="0"/>
+            <a:r>
+              <a:rPr lang="fr-FR" dirty="0"/>
+              <a:t>Réalisation de </a:t>
             </a:r>
             <a:r>
               <a:rPr lang="fr-FR" dirty="0" smtClean="0"/>
-              <a:t>sources-cibles</a:t>
-            </a:r>
+              <a:t>spécifications </a:t>
+            </a:r>
+            <a:r>
+              <a:rPr lang="fr-FR" dirty="0"/>
+              <a:t>pour </a:t>
+            </a:r>
+            <a:r>
+              <a:rPr lang="fr-FR" dirty="0" smtClean="0"/>
+              <a:t>l’alimentation</a:t>
+            </a:r>
+          </a:p>
+          <a:p>
+            <a:pPr lvl="0"/>
             <a:endParaRPr lang="fr-FR" dirty="0"/>
           </a:p>
-        </p:txBody>
-      </p:sp>
-      <p:sp>
-        <p:nvSpPr>
-          <p:cNvPr id="3" name="Espace réservé du contenu 2"/>
-          <p:cNvSpPr>
-            <a:spLocks noGrp="1"/>
-          </p:cNvSpPr>
-          <p:nvPr>
-            <p:ph idx="1"/>
-          </p:nvPr>
-        </p:nvSpPr>
-        <p:spPr/>
-        <p:txBody>
-          <a:bodyPr>
-            <a:normAutofit/>
-          </a:bodyPr>
-          <a:lstStyle/>
-          <a:p>
+          <a:p>
+            <a:pPr lvl="0"/>
+            <a:r>
+              <a:rPr lang="fr-FR" dirty="0"/>
+              <a:t>Travaux sur la partie restitution avec une </a:t>
+            </a:r>
             <a:r>
               <a:rPr lang="fr-FR" dirty="0" smtClean="0"/>
-              <a:t>Analyse des données en entrée pour spécifier les traitements à effectuer pour les insérer dans la BDD.</a:t>
-            </a:r>
-          </a:p>
-          <a:p>
+              <a:t>démonstration</a:t>
+            </a:r>
+          </a:p>
+          <a:p>
+            <a:pPr lvl="0"/>
+            <a:endParaRPr lang="fr-FR" dirty="0"/>
+          </a:p>
+          <a:p>
+            <a:pPr lvl="0"/>
+            <a:r>
+              <a:rPr lang="fr-FR" dirty="0"/>
+              <a:t>Choix et mise en place d’une alimentation (mensuelle, annuelle …) avec une </a:t>
+            </a:r>
             <a:r>
               <a:rPr lang="fr-FR" dirty="0" smtClean="0"/>
-              <a:t>Permet :</a:t>
-            </a:r>
-          </a:p>
-          <a:p>
-            <a:pPr lvl="1"/>
-            <a:r>
-              <a:rPr lang="fr-FR" dirty="0" smtClean="0"/>
-              <a:t>Modification et uniformisation du fichier Excel</a:t>
-            </a:r>
-          </a:p>
-          <a:p>
-            <a:pPr lvl="1"/>
-            <a:r>
-              <a:rPr lang="fr-FR" dirty="0" smtClean="0"/>
-              <a:t>Enrichissement des futurs cas d’utilisation.</a:t>
-            </a:r>
+              <a:t>démonstration</a:t>
+            </a:r>
+          </a:p>
+          <a:p>
+            <a:pPr lvl="0"/>
+            <a:endParaRPr lang="fr-FR" dirty="0"/>
+          </a:p>
+          <a:p>
+            <a:pPr lvl="0"/>
+            <a:r>
+              <a:rPr lang="fr-FR" dirty="0"/>
+              <a:t>Rédaction de scénarios de recette</a:t>
+            </a:r>
+          </a:p>
+          <a:p>
+            <a:endParaRPr lang="fr-FR" dirty="0"/>
           </a:p>
         </p:txBody>
       </p:sp>
     </p:spTree>
+    <p:extLst>
+      <p:ext uri="{BB962C8B-B14F-4D97-AF65-F5344CB8AC3E}">
+        <p14:creationId xmlns:p14="http://schemas.microsoft.com/office/powerpoint/2010/main" val="1325746"/>
+      </p:ext>
+    </p:extLst>
   </p:cSld>
   <p:clrMapOvr>
     <a:masterClrMapping/>
   </p:clrMapOvr>
+  <p:timing>
+    <p:tnLst>
+      <p:par>
+        <p:cTn id="1" dur="indefinite" restart="never" nodeType="tmRoot"/>
+      </p:par>
+    </p:tnLst>
+  </p:timing>
 </p:sld>
 </file>
 
@@ -3277,12 +5367,113 @@
           <a:p>
             <a:r>
               <a:rPr lang="fr-FR" dirty="0" smtClean="0"/>
-              <a:t>Cas d’utilisation</a:t>
+              <a:t>Temps de travail</a:t>
             </a:r>
             <a:endParaRPr lang="fr-FR" dirty="0"/>
           </a:p>
         </p:txBody>
       </p:sp>
+      <p:graphicFrame>
+        <p:nvGraphicFramePr>
+          <p:cNvPr id="4" name="Graphique 3"/>
+          <p:cNvGraphicFramePr/>
+          <p:nvPr>
+            <p:extLst>
+              <p:ext uri="{D42A27DB-BD31-4B8C-83A1-F6EECF244321}">
+                <p14:modId xmlns:p14="http://schemas.microsoft.com/office/powerpoint/2010/main" val="4253009743"/>
+              </p:ext>
+            </p:extLst>
+          </p:nvPr>
+        </p:nvGraphicFramePr>
+        <p:xfrm>
+          <a:off x="827584" y="2276872"/>
+          <a:ext cx="6480720" cy="3704456"/>
+        </p:xfrm>
+        <a:graphic>
+          <a:graphicData uri="http://schemas.openxmlformats.org/drawingml/2006/chart">
+            <c:chart xmlns:c="http://schemas.openxmlformats.org/drawingml/2006/chart" xmlns:r="http://schemas.openxmlformats.org/officeDocument/2006/relationships" r:id="rId3"/>
+          </a:graphicData>
+        </a:graphic>
+      </p:graphicFrame>
+      <p:sp>
+        <p:nvSpPr>
+          <p:cNvPr id="6" name="Espace réservé du contenu 5"/>
+          <p:cNvSpPr>
+            <a:spLocks noGrp="1"/>
+          </p:cNvSpPr>
+          <p:nvPr>
+            <p:ph idx="1"/>
+          </p:nvPr>
+        </p:nvSpPr>
+        <p:spPr/>
+        <p:txBody>
+          <a:bodyPr/>
+          <a:lstStyle/>
+          <a:p>
+            <a:endParaRPr lang="fr-FR" dirty="0"/>
+          </a:p>
+        </p:txBody>
+      </p:sp>
+    </p:spTree>
+    <p:extLst>
+      <p:ext uri="{BB962C8B-B14F-4D97-AF65-F5344CB8AC3E}">
+        <p14:creationId xmlns:p14="http://schemas.microsoft.com/office/powerpoint/2010/main" val="1337857689"/>
+      </p:ext>
+    </p:extLst>
+  </p:cSld>
+  <p:clrMapOvr>
+    <a:masterClrMapping/>
+  </p:clrMapOvr>
+  <p:timing>
+    <p:tnLst>
+      <p:par>
+        <p:cTn id="1" dur="indefinite" restart="never" nodeType="tmRoot"/>
+      </p:par>
+    </p:tnLst>
+  </p:timing>
+</p:sld>
+</file>
+
+<file path=ppt/slides/slide4.xml><?xml version="1.0" encoding="utf-8"?>
+<p:sld xmlns:a="http://schemas.openxmlformats.org/drawingml/2006/main" xmlns:r="http://schemas.openxmlformats.org/officeDocument/2006/relationships" xmlns:p="http://schemas.openxmlformats.org/presentationml/2006/main">
+  <p:cSld>
+    <p:spTree>
+      <p:nvGrpSpPr>
+        <p:cNvPr id="1" name=""/>
+        <p:cNvGrpSpPr/>
+        <p:nvPr/>
+      </p:nvGrpSpPr>
+      <p:grpSpPr>
+        <a:xfrm>
+          <a:off x="0" y="0"/>
+          <a:ext cx="0" cy="0"/>
+          <a:chOff x="0" y="0"/>
+          <a:chExt cx="0" cy="0"/>
+        </a:xfrm>
+      </p:grpSpPr>
+      <p:sp>
+        <p:nvSpPr>
+          <p:cNvPr id="2" name="Titre 1"/>
+          <p:cNvSpPr>
+            <a:spLocks noGrp="1"/>
+          </p:cNvSpPr>
+          <p:nvPr>
+            <p:ph type="title"/>
+          </p:nvPr>
+        </p:nvSpPr>
+        <p:spPr/>
+        <p:txBody>
+          <a:bodyPr/>
+          <a:lstStyle/>
+          <a:p>
+            <a:r>
+              <a:rPr lang="fr-FR" dirty="0" smtClean="0"/>
+              <a:t>Nouvelles méthodes de travail</a:t>
+            </a:r>
+            <a:endParaRPr lang="fr-FR" dirty="0"/>
+          </a:p>
+        </p:txBody>
+      </p:sp>
       <p:sp>
         <p:nvSpPr>
           <p:cNvPr id="3" name="Espace réservé du contenu 2"/>
@@ -3298,33 +5489,210 @@
           <a:bodyPr/>
           <a:lstStyle/>
           <a:p>
+            <a:pPr lvl="0"/>
+            <a:r>
+              <a:rPr lang="fr-FR" dirty="0"/>
+              <a:t>Tout le monde en copie dans les </a:t>
+            </a:r>
             <a:r>
               <a:rPr lang="fr-FR" dirty="0" smtClean="0"/>
-              <a:t>En fonction du choix de l’équipe ETL (fichier Excel réorganisé) :</a:t>
-            </a:r>
-          </a:p>
-          <a:p>
-            <a:pPr lvl="1"/>
+              <a:t>mails</a:t>
+            </a:r>
+          </a:p>
+          <a:p>
+            <a:pPr lvl="0"/>
+            <a:endParaRPr lang="fr-FR" dirty="0"/>
+          </a:p>
+          <a:p>
+            <a:pPr lvl="0"/>
+            <a:r>
+              <a:rPr lang="fr-FR" dirty="0"/>
+              <a:t>Réunion tous les 10 jours avec toute </a:t>
+            </a:r>
             <a:r>
               <a:rPr lang="fr-FR" dirty="0" smtClean="0"/>
-              <a:t>Annuellement par famille produit</a:t>
-            </a:r>
-          </a:p>
-          <a:p>
-            <a:pPr lvl="1"/>
+              <a:t>l’équipe</a:t>
+            </a:r>
+          </a:p>
+          <a:p>
+            <a:pPr lvl="0"/>
+            <a:endParaRPr lang="fr-FR" dirty="0"/>
+          </a:p>
+          <a:p>
+            <a:pPr lvl="0"/>
             <a:r>
               <a:rPr lang="fr-FR" dirty="0" smtClean="0"/>
-              <a:t>Mensuellement par famille produit.</a:t>
-            </a:r>
-          </a:p>
+              <a:t>Mise en place SVN ( Google Code)</a:t>
+            </a:r>
+            <a:endParaRPr lang="fr-FR" dirty="0"/>
+          </a:p>
+          <a:p>
+            <a:endParaRPr lang="fr-FR" dirty="0"/>
+          </a:p>
+        </p:txBody>
+      </p:sp>
+    </p:spTree>
+    <p:extLst>
+      <p:ext uri="{BB962C8B-B14F-4D97-AF65-F5344CB8AC3E}">
+        <p14:creationId xmlns:p14="http://schemas.microsoft.com/office/powerpoint/2010/main" val="3958864537"/>
+      </p:ext>
+    </p:extLst>
+  </p:cSld>
+  <p:clrMapOvr>
+    <a:masterClrMapping/>
+  </p:clrMapOvr>
+  <p:timing>
+    <p:tnLst>
+      <p:par>
+        <p:cTn id="1" dur="indefinite" restart="never" nodeType="tmRoot"/>
+      </p:par>
+    </p:tnLst>
+  </p:timing>
+</p:sld>
+</file>
+
+<file path=ppt/slides/slide5.xml><?xml version="1.0" encoding="utf-8"?>
+<p:sld xmlns:a="http://schemas.openxmlformats.org/drawingml/2006/main" xmlns:r="http://schemas.openxmlformats.org/officeDocument/2006/relationships" xmlns:p="http://schemas.openxmlformats.org/presentationml/2006/main">
+  <p:cSld>
+    <p:spTree>
+      <p:nvGrpSpPr>
+        <p:cNvPr id="1" name=""/>
+        <p:cNvGrpSpPr/>
+        <p:nvPr/>
+      </p:nvGrpSpPr>
+      <p:grpSpPr>
+        <a:xfrm>
+          <a:off x="0" y="0"/>
+          <a:ext cx="0" cy="0"/>
+          <a:chOff x="0" y="0"/>
+          <a:chExt cx="0" cy="0"/>
+        </a:xfrm>
+      </p:grpSpPr>
+      <p:sp>
+        <p:nvSpPr>
+          <p:cNvPr id="2" name="Titre 1"/>
+          <p:cNvSpPr>
+            <a:spLocks noGrp="1"/>
+          </p:cNvSpPr>
+          <p:nvPr>
+            <p:ph type="title"/>
+          </p:nvPr>
+        </p:nvSpPr>
+        <p:spPr>
+          <a:xfrm>
+            <a:off x="683568" y="2564904"/>
+            <a:ext cx="7620000" cy="1143000"/>
+          </a:xfrm>
+        </p:spPr>
+        <p:txBody>
+          <a:bodyPr/>
+          <a:lstStyle/>
           <a:p>
             <a:r>
               <a:rPr lang="fr-FR" dirty="0" smtClean="0"/>
-              <a:t>Autres CU :</a:t>
-            </a:r>
-          </a:p>
-          <a:p>
-            <a:pPr lvl="1"/>
+              <a:t>Alimentation</a:t>
+            </a:r>
+            <a:endParaRPr lang="fr-FR" dirty="0"/>
+          </a:p>
+        </p:txBody>
+      </p:sp>
+      <p:sp>
+        <p:nvSpPr>
+          <p:cNvPr id="3" name="Espace réservé du contenu 2"/>
+          <p:cNvSpPr>
+            <a:spLocks noGrp="1"/>
+          </p:cNvSpPr>
+          <p:nvPr>
+            <p:ph idx="1"/>
+          </p:nvPr>
+        </p:nvSpPr>
+        <p:spPr/>
+        <p:txBody>
+          <a:bodyPr/>
+          <a:lstStyle/>
+          <a:p>
+            <a:pPr marL="114300" indent="0">
+              <a:buNone/>
+            </a:pPr>
+            <a:endParaRPr lang="fr-FR" dirty="0"/>
+          </a:p>
+        </p:txBody>
+      </p:sp>
+    </p:spTree>
+    <p:extLst>
+      <p:ext uri="{BB962C8B-B14F-4D97-AF65-F5344CB8AC3E}">
+        <p14:creationId xmlns:p14="http://schemas.microsoft.com/office/powerpoint/2010/main" val="524100059"/>
+      </p:ext>
+    </p:extLst>
+  </p:cSld>
+  <p:clrMapOvr>
+    <a:masterClrMapping/>
+  </p:clrMapOvr>
+  <p:timing>
+    <p:tnLst>
+      <p:par>
+        <p:cTn id="1" dur="indefinite" restart="never" nodeType="tmRoot"/>
+      </p:par>
+    </p:tnLst>
+  </p:timing>
+</p:sld>
+</file>
+
+<file path=ppt/slides/slide6.xml><?xml version="1.0" encoding="utf-8"?>
+<p:sld xmlns:a="http://schemas.openxmlformats.org/drawingml/2006/main" xmlns:r="http://schemas.openxmlformats.org/officeDocument/2006/relationships" xmlns:p="http://schemas.openxmlformats.org/presentationml/2006/main">
+  <p:cSld>
+    <p:spTree>
+      <p:nvGrpSpPr>
+        <p:cNvPr id="1" name=""/>
+        <p:cNvGrpSpPr/>
+        <p:nvPr/>
+      </p:nvGrpSpPr>
+      <p:grpSpPr>
+        <a:xfrm>
+          <a:off x="0" y="0"/>
+          <a:ext cx="0" cy="0"/>
+          <a:chOff x="0" y="0"/>
+          <a:chExt cx="0" cy="0"/>
+        </a:xfrm>
+      </p:grpSpPr>
+      <p:sp>
+        <p:nvSpPr>
+          <p:cNvPr id="2" name="Titre 1"/>
+          <p:cNvSpPr>
+            <a:spLocks noGrp="1"/>
+          </p:cNvSpPr>
+          <p:nvPr>
+            <p:ph type="title"/>
+          </p:nvPr>
+        </p:nvSpPr>
+        <p:spPr/>
+        <p:txBody>
+          <a:bodyPr/>
+          <a:lstStyle/>
+          <a:p>
+            <a:r>
+              <a:rPr lang="fr-FR" dirty="0" smtClean="0"/>
+              <a:t>Analyse des erreurs</a:t>
+            </a:r>
+            <a:endParaRPr lang="fr-FR" dirty="0"/>
+          </a:p>
+        </p:txBody>
+      </p:sp>
+      <p:sp>
+        <p:nvSpPr>
+          <p:cNvPr id="3" name="Espace réservé du contenu 2"/>
+          <p:cNvSpPr>
+            <a:spLocks noGrp="1"/>
+          </p:cNvSpPr>
+          <p:nvPr>
+            <p:ph idx="1"/>
+          </p:nvPr>
+        </p:nvSpPr>
+        <p:spPr/>
+        <p:txBody>
+          <a:bodyPr/>
+          <a:lstStyle/>
+          <a:p>
             <a:r>
               <a:rPr lang="fr-FR" dirty="0" smtClean="0"/>
               <a:t>Initialisation</a:t>
@@ -3333,10 +5701,35 @@
           <a:p>
             <a:pPr lvl="1"/>
             <a:r>
-              <a:rPr lang="fr-FR" smtClean="0"/>
-              <a:t>Alimentation exceptionnelle.</a:t>
-            </a:r>
-            <a:endParaRPr lang="fr-FR" dirty="0" smtClean="0"/>
+              <a:rPr lang="fr-FR" dirty="0" smtClean="0"/>
+              <a:t>Données statistiques des villes incorrectes</a:t>
+            </a:r>
+          </a:p>
+          <a:p>
+            <a:pPr lvl="1"/>
+            <a:r>
+              <a:rPr lang="fr-FR" dirty="0" smtClean="0"/>
+              <a:t>Solution </a:t>
+            </a:r>
+            <a:r>
+              <a:rPr lang="fr-FR" dirty="0" smtClean="0">
+                <a:sym typeface="Wingdings" pitchFamily="2" charset="2"/>
+              </a:rPr>
+              <a:t> script récupérant ces données depuis un site internet.</a:t>
+            </a:r>
+          </a:p>
+          <a:p>
+            <a:r>
+              <a:rPr lang="fr-FR" dirty="0" smtClean="0"/>
+              <a:t>Chiffres</a:t>
+            </a:r>
+          </a:p>
+          <a:p>
+            <a:pPr lvl="1"/>
+            <a:r>
+              <a:rPr lang="fr-FR" dirty="0" smtClean="0"/>
+              <a:t>Redondance d’informations, absence d’objectif ou de réalisé (0), valeurs extrêmes.</a:t>
+            </a:r>
           </a:p>
         </p:txBody>
       </p:sp>
@@ -3345,10 +5738,526 @@
   <p:clrMapOvr>
     <a:masterClrMapping/>
   </p:clrMapOvr>
+  <p:timing>
+    <p:tnLst>
+      <p:par>
+        <p:cTn id="1" dur="indefinite" restart="never" nodeType="tmRoot"/>
+      </p:par>
+    </p:tnLst>
+  </p:timing>
+</p:sld>
+</file>
+
+<file path=ppt/slides/slide7.xml><?xml version="1.0" encoding="utf-8"?>
+<p:sld xmlns:a="http://schemas.openxmlformats.org/drawingml/2006/main" xmlns:r="http://schemas.openxmlformats.org/officeDocument/2006/relationships" xmlns:p="http://schemas.openxmlformats.org/presentationml/2006/main">
+  <p:cSld>
+    <p:spTree>
+      <p:nvGrpSpPr>
+        <p:cNvPr id="1" name=""/>
+        <p:cNvGrpSpPr/>
+        <p:nvPr/>
+      </p:nvGrpSpPr>
+      <p:grpSpPr>
+        <a:xfrm>
+          <a:off x="0" y="0"/>
+          <a:ext cx="0" cy="0"/>
+          <a:chOff x="0" y="0"/>
+          <a:chExt cx="0" cy="0"/>
+        </a:xfrm>
+      </p:grpSpPr>
+      <p:sp>
+        <p:nvSpPr>
+          <p:cNvPr id="2" name="Titre 1"/>
+          <p:cNvSpPr>
+            <a:spLocks noGrp="1"/>
+          </p:cNvSpPr>
+          <p:nvPr>
+            <p:ph type="title"/>
+          </p:nvPr>
+        </p:nvSpPr>
+        <p:spPr/>
+        <p:txBody>
+          <a:bodyPr/>
+          <a:lstStyle/>
+          <a:p>
+            <a:r>
+              <a:rPr lang="fr-FR" dirty="0" smtClean="0"/>
+              <a:t>Matrice données sources-cibles</a:t>
+            </a:r>
+            <a:endParaRPr lang="fr-FR" dirty="0"/>
+          </a:p>
+        </p:txBody>
+      </p:sp>
+      <p:sp>
+        <p:nvSpPr>
+          <p:cNvPr id="3" name="Espace réservé du contenu 2"/>
+          <p:cNvSpPr>
+            <a:spLocks noGrp="1"/>
+          </p:cNvSpPr>
+          <p:nvPr>
+            <p:ph idx="1"/>
+          </p:nvPr>
+        </p:nvSpPr>
+        <p:spPr/>
+        <p:txBody>
+          <a:bodyPr>
+            <a:normAutofit/>
+          </a:bodyPr>
+          <a:lstStyle/>
+          <a:p>
+            <a:r>
+              <a:rPr lang="fr-FR" dirty="0" smtClean="0"/>
+              <a:t>Analyse des données en entrée pour spécifier les traitements à effectuer pour les insérer dans la BDD.</a:t>
+            </a:r>
+          </a:p>
+          <a:p>
+            <a:r>
+              <a:rPr lang="fr-FR" dirty="0" smtClean="0"/>
+              <a:t>Permet :</a:t>
+            </a:r>
+          </a:p>
+          <a:p>
+            <a:pPr lvl="1"/>
+            <a:r>
+              <a:rPr lang="fr-FR" dirty="0" smtClean="0"/>
+              <a:t>Modification et uniformisation du fichier Excel</a:t>
+            </a:r>
+          </a:p>
+          <a:p>
+            <a:pPr lvl="1"/>
+            <a:r>
+              <a:rPr lang="fr-FR" dirty="0" smtClean="0"/>
+              <a:t>Enrichissement des futurs cas d’utilisation.</a:t>
+            </a:r>
+          </a:p>
+        </p:txBody>
+      </p:sp>
+    </p:spTree>
+  </p:cSld>
+  <p:clrMapOvr>
+    <a:masterClrMapping/>
+  </p:clrMapOvr>
+  <p:timing>
+    <p:tnLst>
+      <p:par>
+        <p:cTn id="1" dur="indefinite" restart="never" nodeType="tmRoot"/>
+      </p:par>
+    </p:tnLst>
+  </p:timing>
+</p:sld>
+</file>
+
+<file path=ppt/slides/slide8.xml><?xml version="1.0" encoding="utf-8"?>
+<p:sld xmlns:a="http://schemas.openxmlformats.org/drawingml/2006/main" xmlns:r="http://schemas.openxmlformats.org/officeDocument/2006/relationships" xmlns:p="http://schemas.openxmlformats.org/presentationml/2006/main">
+  <p:cSld>
+    <p:spTree>
+      <p:nvGrpSpPr>
+        <p:cNvPr id="1" name=""/>
+        <p:cNvGrpSpPr/>
+        <p:nvPr/>
+      </p:nvGrpSpPr>
+      <p:grpSpPr>
+        <a:xfrm>
+          <a:off x="0" y="0"/>
+          <a:ext cx="0" cy="0"/>
+          <a:chOff x="0" y="0"/>
+          <a:chExt cx="0" cy="0"/>
+        </a:xfrm>
+      </p:grpSpPr>
+      <p:sp>
+        <p:nvSpPr>
+          <p:cNvPr id="2" name="Titre 1"/>
+          <p:cNvSpPr>
+            <a:spLocks noGrp="1"/>
+          </p:cNvSpPr>
+          <p:nvPr>
+            <p:ph type="title"/>
+          </p:nvPr>
+        </p:nvSpPr>
+        <p:spPr/>
+        <p:txBody>
+          <a:bodyPr/>
+          <a:lstStyle/>
+          <a:p>
+            <a:r>
+              <a:rPr lang="fr-FR" dirty="0" smtClean="0"/>
+              <a:t>Cas d’utilisation</a:t>
+            </a:r>
+            <a:endParaRPr lang="fr-FR" dirty="0"/>
+          </a:p>
+        </p:txBody>
+      </p:sp>
+      <p:sp>
+        <p:nvSpPr>
+          <p:cNvPr id="3" name="Espace réservé du contenu 2"/>
+          <p:cNvSpPr>
+            <a:spLocks noGrp="1"/>
+          </p:cNvSpPr>
+          <p:nvPr>
+            <p:ph idx="1"/>
+          </p:nvPr>
+        </p:nvSpPr>
+        <p:spPr/>
+        <p:txBody>
+          <a:bodyPr/>
+          <a:lstStyle/>
+          <a:p>
+            <a:r>
+              <a:rPr lang="fr-FR" dirty="0" smtClean="0"/>
+              <a:t>En fonction du choix de l’équipe ETL (fichier Excel réorganisé) :</a:t>
+            </a:r>
+          </a:p>
+          <a:p>
+            <a:pPr lvl="1"/>
+            <a:r>
+              <a:rPr lang="fr-FR" dirty="0" smtClean="0"/>
+              <a:t>Annuellement par famille produit</a:t>
+            </a:r>
+          </a:p>
+          <a:p>
+            <a:pPr lvl="1"/>
+            <a:r>
+              <a:rPr lang="fr-FR" dirty="0" smtClean="0"/>
+              <a:t>Mensuellement par famille produit.</a:t>
+            </a:r>
+          </a:p>
+          <a:p>
+            <a:r>
+              <a:rPr lang="fr-FR" dirty="0" smtClean="0"/>
+              <a:t>Autres CU :</a:t>
+            </a:r>
+          </a:p>
+          <a:p>
+            <a:pPr lvl="1"/>
+            <a:r>
+              <a:rPr lang="fr-FR" dirty="0" smtClean="0"/>
+              <a:t>Initialisation</a:t>
+            </a:r>
+          </a:p>
+          <a:p>
+            <a:pPr lvl="1"/>
+            <a:r>
+              <a:rPr lang="fr-FR" smtClean="0"/>
+              <a:t>Alimentation exceptionnelle.</a:t>
+            </a:r>
+            <a:endParaRPr lang="fr-FR" dirty="0" smtClean="0"/>
+          </a:p>
+        </p:txBody>
+      </p:sp>
+    </p:spTree>
+  </p:cSld>
+  <p:clrMapOvr>
+    <a:masterClrMapping/>
+  </p:clrMapOvr>
+  <p:timing>
+    <p:tnLst>
+      <p:par>
+        <p:cTn id="1" dur="indefinite" restart="never" nodeType="tmRoot"/>
+      </p:par>
+    </p:tnLst>
+  </p:timing>
+</p:sld>
+</file>
+
+<file path=ppt/slides/slide9.xml><?xml version="1.0" encoding="utf-8"?>
+<p:sld xmlns:a="http://schemas.openxmlformats.org/drawingml/2006/main" xmlns:r="http://schemas.openxmlformats.org/officeDocument/2006/relationships" xmlns:p="http://schemas.openxmlformats.org/presentationml/2006/main">
+  <p:cSld>
+    <p:spTree>
+      <p:nvGrpSpPr>
+        <p:cNvPr id="1" name=""/>
+        <p:cNvGrpSpPr/>
+        <p:nvPr/>
+      </p:nvGrpSpPr>
+      <p:grpSpPr>
+        <a:xfrm>
+          <a:off x="0" y="0"/>
+          <a:ext cx="0" cy="0"/>
+          <a:chOff x="0" y="0"/>
+          <a:chExt cx="0" cy="0"/>
+        </a:xfrm>
+      </p:grpSpPr>
+      <p:sp>
+        <p:nvSpPr>
+          <p:cNvPr id="2" name="Titre 1"/>
+          <p:cNvSpPr>
+            <a:spLocks noGrp="1"/>
+          </p:cNvSpPr>
+          <p:nvPr>
+            <p:ph type="title"/>
+          </p:nvPr>
+        </p:nvSpPr>
+        <p:spPr>
+          <a:xfrm>
+            <a:off x="683568" y="2564904"/>
+            <a:ext cx="7620000" cy="1143000"/>
+          </a:xfrm>
+        </p:spPr>
+        <p:txBody>
+          <a:bodyPr/>
+          <a:lstStyle/>
+          <a:p>
+            <a:r>
+              <a:rPr lang="fr-FR" dirty="0" smtClean="0"/>
+              <a:t>ETL</a:t>
+            </a:r>
+            <a:endParaRPr lang="fr-FR" dirty="0"/>
+          </a:p>
+        </p:txBody>
+      </p:sp>
+    </p:spTree>
+    <p:extLst>
+      <p:ext uri="{BB962C8B-B14F-4D97-AF65-F5344CB8AC3E}">
+        <p14:creationId xmlns:p14="http://schemas.microsoft.com/office/powerpoint/2010/main" val="2567362781"/>
+      </p:ext>
+    </p:extLst>
+  </p:cSld>
+  <p:clrMapOvr>
+    <a:masterClrMapping/>
+  </p:clrMapOvr>
+  <p:timing>
+    <p:tnLst>
+      <p:par>
+        <p:cTn id="1" dur="indefinite" restart="never" nodeType="tmRoot"/>
+      </p:par>
+    </p:tnLst>
+  </p:timing>
 </p:sld>
 </file>
 
 <file path=ppt/theme/theme1.xml><?xml version="1.0" encoding="utf-8"?>
+<a:theme xmlns:a="http://schemas.openxmlformats.org/drawingml/2006/main" name="Contiguïté">
+  <a:themeElements>
+    <a:clrScheme name="Contiguïté">
+      <a:dk1>
+        <a:srgbClr val="2F2B20"/>
+      </a:dk1>
+      <a:lt1>
+        <a:srgbClr val="FFFFFF"/>
+      </a:lt1>
+      <a:dk2>
+        <a:srgbClr val="675E47"/>
+      </a:dk2>
+      <a:lt2>
+        <a:srgbClr val="DFDCB7"/>
+      </a:lt2>
+      <a:accent1>
+        <a:srgbClr val="A9A57C"/>
+      </a:accent1>
+      <a:accent2>
+        <a:srgbClr val="9CBEBD"/>
+      </a:accent2>
+      <a:accent3>
+        <a:srgbClr val="D2CB6C"/>
+      </a:accent3>
+      <a:accent4>
+        <a:srgbClr val="95A39D"/>
+      </a:accent4>
+      <a:accent5>
+        <a:srgbClr val="C89F5D"/>
+      </a:accent5>
+      <a:accent6>
+        <a:srgbClr val="B1A089"/>
+      </a:accent6>
+      <a:hlink>
+        <a:srgbClr val="D25814"/>
+      </a:hlink>
+      <a:folHlink>
+        <a:srgbClr val="849A0A"/>
+      </a:folHlink>
+    </a:clrScheme>
+    <a:fontScheme name="Office">
+      <a:majorFont>
+        <a:latin typeface="Cambria"/>
+        <a:ea typeface=""/>
+        <a:cs typeface=""/>
+        <a:font script="Jpan" typeface="ＭＳ ゴシック"/>
+        <a:font script="Hang" typeface="맑은 고딕"/>
+        <a:font script="Hans" typeface="宋体"/>
+        <a:font script="Hant" typeface="新細明體"/>
+        <a:font script="Arab" typeface="Times New Roman"/>
+        <a:font script="Hebr" typeface="Times New Roman"/>
+        <a:font script="Thai" typeface="Angsana New"/>
+        <a:font script="Ethi" typeface="Nyala"/>
+        <a:font script="Beng" typeface="Vrinda"/>
+        <a:font script="Gujr" typeface="Shruti"/>
+        <a:font script="Khmr" typeface="MoolBoran"/>
+        <a:font script="Knda" typeface="Tunga"/>
+        <a:font script="Guru" typeface="Raavi"/>
+        <a:font script="Cans" typeface="Euphemia"/>
+        <a:font script="Cher" typeface="Plantagenet Cherokee"/>
+        <a:font script="Yiii" typeface="Microsoft Yi Baiti"/>
+        <a:font script="Tibt" typeface="Microsoft Himalaya"/>
+        <a:font script="Thaa" typeface="MV Boli"/>
+        <a:font script="Deva" typeface="Mangal"/>
+        <a:font script="Telu" typeface="Gautami"/>
+        <a:font script="Taml" typeface="Latha"/>
+        <a:font script="Syrc" typeface="Estrangelo Edessa"/>
+        <a:font script="Orya" typeface="Kalinga"/>
+        <a:font script="Mlym" typeface="Kartika"/>
+        <a:font script="Laoo" typeface="DokChampa"/>
+        <a:font script="Sinh" typeface="Iskoola Pota"/>
+        <a:font script="Mong" typeface="Mongolian Baiti"/>
+        <a:font script="Viet" typeface="Times New Roman"/>
+        <a:font script="Uigh" typeface="Microsoft Uighur"/>
+        <a:font script="Geor" typeface="Sylfaen"/>
+      </a:majorFont>
+      <a:minorFont>
+        <a:latin typeface="Calibri"/>
+        <a:ea typeface=""/>
+        <a:cs typeface=""/>
+        <a:font script="Jpan" typeface="ＭＳ 明朝"/>
+        <a:font script="Hang" typeface="맑은 고딕"/>
+        <a:font script="Hans" typeface="宋体"/>
+        <a:font script="Hant" typeface="新細明體"/>
+        <a:font script="Arab" typeface="Arial"/>
+        <a:font script="Hebr" typeface="Arial"/>
+        <a:font script="Thai" typeface="Cordia New"/>
+        <a:font script="Ethi" typeface="Nyala"/>
+        <a:font script="Beng" typeface="Vrinda"/>
+        <a:font script="Gujr" typeface="Shruti"/>
+        <a:font script="Khmr" typeface="DaunPenh"/>
+        <a:font script="Knda" typeface="Tunga"/>
+        <a:font script="Guru" typeface="Raavi"/>
+        <a:font script="Cans" typeface="Euphemia"/>
+        <a:font script="Cher" typeface="Plantagenet Cherokee"/>
+        <a:font script="Yiii" typeface="Microsoft Yi Baiti"/>
+        <a:font script="Tibt" typeface="Microsoft Himalaya"/>
+        <a:font script="Thaa" typeface="MV Boli"/>
+        <a:font script="Deva" typeface="Mangal"/>
+        <a:font script="Telu" typeface="Gautami"/>
+        <a:font script="Taml" typeface="Latha"/>
+        <a:font script="Syrc" typeface="Estrangelo Edessa"/>
+        <a:font script="Orya" typeface="Kalinga"/>
+        <a:font script="Mlym" typeface="Kartika"/>
+        <a:font script="Laoo" typeface="DokChampa"/>
+        <a:font script="Sinh" typeface="Iskoola Pota"/>
+        <a:font script="Mong" typeface="Mongolian Baiti"/>
+        <a:font script="Viet" typeface="Arial"/>
+        <a:font script="Uigh" typeface="Microsoft Uighur"/>
+        <a:font script="Geor" typeface="Sylfaen"/>
+      </a:minorFont>
+    </a:fontScheme>
+    <a:fmtScheme name="Contiguïté">
+      <a:fillStyleLst>
+        <a:solidFill>
+          <a:schemeClr val="phClr"/>
+        </a:solidFill>
+        <a:solidFill>
+          <a:schemeClr val="phClr">
+            <a:tint val="55000"/>
+          </a:schemeClr>
+        </a:solidFill>
+        <a:solidFill>
+          <a:schemeClr val="phClr"/>
+        </a:solidFill>
+      </a:fillStyleLst>
+      <a:lnStyleLst>
+        <a:ln w="12700" cap="flat" cmpd="sng" algn="ctr">
+          <a:solidFill>
+            <a:schemeClr val="phClr">
+              <a:shade val="95000"/>
+              <a:satMod val="105000"/>
+            </a:schemeClr>
+          </a:solidFill>
+          <a:prstDash val="solid"/>
+        </a:ln>
+        <a:ln w="25400" cap="flat" cmpd="sng" algn="ctr">
+          <a:solidFill>
+            <a:schemeClr val="phClr"/>
+          </a:solidFill>
+          <a:prstDash val="solid"/>
+        </a:ln>
+        <a:ln w="38100" cap="flat" cmpd="sng" algn="ctr">
+          <a:solidFill>
+            <a:schemeClr val="phClr"/>
+          </a:solidFill>
+          <a:prstDash val="solid"/>
+        </a:ln>
+      </a:lnStyleLst>
+      <a:effectStyleLst>
+        <a:effectStyle>
+          <a:effectLst/>
+        </a:effectStyle>
+        <a:effectStyle>
+          <a:effectLst>
+            <a:outerShdw blurRad="50800" dist="25400" algn="bl" rotWithShape="0">
+              <a:srgbClr val="000000">
+                <a:alpha val="60000"/>
+              </a:srgbClr>
+            </a:outerShdw>
+          </a:effectLst>
+        </a:effectStyle>
+        <a:effectStyle>
+          <a:effectLst/>
+          <a:scene3d>
+            <a:camera prst="orthographicFront">
+              <a:rot lat="0" lon="0" rev="0"/>
+            </a:camera>
+            <a:lightRig rig="brightRoom" dir="tl">
+              <a:rot lat="0" lon="0" rev="1800000"/>
+            </a:lightRig>
+          </a:scene3d>
+          <a:sp3d contourW="10160" prstMaterial="dkEdge">
+            <a:bevelT w="38100" h="50800" prst="angle"/>
+            <a:contourClr>
+              <a:schemeClr val="phClr">
+                <a:shade val="40000"/>
+                <a:satMod val="150000"/>
+              </a:schemeClr>
+            </a:contourClr>
+          </a:sp3d>
+        </a:effectStyle>
+      </a:effectStyleLst>
+      <a:bgFillStyleLst>
+        <a:solidFill>
+          <a:schemeClr val="phClr"/>
+        </a:solidFill>
+        <a:gradFill rotWithShape="1">
+          <a:gsLst>
+            <a:gs pos="0">
+              <a:schemeClr val="phClr">
+                <a:tint val="90000"/>
+              </a:schemeClr>
+            </a:gs>
+            <a:gs pos="75000">
+              <a:schemeClr val="phClr">
+                <a:shade val="100000"/>
+                <a:satMod val="115000"/>
+              </a:schemeClr>
+            </a:gs>
+            <a:gs pos="100000">
+              <a:schemeClr val="phClr">
+                <a:shade val="70000"/>
+                <a:satMod val="130000"/>
+              </a:schemeClr>
+            </a:gs>
+          </a:gsLst>
+          <a:path path="circle">
+            <a:fillToRect l="20000" t="50000" r="100000" b="50000"/>
+          </a:path>
+        </a:gradFill>
+        <a:blipFill rotWithShape="1">
+          <a:blip xmlns:r="http://schemas.openxmlformats.org/officeDocument/2006/relationships" r:embed="rId1">
+            <a:duotone>
+              <a:schemeClr val="phClr">
+                <a:tint val="97000"/>
+              </a:schemeClr>
+              <a:schemeClr val="phClr">
+                <a:shade val="96000"/>
+              </a:schemeClr>
+            </a:duotone>
+          </a:blip>
+          <a:tile tx="0" ty="0" sx="32000" sy="32000" flip="none" algn="tl"/>
+        </a:blipFill>
+      </a:bgFillStyleLst>
+    </a:fmtScheme>
+  </a:themeElements>
+  <a:objectDefaults/>
+  <a:extraClrSchemeLst/>
+</a:theme>
+</file>
+
+<file path=ppt/theme/theme2.xml><?xml version="1.0" encoding="utf-8"?>
 <a:theme xmlns:a="http://schemas.openxmlformats.org/drawingml/2006/main" name="Thème Office">
   <a:themeElements>
     <a:clrScheme name="Office">
@@ -3423,6 +6332,7 @@
         <a:font script="Mong" typeface="Mongolian Baiti"/>
         <a:font script="Viet" typeface="Times New Roman"/>
         <a:font script="Uigh" typeface="Microsoft Uighur"/>
+        <a:font script="Geor" typeface="Sylfaen"/>
       </a:majorFont>
       <a:minorFont>
         <a:latin typeface="Calibri"/>
@@ -3457,6 +6367,7 @@
         <a:font script="Mong" typeface="Mongolian Baiti"/>
         <a:font script="Viet" typeface="Arial"/>
         <a:font script="Uigh" typeface="Microsoft Uighur"/>
+        <a:font script="Geor" typeface="Sylfaen"/>
       </a:minorFont>
     </a:fontScheme>
     <a:fmtScheme name="Office">

--- a/trunk/PROJET/Presentation/PRE_15-12-10_V1.pptx
+++ b/trunk/PROJET/Presentation/PRE_15-12-10_V1.pptx
@@ -5,7 +5,7 @@
     <p:sldMasterId id="2147483708" r:id="rId1"/>
   </p:sldMasterIdLst>
   <p:notesMasterIdLst>
-    <p:notesMasterId r:id="rId14"/>
+    <p:notesMasterId r:id="rId17"/>
   </p:notesMasterIdLst>
   <p:sldIdLst>
     <p:sldId id="259" r:id="rId2"/>
@@ -19,7 +19,10 @@
     <p:sldId id="264" r:id="rId10"/>
     <p:sldId id="265" r:id="rId11"/>
     <p:sldId id="266" r:id="rId12"/>
-    <p:sldId id="267" r:id="rId13"/>
+    <p:sldId id="269" r:id="rId13"/>
+    <p:sldId id="267" r:id="rId14"/>
+    <p:sldId id="270" r:id="rId15"/>
+    <p:sldId id="268" r:id="rId16"/>
   </p:sldIdLst>
   <p:sldSz cx="9144000" cy="6858000" type="screen4x3"/>
   <p:notesSz cx="6858000" cy="9144000"/>
@@ -392,12 +395,12 @@
         </c:dLbls>
         <c:gapWidth val="150"/>
         <c:shape val="box"/>
-        <c:axId val="80980992"/>
-        <c:axId val="82760832"/>
+        <c:axId val="5820800"/>
+        <c:axId val="5822336"/>
         <c:axId val="0"/>
       </c:bar3DChart>
       <c:catAx>
-        <c:axId val="80980992"/>
+        <c:axId val="5820800"/>
         <c:scaling>
           <c:orientation val="minMax"/>
         </c:scaling>
@@ -406,7 +409,7 @@
         <c:majorTickMark val="none"/>
         <c:minorTickMark val="none"/>
         <c:tickLblPos val="nextTo"/>
-        <c:crossAx val="82760832"/>
+        <c:crossAx val="5822336"/>
         <c:crosses val="autoZero"/>
         <c:auto val="1"/>
         <c:lblAlgn val="ctr"/>
@@ -414,7 +417,7 @@
         <c:noMultiLvlLbl val="0"/>
       </c:catAx>
       <c:valAx>
-        <c:axId val="82760832"/>
+        <c:axId val="5822336"/>
         <c:scaling>
           <c:orientation val="minMax"/>
         </c:scaling>
@@ -424,7 +427,7 @@
         <c:majorTickMark val="none"/>
         <c:minorTickMark val="none"/>
         <c:tickLblPos val="nextTo"/>
-        <c:crossAx val="80980992"/>
+        <c:crossAx val="5820800"/>
         <c:crosses val="autoZero"/>
         <c:crossBetween val="between"/>
       </c:valAx>
@@ -1111,7 +1114,7 @@
           <a:p>
             <a:fld id="{E68E5354-11F9-4EDC-B8B8-75D33149D345}" type="slidenum">
               <a:rPr lang="fr-FR" smtClean="0"/>
-              <a:t>12</a:t>
+              <a:t>13</a:t>
             </a:fld>
             <a:endParaRPr lang="fr-FR"/>
           </a:p>
@@ -5008,6 +5011,7 @@
           <a:bodyPr/>
           <a:lstStyle/>
           <a:p>
+            <a:pPr algn="ctr"/>
             <a:r>
               <a:rPr lang="fr-FR" dirty="0" smtClean="0"/>
               <a:t>Restitution</a:t>
@@ -5023,8 +5027,30 @@
               <a:rPr lang="fr-FR" dirty="0"/>
             </a:br>
             <a:r>
+              <a:rPr lang="fr-FR" dirty="0" smtClean="0"/>
+              <a:t/>
+            </a:r>
+            <a:br>
+              <a:rPr lang="fr-FR" dirty="0" smtClean="0"/>
+            </a:br>
+            <a:r>
+              <a:rPr lang="fr-FR" dirty="0" smtClean="0"/>
+              <a:t>Démonstration</a:t>
+            </a:r>
+            <a:r>
+              <a:rPr lang="fr-FR" dirty="0"/>
+              <a:t/>
+            </a:r>
+            <a:br>
+              <a:rPr lang="fr-FR" dirty="0"/>
+            </a:br>
+            <a:r>
+              <a:rPr lang="fr-FR" sz="3200" dirty="0"/>
+              <a:t>Sas				Jasper</a:t>
+            </a:r>
+            <a:r>
               <a:rPr lang="fr-FR" sz="3200" dirty="0" smtClean="0"/>
-              <a:t>Sas</a:t>
+              <a:t/>
             </a:r>
             <a:br>
               <a:rPr lang="fr-FR" sz="3200" dirty="0" smtClean="0"/>
@@ -5036,11 +5062,50 @@
             <a:br>
               <a:rPr lang="fr-FR" sz="3200" dirty="0"/>
             </a:br>
-            <a:r>
-              <a:rPr lang="fr-FR" sz="3200" dirty="0" smtClean="0"/>
-              <a:t>Jasper</a:t>
-            </a:r>
             <a:endParaRPr lang="fr-FR" sz="3200" dirty="0"/>
+          </a:p>
+        </p:txBody>
+      </p:sp>
+      <p:sp>
+        <p:nvSpPr>
+          <p:cNvPr id="3" name="ZoneTexte 2"/>
+          <p:cNvSpPr txBox="1"/>
+          <p:nvPr/>
+        </p:nvSpPr>
+        <p:spPr>
+          <a:xfrm>
+            <a:off x="877394" y="4941168"/>
+            <a:ext cx="6840760" cy="369332"/>
+          </a:xfrm>
+          <a:prstGeom prst="rect">
+            <a:avLst/>
+          </a:prstGeom>
+        </p:spPr>
+        <p:style>
+          <a:lnRef idx="1">
+            <a:schemeClr val="accent2"/>
+          </a:lnRef>
+          <a:fillRef idx="3">
+            <a:schemeClr val="accent2"/>
+          </a:fillRef>
+          <a:effectRef idx="2">
+            <a:schemeClr val="accent2"/>
+          </a:effectRef>
+          <a:fontRef idx="minor">
+            <a:schemeClr val="lt1"/>
+          </a:fontRef>
+        </p:style>
+        <p:txBody>
+          <a:bodyPr wrap="square" rtlCol="0">
+            <a:spAutoFit/>
+          </a:bodyPr>
+          <a:lstStyle/>
+          <a:p>
+            <a:r>
+              <a:rPr lang="fr-FR" dirty="0" smtClean="0"/>
+              <a:t>Objectif : Réalisation de tableaux / carte correspondant au SFD</a:t>
+            </a:r>
+            <a:endParaRPr lang="fr-FR" dirty="0"/>
           </a:p>
         </p:txBody>
       </p:sp>
@@ -5101,9 +5166,53 @@
           <a:bodyPr/>
           <a:lstStyle/>
           <a:p>
+            <a:pPr algn="ctr"/>
             <a:r>
               <a:rPr lang="fr-FR" dirty="0" smtClean="0"/>
               <a:t>Recettes</a:t>
+            </a:r>
+            <a:endParaRPr lang="fr-FR" dirty="0"/>
+          </a:p>
+        </p:txBody>
+      </p:sp>
+      <p:sp>
+        <p:nvSpPr>
+          <p:cNvPr id="3" name="ZoneTexte 2"/>
+          <p:cNvSpPr txBox="1"/>
+          <p:nvPr/>
+        </p:nvSpPr>
+        <p:spPr>
+          <a:xfrm>
+            <a:off x="1187624" y="4554638"/>
+            <a:ext cx="6840760" cy="646331"/>
+          </a:xfrm>
+          <a:prstGeom prst="rect">
+            <a:avLst/>
+          </a:prstGeom>
+        </p:spPr>
+        <p:style>
+          <a:lnRef idx="1">
+            <a:schemeClr val="accent2"/>
+          </a:lnRef>
+          <a:fillRef idx="3">
+            <a:schemeClr val="accent2"/>
+          </a:fillRef>
+          <a:effectRef idx="2">
+            <a:schemeClr val="accent2"/>
+          </a:effectRef>
+          <a:fontRef idx="minor">
+            <a:schemeClr val="lt1"/>
+          </a:fontRef>
+        </p:style>
+        <p:txBody>
+          <a:bodyPr wrap="square" rtlCol="0">
+            <a:spAutoFit/>
+          </a:bodyPr>
+          <a:lstStyle/>
+          <a:p>
+            <a:r>
+              <a:rPr lang="fr-FR" dirty="0" smtClean="0"/>
+              <a:t>Objectif : Définition et conceptions des recettes à réaliser en fin de projet</a:t>
             </a:r>
             <a:endParaRPr lang="fr-FR" dirty="0"/>
           </a:p>
@@ -5156,6 +5265,101 @@
             <p:ph type="title"/>
           </p:nvPr>
         </p:nvSpPr>
+        <p:spPr/>
+        <p:txBody>
+          <a:bodyPr/>
+          <a:lstStyle/>
+          <a:p>
+            <a:r>
+              <a:rPr lang="fr-FR" dirty="0" smtClean="0"/>
+              <a:t>Recettes</a:t>
+            </a:r>
+            <a:endParaRPr lang="fr-FR" dirty="0"/>
+          </a:p>
+        </p:txBody>
+      </p:sp>
+      <p:sp>
+        <p:nvSpPr>
+          <p:cNvPr id="3" name="Espace réservé du contenu 2"/>
+          <p:cNvSpPr>
+            <a:spLocks noGrp="1"/>
+          </p:cNvSpPr>
+          <p:nvPr>
+            <p:ph idx="1"/>
+          </p:nvPr>
+        </p:nvSpPr>
+        <p:spPr/>
+        <p:txBody>
+          <a:bodyPr/>
+          <a:lstStyle/>
+          <a:p>
+            <a:r>
+              <a:rPr lang="fr-FR" dirty="0" smtClean="0"/>
+              <a:t>Liste des scénarios à faire</a:t>
+            </a:r>
+          </a:p>
+          <a:p>
+            <a:endParaRPr lang="fr-FR" dirty="0"/>
+          </a:p>
+          <a:p>
+            <a:endParaRPr lang="fr-FR" dirty="0" smtClean="0"/>
+          </a:p>
+          <a:p>
+            <a:r>
+              <a:rPr lang="fr-FR" dirty="0" smtClean="0"/>
+              <a:t>Réalisation de différents scénarios</a:t>
+            </a:r>
+            <a:endParaRPr lang="fr-FR" dirty="0"/>
+          </a:p>
+        </p:txBody>
+      </p:sp>
+    </p:spTree>
+    <p:extLst>
+      <p:ext uri="{BB962C8B-B14F-4D97-AF65-F5344CB8AC3E}">
+        <p14:creationId xmlns:p14="http://schemas.microsoft.com/office/powerpoint/2010/main" val="4017583197"/>
+      </p:ext>
+    </p:extLst>
+  </p:cSld>
+  <p:clrMapOvr>
+    <a:masterClrMapping/>
+  </p:clrMapOvr>
+  <p:timing>
+    <p:tnLst>
+      <p:par>
+        <p:cTn id="1" dur="indefinite" restart="never" nodeType="tmRoot"/>
+      </p:par>
+    </p:tnLst>
+  </p:timing>
+</p:sld>
+</file>
+
+<file path=ppt/slides/slide13.xml><?xml version="1.0" encoding="utf-8"?>
+<p:sld xmlns:a="http://schemas.openxmlformats.org/drawingml/2006/main" xmlns:r="http://schemas.openxmlformats.org/officeDocument/2006/relationships" xmlns:p="http://schemas.openxmlformats.org/presentationml/2006/main">
+  <p:cSld>
+    <p:spTree>
+      <p:nvGrpSpPr>
+        <p:cNvPr id="1" name=""/>
+        <p:cNvGrpSpPr/>
+        <p:nvPr/>
+      </p:nvGrpSpPr>
+      <p:grpSpPr>
+        <a:xfrm>
+          <a:off x="0" y="0"/>
+          <a:ext cx="0" cy="0"/>
+          <a:chOff x="0" y="0"/>
+          <a:chExt cx="0" cy="0"/>
+        </a:xfrm>
+      </p:grpSpPr>
+      <p:sp>
+        <p:nvSpPr>
+          <p:cNvPr id="2" name="Titre 1"/>
+          <p:cNvSpPr>
+            <a:spLocks noGrp="1"/>
+          </p:cNvSpPr>
+          <p:nvPr>
+            <p:ph type="title"/>
+          </p:nvPr>
+        </p:nvSpPr>
         <p:spPr>
           <a:xfrm>
             <a:off x="683568" y="2564904"/>
@@ -5166,9 +5370,53 @@
           <a:bodyPr/>
           <a:lstStyle/>
           <a:p>
+            <a:pPr algn="ctr"/>
             <a:r>
               <a:rPr lang="fr-FR" dirty="0" smtClean="0"/>
               <a:t>Architecture</a:t>
+            </a:r>
+            <a:endParaRPr lang="fr-FR" dirty="0"/>
+          </a:p>
+        </p:txBody>
+      </p:sp>
+      <p:sp>
+        <p:nvSpPr>
+          <p:cNvPr id="3" name="ZoneTexte 2"/>
+          <p:cNvSpPr txBox="1"/>
+          <p:nvPr/>
+        </p:nvSpPr>
+        <p:spPr>
+          <a:xfrm>
+            <a:off x="877394" y="4941168"/>
+            <a:ext cx="6840760" cy="369332"/>
+          </a:xfrm>
+          <a:prstGeom prst="rect">
+            <a:avLst/>
+          </a:prstGeom>
+        </p:spPr>
+        <p:style>
+          <a:lnRef idx="1">
+            <a:schemeClr val="accent2"/>
+          </a:lnRef>
+          <a:fillRef idx="3">
+            <a:schemeClr val="accent2"/>
+          </a:fillRef>
+          <a:effectRef idx="2">
+            <a:schemeClr val="accent2"/>
+          </a:effectRef>
+          <a:fontRef idx="minor">
+            <a:schemeClr val="lt1"/>
+          </a:fontRef>
+        </p:style>
+        <p:txBody>
+          <a:bodyPr wrap="square" rtlCol="0">
+            <a:spAutoFit/>
+          </a:bodyPr>
+          <a:lstStyle/>
+          <a:p>
+            <a:r>
+              <a:rPr lang="fr-FR" dirty="0" smtClean="0"/>
+              <a:t>Objectif : Développement de l’application</a:t>
             </a:r>
             <a:endParaRPr lang="fr-FR" dirty="0"/>
           </a:p>
@@ -5178,6 +5426,281 @@
     <p:extLst>
       <p:ext uri="{BB962C8B-B14F-4D97-AF65-F5344CB8AC3E}">
         <p14:creationId xmlns:p14="http://schemas.microsoft.com/office/powerpoint/2010/main" val="2279178242"/>
+      </p:ext>
+    </p:extLst>
+  </p:cSld>
+  <p:clrMapOvr>
+    <a:masterClrMapping/>
+  </p:clrMapOvr>
+  <p:timing>
+    <p:tnLst>
+      <p:par>
+        <p:cTn id="1" dur="indefinite" restart="never" nodeType="tmRoot"/>
+      </p:par>
+    </p:tnLst>
+  </p:timing>
+</p:sld>
+</file>
+
+<file path=ppt/slides/slide14.xml><?xml version="1.0" encoding="utf-8"?>
+<p:sld xmlns:a="http://schemas.openxmlformats.org/drawingml/2006/main" xmlns:r="http://schemas.openxmlformats.org/officeDocument/2006/relationships" xmlns:p="http://schemas.openxmlformats.org/presentationml/2006/main">
+  <p:cSld>
+    <p:spTree>
+      <p:nvGrpSpPr>
+        <p:cNvPr id="1" name=""/>
+        <p:cNvGrpSpPr/>
+        <p:nvPr/>
+      </p:nvGrpSpPr>
+      <p:grpSpPr>
+        <a:xfrm>
+          <a:off x="0" y="0"/>
+          <a:ext cx="0" cy="0"/>
+          <a:chOff x="0" y="0"/>
+          <a:chExt cx="0" cy="0"/>
+        </a:xfrm>
+      </p:grpSpPr>
+      <p:sp>
+        <p:nvSpPr>
+          <p:cNvPr id="2" name="Titre 1"/>
+          <p:cNvSpPr>
+            <a:spLocks noGrp="1"/>
+          </p:cNvSpPr>
+          <p:nvPr>
+            <p:ph type="title"/>
+          </p:nvPr>
+        </p:nvSpPr>
+        <p:spPr/>
+        <p:txBody>
+          <a:bodyPr/>
+          <a:lstStyle/>
+          <a:p>
+            <a:r>
+              <a:rPr lang="fr-FR" dirty="0" smtClean="0"/>
+              <a:t>Architecture</a:t>
+            </a:r>
+            <a:endParaRPr lang="fr-FR" dirty="0"/>
+          </a:p>
+        </p:txBody>
+      </p:sp>
+      <p:sp>
+        <p:nvSpPr>
+          <p:cNvPr id="3" name="Espace réservé du contenu 2"/>
+          <p:cNvSpPr>
+            <a:spLocks noGrp="1"/>
+          </p:cNvSpPr>
+          <p:nvPr>
+            <p:ph idx="1"/>
+          </p:nvPr>
+        </p:nvSpPr>
+        <p:spPr/>
+        <p:txBody>
+          <a:bodyPr/>
+          <a:lstStyle/>
+          <a:p>
+            <a:r>
+              <a:rPr lang="fr-FR" dirty="0" smtClean="0"/>
+              <a:t>Quelques bases</a:t>
+            </a:r>
+          </a:p>
+          <a:p>
+            <a:pPr lvl="1"/>
+            <a:r>
+              <a:rPr lang="fr-FR" dirty="0" smtClean="0"/>
+              <a:t>MVC</a:t>
+            </a:r>
+          </a:p>
+          <a:p>
+            <a:pPr lvl="1"/>
+            <a:r>
+              <a:rPr lang="fr-FR" dirty="0" smtClean="0"/>
+              <a:t>ORM</a:t>
+            </a:r>
+          </a:p>
+          <a:p>
+            <a:pPr lvl="1"/>
+            <a:endParaRPr lang="fr-FR" dirty="0"/>
+          </a:p>
+          <a:p>
+            <a:pPr lvl="1"/>
+            <a:endParaRPr lang="fr-FR" dirty="0" smtClean="0"/>
+          </a:p>
+          <a:p>
+            <a:pPr lvl="1"/>
+            <a:endParaRPr lang="fr-FR" dirty="0"/>
+          </a:p>
+          <a:p>
+            <a:r>
+              <a:rPr lang="fr-FR" dirty="0" smtClean="0"/>
+              <a:t>Préparation intégration projets Sas/Jasper</a:t>
+            </a:r>
+          </a:p>
+          <a:p>
+            <a:pPr lvl="1"/>
+            <a:endParaRPr lang="fr-FR" dirty="0"/>
+          </a:p>
+          <a:p>
+            <a:pPr lvl="1"/>
+            <a:endParaRPr lang="fr-FR" dirty="0" smtClean="0"/>
+          </a:p>
+        </p:txBody>
+      </p:sp>
+    </p:spTree>
+    <p:extLst>
+      <p:ext uri="{BB962C8B-B14F-4D97-AF65-F5344CB8AC3E}">
+        <p14:creationId xmlns:p14="http://schemas.microsoft.com/office/powerpoint/2010/main" val="744936782"/>
+      </p:ext>
+    </p:extLst>
+  </p:cSld>
+  <p:clrMapOvr>
+    <a:masterClrMapping/>
+  </p:clrMapOvr>
+  <p:timing>
+    <p:tnLst>
+      <p:par>
+        <p:cTn id="1" dur="indefinite" restart="never" nodeType="tmRoot"/>
+      </p:par>
+    </p:tnLst>
+  </p:timing>
+</p:sld>
+</file>
+
+<file path=ppt/slides/slide15.xml><?xml version="1.0" encoding="utf-8"?>
+<p:sld xmlns:a="http://schemas.openxmlformats.org/drawingml/2006/main" xmlns:r="http://schemas.openxmlformats.org/officeDocument/2006/relationships" xmlns:p="http://schemas.openxmlformats.org/presentationml/2006/main">
+  <p:cSld>
+    <p:spTree>
+      <p:nvGrpSpPr>
+        <p:cNvPr id="1" name=""/>
+        <p:cNvGrpSpPr/>
+        <p:nvPr/>
+      </p:nvGrpSpPr>
+      <p:grpSpPr>
+        <a:xfrm>
+          <a:off x="0" y="0"/>
+          <a:ext cx="0" cy="0"/>
+          <a:chOff x="0" y="0"/>
+          <a:chExt cx="0" cy="0"/>
+        </a:xfrm>
+      </p:grpSpPr>
+      <p:sp>
+        <p:nvSpPr>
+          <p:cNvPr id="2" name="Titre 1"/>
+          <p:cNvSpPr>
+            <a:spLocks noGrp="1"/>
+          </p:cNvSpPr>
+          <p:nvPr>
+            <p:ph type="title"/>
+          </p:nvPr>
+        </p:nvSpPr>
+        <p:spPr/>
+        <p:txBody>
+          <a:bodyPr/>
+          <a:lstStyle/>
+          <a:p>
+            <a:r>
+              <a:rPr lang="fr-FR" dirty="0" smtClean="0"/>
+              <a:t>Bilan</a:t>
+            </a:r>
+            <a:endParaRPr lang="fr-FR" dirty="0"/>
+          </a:p>
+        </p:txBody>
+      </p:sp>
+      <p:sp>
+        <p:nvSpPr>
+          <p:cNvPr id="3" name="Espace réservé du contenu 2"/>
+          <p:cNvSpPr>
+            <a:spLocks noGrp="1"/>
+          </p:cNvSpPr>
+          <p:nvPr>
+            <p:ph idx="1"/>
+          </p:nvPr>
+        </p:nvSpPr>
+        <p:spPr/>
+        <p:txBody>
+          <a:bodyPr/>
+          <a:lstStyle/>
+          <a:p>
+            <a:r>
+              <a:rPr lang="fr-FR" dirty="0" smtClean="0"/>
+              <a:t>Nombreux livrables réalisés</a:t>
+            </a:r>
+            <a:endParaRPr lang="fr-FR" dirty="0"/>
+          </a:p>
+          <a:p>
+            <a:r>
+              <a:rPr lang="fr-FR" dirty="0" smtClean="0"/>
+              <a:t>Formalisation du travail réalisé depuis Septembre</a:t>
+            </a:r>
+            <a:endParaRPr lang="fr-FR" dirty="0"/>
+          </a:p>
+          <a:p>
+            <a:r>
+              <a:rPr lang="fr-FR" dirty="0" smtClean="0"/>
+              <a:t>Quelques études à faire, avancement prometteur</a:t>
+            </a:r>
+            <a:endParaRPr lang="fr-FR" dirty="0"/>
+          </a:p>
+          <a:p>
+            <a:pPr marL="114300" lvl="0" indent="0">
+              <a:buNone/>
+            </a:pPr>
+            <a:endParaRPr lang="fr-FR" dirty="0" smtClean="0"/>
+          </a:p>
+          <a:p>
+            <a:pPr marL="114300" lvl="0" indent="0">
+              <a:buNone/>
+            </a:pPr>
+            <a:r>
+              <a:rPr lang="fr-FR" sz="4000" dirty="0" smtClean="0"/>
+              <a:t>Objectifs</a:t>
+            </a:r>
+          </a:p>
+          <a:p>
+            <a:pPr marL="114300" lvl="0" indent="0">
+              <a:buNone/>
+            </a:pPr>
+            <a:endParaRPr lang="fr-FR" dirty="0" smtClean="0"/>
+          </a:p>
+          <a:p>
+            <a:pPr lvl="0"/>
+            <a:r>
+              <a:rPr lang="fr-FR" dirty="0" smtClean="0"/>
+              <a:t>Réalisation </a:t>
+            </a:r>
+            <a:r>
+              <a:rPr lang="fr-FR" dirty="0"/>
+              <a:t>de tous les scénarios</a:t>
+            </a:r>
+          </a:p>
+          <a:p>
+            <a:pPr lvl="0"/>
+            <a:r>
+              <a:rPr lang="fr-FR" dirty="0"/>
+              <a:t>Spécification de la partie Etude</a:t>
+            </a:r>
+          </a:p>
+          <a:p>
+            <a:pPr lvl="0"/>
+            <a:r>
+              <a:rPr lang="fr-FR" dirty="0"/>
+              <a:t>Implémentation des rapports SAS/Jasper dans le projet Java</a:t>
+            </a:r>
+          </a:p>
+          <a:p>
+            <a:pPr lvl="0"/>
+            <a:r>
+              <a:rPr lang="fr-FR" dirty="0"/>
+              <a:t>Etude sur l’utilisation d’un cube</a:t>
+            </a:r>
+          </a:p>
+          <a:p>
+            <a:endParaRPr lang="fr-FR" dirty="0"/>
+          </a:p>
+        </p:txBody>
+      </p:sp>
+    </p:spTree>
+    <p:extLst>
+      <p:ext uri="{BB962C8B-B14F-4D97-AF65-F5344CB8AC3E}">
+        <p14:creationId xmlns:p14="http://schemas.microsoft.com/office/powerpoint/2010/main" val="2339519903"/>
       </p:ext>
     </p:extLst>
   </p:cSld>
@@ -5588,6 +6111,7 @@
           <a:bodyPr/>
           <a:lstStyle/>
           <a:p>
+            <a:pPr algn="ctr"/>
             <a:r>
               <a:rPr lang="fr-FR" dirty="0" smtClean="0"/>
               <a:t>Alimentation</a:t>
@@ -5598,22 +6122,43 @@
       </p:sp>
       <p:sp>
         <p:nvSpPr>
-          <p:cNvPr id="3" name="Espace réservé du contenu 2"/>
-          <p:cNvSpPr>
-            <a:spLocks noGrp="1"/>
-          </p:cNvSpPr>
-          <p:nvPr>
-            <p:ph idx="1"/>
-          </p:nvPr>
-        </p:nvSpPr>
-        <p:spPr/>
-        <p:txBody>
-          <a:bodyPr/>
-          <a:lstStyle/>
-          <a:p>
-            <a:pPr marL="114300" indent="0">
-              <a:buNone/>
-            </a:pPr>
+          <p:cNvPr id="5" name="ZoneTexte 4"/>
+          <p:cNvSpPr txBox="1"/>
+          <p:nvPr/>
+        </p:nvSpPr>
+        <p:spPr>
+          <a:xfrm>
+            <a:off x="877394" y="4941168"/>
+            <a:ext cx="6840760" cy="369332"/>
+          </a:xfrm>
+          <a:prstGeom prst="rect">
+            <a:avLst/>
+          </a:prstGeom>
+        </p:spPr>
+        <p:style>
+          <a:lnRef idx="1">
+            <a:schemeClr val="accent2"/>
+          </a:lnRef>
+          <a:fillRef idx="3">
+            <a:schemeClr val="accent2"/>
+          </a:fillRef>
+          <a:effectRef idx="2">
+            <a:schemeClr val="accent2"/>
+          </a:effectRef>
+          <a:fontRef idx="minor">
+            <a:schemeClr val="lt1"/>
+          </a:fontRef>
+        </p:style>
+        <p:txBody>
+          <a:bodyPr wrap="square" rtlCol="0">
+            <a:spAutoFit/>
+          </a:bodyPr>
+          <a:lstStyle/>
+          <a:p>
+            <a:r>
+              <a:rPr lang="fr-FR" dirty="0" smtClean="0"/>
+              <a:t>Objectif : Réalisation des spécifications pour l’alimentation</a:t>
+            </a:r>
             <a:endParaRPr lang="fr-FR" dirty="0"/>
           </a:p>
         </p:txBody>
@@ -5719,10 +6264,17 @@
             </a:r>
           </a:p>
           <a:p>
+            <a:endParaRPr lang="fr-FR" dirty="0" smtClean="0"/>
+          </a:p>
+          <a:p>
+            <a:endParaRPr lang="fr-FR" dirty="0"/>
+          </a:p>
+          <a:p>
             <a:r>
               <a:rPr lang="fr-FR" dirty="0" smtClean="0"/>
               <a:t>Chiffres</a:t>
             </a:r>
+            <a:endParaRPr lang="fr-FR" dirty="0" smtClean="0"/>
           </a:p>
           <a:p>
             <a:pPr lvl="1"/>
@@ -5807,8 +6359,18 @@
           <a:p>
             <a:r>
               <a:rPr lang="fr-FR" dirty="0" smtClean="0"/>
-              <a:t>Analyse des données en entrée pour spécifier les traitements à effectuer pour les insérer dans la BDD.</a:t>
-            </a:r>
+              <a:t>Analyse des données en entrée pour spécifier les traitements à effectuer pour les insérer dans la BDD</a:t>
+            </a:r>
+            <a:r>
+              <a:rPr lang="fr-FR" dirty="0" smtClean="0"/>
+              <a:t>.</a:t>
+            </a:r>
+          </a:p>
+          <a:p>
+            <a:endParaRPr lang="fr-FR" dirty="0"/>
+          </a:p>
+          <a:p>
+            <a:endParaRPr lang="fr-FR" dirty="0" smtClean="0"/>
           </a:p>
           <a:p>
             <a:r>
@@ -5918,8 +6480,20 @@
             <a:pPr lvl="1"/>
             <a:r>
               <a:rPr lang="fr-FR" dirty="0" smtClean="0"/>
-              <a:t>Mensuellement par famille produit.</a:t>
-            </a:r>
+              <a:t>Mensuellement par famille produit</a:t>
+            </a:r>
+            <a:r>
+              <a:rPr lang="fr-FR" dirty="0" smtClean="0"/>
+              <a:t>.</a:t>
+            </a:r>
+          </a:p>
+          <a:p>
+            <a:pPr lvl="1"/>
+            <a:endParaRPr lang="fr-FR" dirty="0"/>
+          </a:p>
+          <a:p>
+            <a:pPr lvl="1"/>
+            <a:endParaRPr lang="fr-FR" dirty="0" smtClean="0"/>
           </a:p>
           <a:p>
             <a:r>
@@ -5937,10 +6511,9 @@
           <a:p>
             <a:pPr lvl="1"/>
             <a:r>
-              <a:rPr lang="fr-FR" smtClean="0"/>
+              <a:rPr lang="fr-FR" dirty="0" smtClean="0"/>
               <a:t>Alimentation exceptionnelle.</a:t>
             </a:r>
-            <a:endParaRPr lang="fr-FR" dirty="0" smtClean="0"/>
           </a:p>
         </p:txBody>
       </p:sp>
@@ -5996,9 +6569,67 @@
           <a:bodyPr/>
           <a:lstStyle/>
           <a:p>
+            <a:pPr algn="ctr"/>
             <a:r>
               <a:rPr lang="fr-FR" dirty="0" smtClean="0"/>
               <a:t>ETL</a:t>
+            </a:r>
+            <a:br>
+              <a:rPr lang="fr-FR" dirty="0" smtClean="0"/>
+            </a:br>
+            <a:r>
+              <a:rPr lang="fr-FR" dirty="0"/>
+              <a:t/>
+            </a:r>
+            <a:br>
+              <a:rPr lang="fr-FR" dirty="0"/>
+            </a:br>
+            <a:r>
+              <a:rPr lang="fr-FR" dirty="0" smtClean="0"/>
+              <a:t>Démonstration</a:t>
+            </a:r>
+            <a:endParaRPr lang="fr-FR" dirty="0"/>
+          </a:p>
+        </p:txBody>
+      </p:sp>
+      <p:sp>
+        <p:nvSpPr>
+          <p:cNvPr id="4" name="ZoneTexte 3"/>
+          <p:cNvSpPr txBox="1"/>
+          <p:nvPr/>
+        </p:nvSpPr>
+        <p:spPr>
+          <a:xfrm>
+            <a:off x="877394" y="4941168"/>
+            <a:ext cx="6840760" cy="369332"/>
+          </a:xfrm>
+          <a:prstGeom prst="rect">
+            <a:avLst/>
+          </a:prstGeom>
+        </p:spPr>
+        <p:style>
+          <a:lnRef idx="1">
+            <a:schemeClr val="accent2"/>
+          </a:lnRef>
+          <a:fillRef idx="3">
+            <a:schemeClr val="accent2"/>
+          </a:fillRef>
+          <a:effectRef idx="2">
+            <a:schemeClr val="accent2"/>
+          </a:effectRef>
+          <a:fontRef idx="minor">
+            <a:schemeClr val="lt1"/>
+          </a:fontRef>
+        </p:style>
+        <p:txBody>
+          <a:bodyPr wrap="square" rtlCol="0">
+            <a:spAutoFit/>
+          </a:bodyPr>
+          <a:lstStyle/>
+          <a:p>
+            <a:r>
+              <a:rPr lang="fr-FR" dirty="0" smtClean="0"/>
+              <a:t>Objectif : Réalisation Alimentation Mensuelle</a:t>
             </a:r>
             <a:endParaRPr lang="fr-FR" dirty="0"/>
           </a:p>
